--- a/Slides/P2024-PSSummit-RunspaceWorkflows.pptx
+++ b/Slides/P2024-PSSummit-RunspaceWorkflows.pptx
@@ -14,9 +14,9 @@
     <p:sldId id="259" r:id="rId5"/>
     <p:sldId id="260" r:id="rId6"/>
     <p:sldId id="261" r:id="rId7"/>
-    <p:sldId id="262" r:id="rId8"/>
-    <p:sldId id="263" r:id="rId9"/>
-    <p:sldId id="264" r:id="rId10"/>
+    <p:sldId id="263" r:id="rId8"/>
+    <p:sldId id="264" r:id="rId9"/>
+    <p:sldId id="262" r:id="rId10"/>
   </p:sldIdLst>
   <p:sldSz cx="12192000" cy="6858000"/>
   <p:notesSz cx="6858000" cy="9144000"/>
@@ -205,7 +205,7 @@
           <a:p>
             <a:fld id="{81A86F4D-D9F4-4BB9-869C-84E651941280}" type="datetimeFigureOut">
               <a:rPr lang="en-US" smtClean="0"/>
-              <a:t>4/5/2024</a:t>
+              <a:t>4/10/2024</a:t>
             </a:fld>
             <a:endParaRPr lang="en-US"/>
           </a:p>
@@ -821,7 +821,66 @@
           <a:p>
             <a:r>
               <a:rPr lang="en-US" dirty="0"/>
-              <a:t>Need to pass values from Step to Step as they arrive</a:t>
+              <a:t>The Highlander </a:t>
+            </a:r>
+            <a:r>
+              <a:rPr lang="en-US" dirty="0" err="1"/>
+              <a:t>Runspace</a:t>
+            </a:r>
+            <a:endParaRPr lang="en-US" dirty="0"/>
+          </a:p>
+          <a:p>
+            <a:pPr marL="171450" indent="-171450">
+              <a:buFontTx/>
+              <a:buChar char="-"/>
+            </a:pPr>
+            <a:r>
+              <a:rPr lang="en-US" dirty="0"/>
+              <a:t>Receive Data from other </a:t>
+            </a:r>
+            <a:r>
+              <a:rPr lang="en-US" dirty="0" err="1"/>
+              <a:t>Runspaces</a:t>
+            </a:r>
+            <a:r>
+              <a:rPr lang="en-US" dirty="0"/>
+              <a:t> (e.g. logging)</a:t>
+            </a:r>
+          </a:p>
+          <a:p>
+            <a:pPr marL="171450" indent="-171450">
+              <a:buFontTx/>
+              <a:buChar char="-"/>
+            </a:pPr>
+            <a:r>
+              <a:rPr lang="en-US" dirty="0"/>
+              <a:t>Provide and keep updated a cache</a:t>
+            </a:r>
+          </a:p>
+          <a:p>
+            <a:pPr marL="171450" indent="-171450">
+              <a:buFontTx/>
+              <a:buChar char="-"/>
+            </a:pPr>
+            <a:r>
+              <a:rPr lang="en-US" dirty="0"/>
+              <a:t>Operate as a workload manager for </a:t>
+            </a:r>
+            <a:r>
+              <a:rPr lang="en-US" dirty="0" err="1"/>
+              <a:t>runspaces</a:t>
+            </a:r>
+            <a:r>
+              <a:rPr lang="en-US" dirty="0"/>
+              <a:t> (Does this have to be a </a:t>
+            </a:r>
+            <a:r>
+              <a:rPr lang="en-US" dirty="0" err="1"/>
+              <a:t>Runspace</a:t>
+            </a:r>
+            <a:r>
+              <a:rPr lang="en-US" dirty="0"/>
+              <a:t>?)</a:t>
             </a:r>
           </a:p>
         </p:txBody>
@@ -852,7 +911,7 @@
     </p:spTree>
     <p:extLst>
       <p:ext uri="{BB962C8B-B14F-4D97-AF65-F5344CB8AC3E}">
-        <p14:creationId xmlns:p14="http://schemas.microsoft.com/office/powerpoint/2010/main" val="2141196044"/>
+        <p14:creationId xmlns:p14="http://schemas.microsoft.com/office/powerpoint/2010/main" val="1672097660"/>
       </p:ext>
     </p:extLst>
   </p:cSld>
@@ -908,66 +967,7 @@
           <a:p>
             <a:r>
               <a:rPr lang="en-US" dirty="0"/>
-              <a:t>The Highlander </a:t>
-            </a:r>
-            <a:r>
-              <a:rPr lang="en-US" dirty="0" err="1"/>
-              <a:t>Runspace</a:t>
-            </a:r>
-            <a:endParaRPr lang="en-US" dirty="0"/>
-          </a:p>
-          <a:p>
-            <a:pPr marL="171450" indent="-171450">
-              <a:buFontTx/>
-              <a:buChar char="-"/>
-            </a:pPr>
-            <a:r>
-              <a:rPr lang="en-US" dirty="0"/>
-              <a:t>Receive Data from other </a:t>
-            </a:r>
-            <a:r>
-              <a:rPr lang="en-US" dirty="0" err="1"/>
-              <a:t>Runspaces</a:t>
-            </a:r>
-            <a:r>
-              <a:rPr lang="en-US" dirty="0"/>
-              <a:t> (e.g. logging)</a:t>
-            </a:r>
-          </a:p>
-          <a:p>
-            <a:pPr marL="171450" indent="-171450">
-              <a:buFontTx/>
-              <a:buChar char="-"/>
-            </a:pPr>
-            <a:r>
-              <a:rPr lang="en-US" dirty="0"/>
-              <a:t>Provide and keep updated a cache</a:t>
-            </a:r>
-          </a:p>
-          <a:p>
-            <a:pPr marL="171450" indent="-171450">
-              <a:buFontTx/>
-              <a:buChar char="-"/>
-            </a:pPr>
-            <a:r>
-              <a:rPr lang="en-US" dirty="0"/>
-              <a:t>Operate as a workload manager for </a:t>
-            </a:r>
-            <a:r>
-              <a:rPr lang="en-US" dirty="0" err="1"/>
-              <a:t>runspaces</a:t>
-            </a:r>
-            <a:r>
-              <a:rPr lang="en-US" dirty="0"/>
-              <a:t> (Does this have to be a </a:t>
-            </a:r>
-            <a:r>
-              <a:rPr lang="en-US" dirty="0" err="1"/>
-              <a:t>Runspace</a:t>
-            </a:r>
-            <a:r>
-              <a:rPr lang="en-US" dirty="0"/>
-              <a:t>?)</a:t>
+              <a:t>Scheduled Task</a:t>
             </a:r>
           </a:p>
         </p:txBody>
@@ -998,7 +998,7 @@
     </p:spTree>
     <p:extLst>
       <p:ext uri="{BB962C8B-B14F-4D97-AF65-F5344CB8AC3E}">
-        <p14:creationId xmlns:p14="http://schemas.microsoft.com/office/powerpoint/2010/main" val="1672097660"/>
+        <p14:creationId xmlns:p14="http://schemas.microsoft.com/office/powerpoint/2010/main" val="3485476471"/>
       </p:ext>
     </p:extLst>
   </p:cSld>
@@ -1054,8 +1054,34 @@
           <a:p>
             <a:r>
               <a:rPr lang="en-US" dirty="0"/>
-              <a:t>Scheduled Task</a:t>
-            </a:r>
+              <a:t>Need to pass values from Step to Step as they arrive</a:t>
+            </a:r>
+          </a:p>
+          <a:p>
+            <a:pPr marL="0" marR="0" lvl="0" indent="0" algn="l" defTabSz="914400" rtl="0" eaLnBrk="1" fontAlgn="auto" latinLnBrk="0" hangingPunct="1">
+              <a:lnSpc>
+                <a:spcPct val="100000"/>
+              </a:lnSpc>
+              <a:spcBef>
+                <a:spcPts val="0"/>
+              </a:spcBef>
+              <a:spcAft>
+                <a:spcPts val="0"/>
+              </a:spcAft>
+              <a:buClrTx/>
+              <a:buSzTx/>
+              <a:buFontTx/>
+              <a:buNone/>
+              <a:tabLst/>
+              <a:defRPr/>
+            </a:pPr>
+            <a:r>
+              <a:rPr lang="en-US"/>
+              <a:t>How does a step know it is done?</a:t>
+            </a:r>
+          </a:p>
+          <a:p>
+            <a:endParaRPr lang="en-US" dirty="0"/>
           </a:p>
         </p:txBody>
       </p:sp>
@@ -1085,7 +1111,7 @@
     </p:spTree>
     <p:extLst>
       <p:ext uri="{BB962C8B-B14F-4D97-AF65-F5344CB8AC3E}">
-        <p14:creationId xmlns:p14="http://schemas.microsoft.com/office/powerpoint/2010/main" val="3485476471"/>
+        <p14:creationId xmlns:p14="http://schemas.microsoft.com/office/powerpoint/2010/main" val="2141196044"/>
       </p:ext>
     </p:extLst>
   </p:cSld>
@@ -1242,7 +1268,7 @@
           <a:p>
             <a:fld id="{CFFA2681-AAC9-4933-8050-F676F94ADC90}" type="datetimeFigureOut">
               <a:rPr lang="en-US" smtClean="0"/>
-              <a:t>4/5/2024</a:t>
+              <a:t>4/10/2024</a:t>
             </a:fld>
             <a:endParaRPr lang="en-US"/>
           </a:p>
@@ -1440,7 +1466,7 @@
           <a:p>
             <a:fld id="{CFFA2681-AAC9-4933-8050-F676F94ADC90}" type="datetimeFigureOut">
               <a:rPr lang="en-US" smtClean="0"/>
-              <a:t>4/5/2024</a:t>
+              <a:t>4/10/2024</a:t>
             </a:fld>
             <a:endParaRPr lang="en-US"/>
           </a:p>
@@ -1648,7 +1674,7 @@
           <a:p>
             <a:fld id="{CFFA2681-AAC9-4933-8050-F676F94ADC90}" type="datetimeFigureOut">
               <a:rPr lang="en-US" smtClean="0"/>
-              <a:t>4/5/2024</a:t>
+              <a:t>4/10/2024</a:t>
             </a:fld>
             <a:endParaRPr lang="en-US"/>
           </a:p>
@@ -1846,7 +1872,7 @@
           <a:p>
             <a:fld id="{CFFA2681-AAC9-4933-8050-F676F94ADC90}" type="datetimeFigureOut">
               <a:rPr lang="en-US" smtClean="0"/>
-              <a:t>4/5/2024</a:t>
+              <a:t>4/10/2024</a:t>
             </a:fld>
             <a:endParaRPr lang="en-US"/>
           </a:p>
@@ -2121,7 +2147,7 @@
           <a:p>
             <a:fld id="{CFFA2681-AAC9-4933-8050-F676F94ADC90}" type="datetimeFigureOut">
               <a:rPr lang="en-US" smtClean="0"/>
-              <a:t>4/5/2024</a:t>
+              <a:t>4/10/2024</a:t>
             </a:fld>
             <a:endParaRPr lang="en-US"/>
           </a:p>
@@ -2386,7 +2412,7 @@
           <a:p>
             <a:fld id="{CFFA2681-AAC9-4933-8050-F676F94ADC90}" type="datetimeFigureOut">
               <a:rPr lang="en-US" smtClean="0"/>
-              <a:t>4/5/2024</a:t>
+              <a:t>4/10/2024</a:t>
             </a:fld>
             <a:endParaRPr lang="en-US"/>
           </a:p>
@@ -2798,7 +2824,7 @@
           <a:p>
             <a:fld id="{CFFA2681-AAC9-4933-8050-F676F94ADC90}" type="datetimeFigureOut">
               <a:rPr lang="en-US" smtClean="0"/>
-              <a:t>4/5/2024</a:t>
+              <a:t>4/10/2024</a:t>
             </a:fld>
             <a:endParaRPr lang="en-US"/>
           </a:p>
@@ -2939,7 +2965,7 @@
           <a:p>
             <a:fld id="{CFFA2681-AAC9-4933-8050-F676F94ADC90}" type="datetimeFigureOut">
               <a:rPr lang="en-US" smtClean="0"/>
-              <a:t>4/5/2024</a:t>
+              <a:t>4/10/2024</a:t>
             </a:fld>
             <a:endParaRPr lang="en-US"/>
           </a:p>
@@ -3052,7 +3078,7 @@
           <a:p>
             <a:fld id="{CFFA2681-AAC9-4933-8050-F676F94ADC90}" type="datetimeFigureOut">
               <a:rPr lang="en-US" smtClean="0"/>
-              <a:t>4/5/2024</a:t>
+              <a:t>4/10/2024</a:t>
             </a:fld>
             <a:endParaRPr lang="en-US"/>
           </a:p>
@@ -3363,7 +3389,7 @@
           <a:p>
             <a:fld id="{CFFA2681-AAC9-4933-8050-F676F94ADC90}" type="datetimeFigureOut">
               <a:rPr lang="en-US" smtClean="0"/>
-              <a:t>4/5/2024</a:t>
+              <a:t>4/10/2024</a:t>
             </a:fld>
             <a:endParaRPr lang="en-US"/>
           </a:p>
@@ -3651,7 +3677,7 @@
           <a:p>
             <a:fld id="{CFFA2681-AAC9-4933-8050-F676F94ADC90}" type="datetimeFigureOut">
               <a:rPr lang="en-US" smtClean="0"/>
-              <a:t>4/5/2024</a:t>
+              <a:t>4/10/2024</a:t>
             </a:fld>
             <a:endParaRPr lang="en-US"/>
           </a:p>
@@ -3892,7 +3918,7 @@
           <a:p>
             <a:fld id="{CFFA2681-AAC9-4933-8050-F676F94ADC90}" type="datetimeFigureOut">
               <a:rPr lang="en-US" smtClean="0"/>
-              <a:t>4/5/2024</a:t>
+              <a:t>4/10/2024</a:t>
             </a:fld>
             <a:endParaRPr lang="en-US"/>
           </a:p>
@@ -4467,6 +4493,12 @@
             </a:r>
           </a:p>
           <a:p>
+            <a:r>
+              <a:rPr lang="en-US" dirty="0"/>
+              <a:t>PS Discord: Fred (#psframework)</a:t>
+            </a:r>
+          </a:p>
+          <a:p>
             <a:endParaRPr lang="en-US" dirty="0"/>
           </a:p>
           <a:p>
@@ -4582,7 +4614,7 @@
                                         <p:tgtEl>
                                           <p:spTgt spid="3">
                                             <p:txEl>
-                                              <p:pRg st="4" end="4"/>
+                                              <p:pRg st="5" end="5"/>
                                             </p:txEl>
                                           </p:spTgt>
                                         </p:tgtEl>
@@ -4600,7 +4632,7 @@
                                         <p:tgtEl>
                                           <p:spTgt spid="3">
                                             <p:txEl>
-                                              <p:pRg st="4" end="4"/>
+                                              <p:pRg st="5" end="5"/>
                                             </p:txEl>
                                           </p:spTgt>
                                         </p:tgtEl>
@@ -4625,7 +4657,7 @@
                                         <p:tgtEl>
                                           <p:spTgt spid="3">
                                             <p:txEl>
-                                              <p:pRg st="5" end="5"/>
+                                              <p:pRg st="6" end="6"/>
                                             </p:txEl>
                                           </p:spTgt>
                                         </p:tgtEl>
@@ -4643,7 +4675,7 @@
                                         <p:tgtEl>
                                           <p:spTgt spid="3">
                                             <p:txEl>
-                                              <p:pRg st="5" end="5"/>
+                                              <p:pRg st="6" end="6"/>
                                             </p:txEl>
                                           </p:spTgt>
                                         </p:tgtEl>
@@ -4668,7 +4700,7 @@
                                         <p:tgtEl>
                                           <p:spTgt spid="3">
                                             <p:txEl>
-                                              <p:pRg st="6" end="6"/>
+                                              <p:pRg st="7" end="7"/>
                                             </p:txEl>
                                           </p:spTgt>
                                         </p:tgtEl>
@@ -4686,7 +4718,7 @@
                                         <p:tgtEl>
                                           <p:spTgt spid="3">
                                             <p:txEl>
-                                              <p:pRg st="6" end="6"/>
+                                              <p:pRg st="7" end="7"/>
                                             </p:txEl>
                                           </p:spTgt>
                                         </p:tgtEl>
@@ -4711,7 +4743,7 @@
                                         <p:tgtEl>
                                           <p:spTgt spid="3">
                                             <p:txEl>
-                                              <p:pRg st="7" end="7"/>
+                                              <p:pRg st="8" end="8"/>
                                             </p:txEl>
                                           </p:spTgt>
                                         </p:tgtEl>
@@ -4729,7 +4761,7 @@
                                         <p:tgtEl>
                                           <p:spTgt spid="3">
                                             <p:txEl>
-                                              <p:pRg st="7" end="7"/>
+                                              <p:pRg st="8" end="8"/>
                                             </p:txEl>
                                           </p:spTgt>
                                         </p:tgtEl>
@@ -4844,13 +4876,8 @@
             </a:br>
             <a:r>
               <a:rPr lang="en-US" dirty="0"/>
-              <a:t>The different scenarios </a:t>
-            </a:r>
-            <a:r>
-              <a:rPr lang="en-US"/>
-              <a:t>/ patterns</a:t>
-            </a:r>
-            <a:endParaRPr lang="en-US" dirty="0"/>
+              <a:t>The different scenarios / patterns</a:t>
+            </a:r>
           </a:p>
           <a:p>
             <a:endParaRPr lang="en-US" dirty="0"/>
@@ -8344,6 +8371,2961 @@
       </p:grpSpPr>
       <p:sp>
         <p:nvSpPr>
+          <p:cNvPr id="11" name="Rectangle: Rounded Corners 10">
+            <a:extLst>
+              <a:ext uri="{FF2B5EF4-FFF2-40B4-BE49-F238E27FC236}">
+                <a16:creationId xmlns:a16="http://schemas.microsoft.com/office/drawing/2014/main" id="{6D639121-3920-99E0-4F32-D1E24FCD003C}"/>
+              </a:ext>
+            </a:extLst>
+          </p:cNvPr>
+          <p:cNvSpPr/>
+          <p:nvPr/>
+        </p:nvSpPr>
+        <p:spPr>
+          <a:xfrm>
+            <a:off x="492368" y="5769601"/>
+            <a:ext cx="2984057" cy="571500"/>
+          </a:xfrm>
+          <a:prstGeom prst="roundRect">
+            <a:avLst/>
+          </a:prstGeom>
+        </p:spPr>
+        <p:style>
+          <a:lnRef idx="2">
+            <a:schemeClr val="accent4">
+              <a:shade val="15000"/>
+            </a:schemeClr>
+          </a:lnRef>
+          <a:fillRef idx="1">
+            <a:schemeClr val="accent4"/>
+          </a:fillRef>
+          <a:effectRef idx="0">
+            <a:schemeClr val="accent4"/>
+          </a:effectRef>
+          <a:fontRef idx="minor">
+            <a:schemeClr val="lt1"/>
+          </a:fontRef>
+        </p:style>
+        <p:txBody>
+          <a:bodyPr rtlCol="0" anchor="ctr"/>
+          <a:lstStyle/>
+          <a:p>
+            <a:pPr algn="ctr"/>
+            <a:endParaRPr lang="en-US" dirty="0"/>
+          </a:p>
+        </p:txBody>
+      </p:sp>
+      <p:sp>
+        <p:nvSpPr>
+          <p:cNvPr id="2" name="Title 1">
+            <a:extLst>
+              <a:ext uri="{FF2B5EF4-FFF2-40B4-BE49-F238E27FC236}">
+                <a16:creationId xmlns:a16="http://schemas.microsoft.com/office/drawing/2014/main" id="{F35A4997-6623-583C-8DB6-DD2B62CFAC88}"/>
+              </a:ext>
+            </a:extLst>
+          </p:cNvPr>
+          <p:cNvSpPr>
+            <a:spLocks noGrp="1"/>
+          </p:cNvSpPr>
+          <p:nvPr>
+            <p:ph type="title"/>
+          </p:nvPr>
+        </p:nvSpPr>
+        <p:spPr/>
+        <p:txBody>
+          <a:bodyPr/>
+          <a:lstStyle/>
+          <a:p>
+            <a:r>
+              <a:rPr lang="en-US" dirty="0"/>
+              <a:t>There Can Be Only One</a:t>
+            </a:r>
+          </a:p>
+        </p:txBody>
+      </p:sp>
+      <p:sp>
+        <p:nvSpPr>
+          <p:cNvPr id="4" name="Rectangle: Rounded Corners 3">
+            <a:extLst>
+              <a:ext uri="{FF2B5EF4-FFF2-40B4-BE49-F238E27FC236}">
+                <a16:creationId xmlns:a16="http://schemas.microsoft.com/office/drawing/2014/main" id="{750A5AA1-692E-5F60-DA3F-E4791D5ACBAD}"/>
+              </a:ext>
+            </a:extLst>
+          </p:cNvPr>
+          <p:cNvSpPr/>
+          <p:nvPr/>
+        </p:nvSpPr>
+        <p:spPr>
+          <a:xfrm>
+            <a:off x="383663" y="1886482"/>
+            <a:ext cx="11458775" cy="571500"/>
+          </a:xfrm>
+          <a:prstGeom prst="roundRect">
+            <a:avLst/>
+          </a:prstGeom>
+        </p:spPr>
+        <p:style>
+          <a:lnRef idx="2">
+            <a:schemeClr val="accent1">
+              <a:shade val="15000"/>
+            </a:schemeClr>
+          </a:lnRef>
+          <a:fillRef idx="1">
+            <a:schemeClr val="accent1"/>
+          </a:fillRef>
+          <a:effectRef idx="0">
+            <a:schemeClr val="accent1"/>
+          </a:effectRef>
+          <a:fontRef idx="minor">
+            <a:schemeClr val="lt1"/>
+          </a:fontRef>
+        </p:style>
+        <p:txBody>
+          <a:bodyPr rtlCol="0" anchor="ctr"/>
+          <a:lstStyle/>
+          <a:p>
+            <a:pPr algn="ctr"/>
+            <a:r>
+              <a:rPr lang="en-US" dirty="0"/>
+              <a:t>Main </a:t>
+            </a:r>
+            <a:r>
+              <a:rPr lang="en-US" dirty="0" err="1"/>
+              <a:t>Runspace</a:t>
+            </a:r>
+            <a:endParaRPr lang="en-US" dirty="0"/>
+          </a:p>
+        </p:txBody>
+      </p:sp>
+      <p:sp>
+        <p:nvSpPr>
+          <p:cNvPr id="8" name="Rectangle: Folded Corner 7">
+            <a:extLst>
+              <a:ext uri="{FF2B5EF4-FFF2-40B4-BE49-F238E27FC236}">
+                <a16:creationId xmlns:a16="http://schemas.microsoft.com/office/drawing/2014/main" id="{18B17AB0-061C-3D41-DBAA-95A42870C9DB}"/>
+              </a:ext>
+            </a:extLst>
+          </p:cNvPr>
+          <p:cNvSpPr/>
+          <p:nvPr/>
+        </p:nvSpPr>
+        <p:spPr>
+          <a:xfrm>
+            <a:off x="1150993" y="2883878"/>
+            <a:ext cx="428425" cy="505254"/>
+          </a:xfrm>
+          <a:prstGeom prst="foldedCorner">
+            <a:avLst/>
+          </a:prstGeom>
+        </p:spPr>
+        <p:style>
+          <a:lnRef idx="2">
+            <a:schemeClr val="accent2">
+              <a:shade val="15000"/>
+            </a:schemeClr>
+          </a:lnRef>
+          <a:fillRef idx="1">
+            <a:schemeClr val="accent2"/>
+          </a:fillRef>
+          <a:effectRef idx="0">
+            <a:schemeClr val="accent2"/>
+          </a:effectRef>
+          <a:fontRef idx="minor">
+            <a:schemeClr val="lt1"/>
+          </a:fontRef>
+        </p:style>
+        <p:txBody>
+          <a:bodyPr rtlCol="0" anchor="ctr"/>
+          <a:lstStyle/>
+          <a:p>
+            <a:pPr algn="ctr"/>
+            <a:endParaRPr lang="en-US"/>
+          </a:p>
+        </p:txBody>
+      </p:sp>
+      <p:sp>
+        <p:nvSpPr>
+          <p:cNvPr id="5" name="Rectangle: Rounded Corners 4">
+            <a:extLst>
+              <a:ext uri="{FF2B5EF4-FFF2-40B4-BE49-F238E27FC236}">
+                <a16:creationId xmlns:a16="http://schemas.microsoft.com/office/drawing/2014/main" id="{AD1F2318-2582-67D1-C31F-EBF45E21D1B1}"/>
+              </a:ext>
+            </a:extLst>
+          </p:cNvPr>
+          <p:cNvSpPr/>
+          <p:nvPr/>
+        </p:nvSpPr>
+        <p:spPr>
+          <a:xfrm>
+            <a:off x="383663" y="3822922"/>
+            <a:ext cx="11458775" cy="571500"/>
+          </a:xfrm>
+          <a:prstGeom prst="roundRect">
+            <a:avLst/>
+          </a:prstGeom>
+        </p:spPr>
+        <p:style>
+          <a:lnRef idx="2">
+            <a:schemeClr val="accent1">
+              <a:shade val="15000"/>
+            </a:schemeClr>
+          </a:lnRef>
+          <a:fillRef idx="1">
+            <a:schemeClr val="accent1"/>
+          </a:fillRef>
+          <a:effectRef idx="0">
+            <a:schemeClr val="accent1"/>
+          </a:effectRef>
+          <a:fontRef idx="minor">
+            <a:schemeClr val="lt1"/>
+          </a:fontRef>
+        </p:style>
+        <p:txBody>
+          <a:bodyPr rtlCol="0" anchor="ctr"/>
+          <a:lstStyle/>
+          <a:p>
+            <a:pPr algn="ctr"/>
+            <a:r>
+              <a:rPr lang="en-US" dirty="0"/>
+              <a:t>Background </a:t>
+            </a:r>
+            <a:r>
+              <a:rPr lang="en-US" dirty="0" err="1"/>
+              <a:t>Runspace</a:t>
+            </a:r>
+            <a:r>
+              <a:rPr lang="en-US" dirty="0"/>
+              <a:t> (Unique)</a:t>
+            </a:r>
+          </a:p>
+        </p:txBody>
+      </p:sp>
+      <p:cxnSp>
+        <p:nvCxnSpPr>
+          <p:cNvPr id="7" name="Straight Arrow Connector 6">
+            <a:extLst>
+              <a:ext uri="{FF2B5EF4-FFF2-40B4-BE49-F238E27FC236}">
+                <a16:creationId xmlns:a16="http://schemas.microsoft.com/office/drawing/2014/main" id="{7F0D0653-F349-7B68-309C-B186667DBEA5}"/>
+              </a:ext>
+            </a:extLst>
+          </p:cNvPr>
+          <p:cNvCxnSpPr/>
+          <p:nvPr/>
+        </p:nvCxnSpPr>
+        <p:spPr>
+          <a:xfrm>
+            <a:off x="665018" y="2457982"/>
+            <a:ext cx="805695" cy="1353084"/>
+          </a:xfrm>
+          <a:prstGeom prst="straightConnector1">
+            <a:avLst/>
+          </a:prstGeom>
+          <a:ln>
+            <a:tailEnd type="triangle"/>
+          </a:ln>
+        </p:spPr>
+        <p:style>
+          <a:lnRef idx="2">
+            <a:schemeClr val="accent6"/>
+          </a:lnRef>
+          <a:fillRef idx="0">
+            <a:schemeClr val="accent6"/>
+          </a:fillRef>
+          <a:effectRef idx="1">
+            <a:schemeClr val="accent6"/>
+          </a:effectRef>
+          <a:fontRef idx="minor">
+            <a:schemeClr val="tx1"/>
+          </a:fontRef>
+        </p:style>
+      </p:cxnSp>
+      <p:sp>
+        <p:nvSpPr>
+          <p:cNvPr id="10" name="Rectangle: Rounded Corners 9">
+            <a:extLst>
+              <a:ext uri="{FF2B5EF4-FFF2-40B4-BE49-F238E27FC236}">
+                <a16:creationId xmlns:a16="http://schemas.microsoft.com/office/drawing/2014/main" id="{C9677F89-0F11-6EC9-C261-2C6F84EB5D5D}"/>
+              </a:ext>
+            </a:extLst>
+          </p:cNvPr>
+          <p:cNvSpPr/>
+          <p:nvPr/>
+        </p:nvSpPr>
+        <p:spPr>
+          <a:xfrm>
+            <a:off x="429490" y="5830956"/>
+            <a:ext cx="2984057" cy="571500"/>
+          </a:xfrm>
+          <a:prstGeom prst="roundRect">
+            <a:avLst/>
+          </a:prstGeom>
+        </p:spPr>
+        <p:style>
+          <a:lnRef idx="2">
+            <a:schemeClr val="accent4">
+              <a:shade val="15000"/>
+            </a:schemeClr>
+          </a:lnRef>
+          <a:fillRef idx="1">
+            <a:schemeClr val="accent4"/>
+          </a:fillRef>
+          <a:effectRef idx="0">
+            <a:schemeClr val="accent4"/>
+          </a:effectRef>
+          <a:fontRef idx="minor">
+            <a:schemeClr val="lt1"/>
+          </a:fontRef>
+        </p:style>
+        <p:txBody>
+          <a:bodyPr rtlCol="0" anchor="ctr"/>
+          <a:lstStyle/>
+          <a:p>
+            <a:pPr algn="ctr"/>
+            <a:endParaRPr lang="en-US" dirty="0"/>
+          </a:p>
+        </p:txBody>
+      </p:sp>
+      <p:sp>
+        <p:nvSpPr>
+          <p:cNvPr id="14" name="Rectangle: Folded Corner 13">
+            <a:extLst>
+              <a:ext uri="{FF2B5EF4-FFF2-40B4-BE49-F238E27FC236}">
+                <a16:creationId xmlns:a16="http://schemas.microsoft.com/office/drawing/2014/main" id="{D9043924-E5BF-DD5A-5DA7-B5B98E89C472}"/>
+              </a:ext>
+            </a:extLst>
+          </p:cNvPr>
+          <p:cNvSpPr/>
+          <p:nvPr/>
+        </p:nvSpPr>
+        <p:spPr>
+          <a:xfrm>
+            <a:off x="1256500" y="4933618"/>
+            <a:ext cx="428425" cy="505254"/>
+          </a:xfrm>
+          <a:prstGeom prst="foldedCorner">
+            <a:avLst/>
+          </a:prstGeom>
+        </p:spPr>
+        <p:style>
+          <a:lnRef idx="2">
+            <a:schemeClr val="accent2">
+              <a:shade val="15000"/>
+            </a:schemeClr>
+          </a:lnRef>
+          <a:fillRef idx="1">
+            <a:schemeClr val="accent2"/>
+          </a:fillRef>
+          <a:effectRef idx="0">
+            <a:schemeClr val="accent2"/>
+          </a:effectRef>
+          <a:fontRef idx="minor">
+            <a:schemeClr val="lt1"/>
+          </a:fontRef>
+        </p:style>
+        <p:txBody>
+          <a:bodyPr rtlCol="0" anchor="ctr"/>
+          <a:lstStyle/>
+          <a:p>
+            <a:pPr algn="ctr"/>
+            <a:endParaRPr lang="en-US"/>
+          </a:p>
+        </p:txBody>
+      </p:sp>
+      <p:sp>
+        <p:nvSpPr>
+          <p:cNvPr id="9" name="Rectangle: Rounded Corners 8">
+            <a:extLst>
+              <a:ext uri="{FF2B5EF4-FFF2-40B4-BE49-F238E27FC236}">
+                <a16:creationId xmlns:a16="http://schemas.microsoft.com/office/drawing/2014/main" id="{60E618C2-5D05-45D6-C8C1-E4CC68E72A0D}"/>
+              </a:ext>
+            </a:extLst>
+          </p:cNvPr>
+          <p:cNvSpPr/>
+          <p:nvPr/>
+        </p:nvSpPr>
+        <p:spPr>
+          <a:xfrm>
+            <a:off x="366612" y="5889571"/>
+            <a:ext cx="2984057" cy="571500"/>
+          </a:xfrm>
+          <a:prstGeom prst="roundRect">
+            <a:avLst/>
+          </a:prstGeom>
+        </p:spPr>
+        <p:style>
+          <a:lnRef idx="2">
+            <a:schemeClr val="accent4">
+              <a:shade val="15000"/>
+            </a:schemeClr>
+          </a:lnRef>
+          <a:fillRef idx="1">
+            <a:schemeClr val="accent4"/>
+          </a:fillRef>
+          <a:effectRef idx="0">
+            <a:schemeClr val="accent4"/>
+          </a:effectRef>
+          <a:fontRef idx="minor">
+            <a:schemeClr val="lt1"/>
+          </a:fontRef>
+        </p:style>
+        <p:txBody>
+          <a:bodyPr rtlCol="0" anchor="ctr"/>
+          <a:lstStyle/>
+          <a:p>
+            <a:pPr algn="ctr"/>
+            <a:r>
+              <a:rPr lang="en-US" dirty="0"/>
+              <a:t>Sub </a:t>
+            </a:r>
+            <a:r>
+              <a:rPr lang="en-US" dirty="0" err="1"/>
+              <a:t>Runspaces</a:t>
+            </a:r>
+            <a:endParaRPr lang="en-US" dirty="0"/>
+          </a:p>
+        </p:txBody>
+      </p:sp>
+      <p:cxnSp>
+        <p:nvCxnSpPr>
+          <p:cNvPr id="13" name="Straight Arrow Connector 12">
+            <a:extLst>
+              <a:ext uri="{FF2B5EF4-FFF2-40B4-BE49-F238E27FC236}">
+                <a16:creationId xmlns:a16="http://schemas.microsoft.com/office/drawing/2014/main" id="{B2241F37-98C9-D605-0FC3-0CDD2F14FAF7}"/>
+              </a:ext>
+            </a:extLst>
+          </p:cNvPr>
+          <p:cNvCxnSpPr/>
+          <p:nvPr/>
+        </p:nvCxnSpPr>
+        <p:spPr>
+          <a:xfrm flipV="1">
+            <a:off x="1067865" y="4394422"/>
+            <a:ext cx="402848" cy="1375179"/>
+          </a:xfrm>
+          <a:prstGeom prst="straightConnector1">
+            <a:avLst/>
+          </a:prstGeom>
+          <a:ln>
+            <a:tailEnd type="triangle"/>
+          </a:ln>
+        </p:spPr>
+        <p:style>
+          <a:lnRef idx="2">
+            <a:schemeClr val="accent6"/>
+          </a:lnRef>
+          <a:fillRef idx="0">
+            <a:schemeClr val="accent6"/>
+          </a:fillRef>
+          <a:effectRef idx="1">
+            <a:schemeClr val="accent6"/>
+          </a:effectRef>
+          <a:fontRef idx="minor">
+            <a:schemeClr val="tx1"/>
+          </a:fontRef>
+        </p:style>
+      </p:cxnSp>
+      <p:sp>
+        <p:nvSpPr>
+          <p:cNvPr id="15" name="Oval 14">
+            <a:extLst>
+              <a:ext uri="{FF2B5EF4-FFF2-40B4-BE49-F238E27FC236}">
+                <a16:creationId xmlns:a16="http://schemas.microsoft.com/office/drawing/2014/main" id="{454D1785-7ECA-140C-E94E-3FAD06CCBDA7}"/>
+              </a:ext>
+            </a:extLst>
+          </p:cNvPr>
+          <p:cNvSpPr/>
+          <p:nvPr/>
+        </p:nvSpPr>
+        <p:spPr>
+          <a:xfrm>
+            <a:off x="4303435" y="2813538"/>
+            <a:ext cx="1425952" cy="615462"/>
+          </a:xfrm>
+          <a:prstGeom prst="ellipse">
+            <a:avLst/>
+          </a:prstGeom>
+        </p:spPr>
+        <p:style>
+          <a:lnRef idx="2">
+            <a:schemeClr val="accent3">
+              <a:shade val="15000"/>
+            </a:schemeClr>
+          </a:lnRef>
+          <a:fillRef idx="1">
+            <a:schemeClr val="accent3"/>
+          </a:fillRef>
+          <a:effectRef idx="0">
+            <a:schemeClr val="accent3"/>
+          </a:effectRef>
+          <a:fontRef idx="minor">
+            <a:schemeClr val="lt1"/>
+          </a:fontRef>
+        </p:style>
+        <p:txBody>
+          <a:bodyPr rtlCol="0" anchor="ctr"/>
+          <a:lstStyle/>
+          <a:p>
+            <a:pPr algn="ctr"/>
+            <a:r>
+              <a:rPr lang="en-US" dirty="0"/>
+              <a:t>Cache</a:t>
+            </a:r>
+          </a:p>
+        </p:txBody>
+      </p:sp>
+      <p:cxnSp>
+        <p:nvCxnSpPr>
+          <p:cNvPr id="17" name="Straight Arrow Connector 16">
+            <a:extLst>
+              <a:ext uri="{FF2B5EF4-FFF2-40B4-BE49-F238E27FC236}">
+                <a16:creationId xmlns:a16="http://schemas.microsoft.com/office/drawing/2014/main" id="{32D74B82-008B-B7F3-3796-89B8DB9A0762}"/>
+              </a:ext>
+            </a:extLst>
+          </p:cNvPr>
+          <p:cNvCxnSpPr>
+            <a:endCxn id="15" idx="4"/>
+          </p:cNvCxnSpPr>
+          <p:nvPr/>
+        </p:nvCxnSpPr>
+        <p:spPr>
+          <a:xfrm flipV="1">
+            <a:off x="4859748" y="3429000"/>
+            <a:ext cx="156663" cy="393922"/>
+          </a:xfrm>
+          <a:prstGeom prst="straightConnector1">
+            <a:avLst/>
+          </a:prstGeom>
+          <a:ln>
+            <a:tailEnd type="triangle"/>
+          </a:ln>
+        </p:spPr>
+        <p:style>
+          <a:lnRef idx="2">
+            <a:schemeClr val="accent6"/>
+          </a:lnRef>
+          <a:fillRef idx="0">
+            <a:schemeClr val="accent6"/>
+          </a:fillRef>
+          <a:effectRef idx="1">
+            <a:schemeClr val="accent6"/>
+          </a:effectRef>
+          <a:fontRef idx="minor">
+            <a:schemeClr val="tx1"/>
+          </a:fontRef>
+        </p:style>
+      </p:cxnSp>
+      <p:cxnSp>
+        <p:nvCxnSpPr>
+          <p:cNvPr id="19" name="Straight Arrow Connector 18">
+            <a:extLst>
+              <a:ext uri="{FF2B5EF4-FFF2-40B4-BE49-F238E27FC236}">
+                <a16:creationId xmlns:a16="http://schemas.microsoft.com/office/drawing/2014/main" id="{86C69C64-7D94-9ECB-1330-612281CFE424}"/>
+              </a:ext>
+            </a:extLst>
+          </p:cNvPr>
+          <p:cNvCxnSpPr>
+            <a:endCxn id="15" idx="0"/>
+          </p:cNvCxnSpPr>
+          <p:nvPr/>
+        </p:nvCxnSpPr>
+        <p:spPr>
+          <a:xfrm>
+            <a:off x="4763832" y="2457982"/>
+            <a:ext cx="252579" cy="355556"/>
+          </a:xfrm>
+          <a:prstGeom prst="straightConnector1">
+            <a:avLst/>
+          </a:prstGeom>
+          <a:ln>
+            <a:tailEnd type="triangle"/>
+          </a:ln>
+        </p:spPr>
+        <p:style>
+          <a:lnRef idx="2">
+            <a:schemeClr val="accent2"/>
+          </a:lnRef>
+          <a:fillRef idx="0">
+            <a:schemeClr val="accent2"/>
+          </a:fillRef>
+          <a:effectRef idx="1">
+            <a:schemeClr val="accent2"/>
+          </a:effectRef>
+          <a:fontRef idx="minor">
+            <a:schemeClr val="tx1"/>
+          </a:fontRef>
+        </p:style>
+      </p:cxnSp>
+      <p:sp>
+        <p:nvSpPr>
+          <p:cNvPr id="20" name="TextBox 19">
+            <a:extLst>
+              <a:ext uri="{FF2B5EF4-FFF2-40B4-BE49-F238E27FC236}">
+                <a16:creationId xmlns:a16="http://schemas.microsoft.com/office/drawing/2014/main" id="{9F322CE8-CB3B-DE56-F35C-6AA9E46E7989}"/>
+              </a:ext>
+            </a:extLst>
+          </p:cNvPr>
+          <p:cNvSpPr txBox="1"/>
+          <p:nvPr/>
+        </p:nvSpPr>
+        <p:spPr>
+          <a:xfrm>
+            <a:off x="4938079" y="3479994"/>
+            <a:ext cx="715965" cy="369332"/>
+          </a:xfrm>
+          <a:prstGeom prst="rect">
+            <a:avLst/>
+          </a:prstGeom>
+          <a:noFill/>
+        </p:spPr>
+        <p:txBody>
+          <a:bodyPr wrap="none" rtlCol="0">
+            <a:spAutoFit/>
+          </a:bodyPr>
+          <a:lstStyle/>
+          <a:p>
+            <a:r>
+              <a:rPr lang="en-US" dirty="0"/>
+              <a:t>Write</a:t>
+            </a:r>
+          </a:p>
+        </p:txBody>
+      </p:sp>
+      <p:sp>
+        <p:nvSpPr>
+          <p:cNvPr id="21" name="TextBox 20">
+            <a:extLst>
+              <a:ext uri="{FF2B5EF4-FFF2-40B4-BE49-F238E27FC236}">
+                <a16:creationId xmlns:a16="http://schemas.microsoft.com/office/drawing/2014/main" id="{64CFB6DB-2F08-7761-7AFB-C42213953D3B}"/>
+              </a:ext>
+            </a:extLst>
+          </p:cNvPr>
+          <p:cNvSpPr txBox="1"/>
+          <p:nvPr/>
+        </p:nvSpPr>
+        <p:spPr>
+          <a:xfrm>
+            <a:off x="4915698" y="2482572"/>
+            <a:ext cx="699230" cy="369332"/>
+          </a:xfrm>
+          <a:prstGeom prst="rect">
+            <a:avLst/>
+          </a:prstGeom>
+          <a:noFill/>
+        </p:spPr>
+        <p:txBody>
+          <a:bodyPr wrap="none" rtlCol="0">
+            <a:spAutoFit/>
+          </a:bodyPr>
+          <a:lstStyle/>
+          <a:p>
+            <a:r>
+              <a:rPr lang="en-US" dirty="0"/>
+              <a:t>Read</a:t>
+            </a:r>
+          </a:p>
+        </p:txBody>
+      </p:sp>
+      <p:cxnSp>
+        <p:nvCxnSpPr>
+          <p:cNvPr id="23" name="Straight Arrow Connector 22">
+            <a:extLst>
+              <a:ext uri="{FF2B5EF4-FFF2-40B4-BE49-F238E27FC236}">
+                <a16:creationId xmlns:a16="http://schemas.microsoft.com/office/drawing/2014/main" id="{842EC685-C15D-A55A-72D7-23093AD4F12D}"/>
+              </a:ext>
+            </a:extLst>
+          </p:cNvPr>
+          <p:cNvCxnSpPr>
+            <a:stCxn id="4" idx="2"/>
+          </p:cNvCxnSpPr>
+          <p:nvPr/>
+        </p:nvCxnSpPr>
+        <p:spPr>
+          <a:xfrm>
+            <a:off x="6113051" y="2457982"/>
+            <a:ext cx="613864" cy="1364940"/>
+          </a:xfrm>
+          <a:prstGeom prst="straightConnector1">
+            <a:avLst/>
+          </a:prstGeom>
+          <a:ln>
+            <a:tailEnd type="triangle"/>
+          </a:ln>
+        </p:spPr>
+        <p:style>
+          <a:lnRef idx="2">
+            <a:schemeClr val="accent5"/>
+          </a:lnRef>
+          <a:fillRef idx="0">
+            <a:schemeClr val="accent5"/>
+          </a:fillRef>
+          <a:effectRef idx="1">
+            <a:schemeClr val="accent5"/>
+          </a:effectRef>
+          <a:fontRef idx="minor">
+            <a:schemeClr val="tx1"/>
+          </a:fontRef>
+        </p:style>
+      </p:cxnSp>
+      <p:sp>
+        <p:nvSpPr>
+          <p:cNvPr id="24" name="Rectangle 23">
+            <a:extLst>
+              <a:ext uri="{FF2B5EF4-FFF2-40B4-BE49-F238E27FC236}">
+                <a16:creationId xmlns:a16="http://schemas.microsoft.com/office/drawing/2014/main" id="{7CE1B870-AA6F-EEE3-0333-DD41C6139C41}"/>
+              </a:ext>
+            </a:extLst>
+          </p:cNvPr>
+          <p:cNvSpPr/>
+          <p:nvPr/>
+        </p:nvSpPr>
+        <p:spPr>
+          <a:xfrm>
+            <a:off x="6419983" y="2961799"/>
+            <a:ext cx="1150993" cy="367544"/>
+          </a:xfrm>
+          <a:prstGeom prst="rect">
+            <a:avLst/>
+          </a:prstGeom>
+        </p:spPr>
+        <p:style>
+          <a:lnRef idx="2">
+            <a:schemeClr val="accent5">
+              <a:shade val="15000"/>
+            </a:schemeClr>
+          </a:lnRef>
+          <a:fillRef idx="1">
+            <a:schemeClr val="accent5"/>
+          </a:fillRef>
+          <a:effectRef idx="0">
+            <a:schemeClr val="accent5"/>
+          </a:effectRef>
+          <a:fontRef idx="minor">
+            <a:schemeClr val="lt1"/>
+          </a:fontRef>
+        </p:style>
+        <p:txBody>
+          <a:bodyPr rtlCol="0" anchor="ctr"/>
+          <a:lstStyle/>
+          <a:p>
+            <a:pPr algn="ctr"/>
+            <a:r>
+              <a:rPr lang="en-US" dirty="0"/>
+              <a:t>Workload</a:t>
+            </a:r>
+          </a:p>
+        </p:txBody>
+      </p:sp>
+      <p:sp>
+        <p:nvSpPr>
+          <p:cNvPr id="25" name="Rectangle: Rounded Corners 24">
+            <a:extLst>
+              <a:ext uri="{FF2B5EF4-FFF2-40B4-BE49-F238E27FC236}">
+                <a16:creationId xmlns:a16="http://schemas.microsoft.com/office/drawing/2014/main" id="{F440E550-C65E-FA4A-BE15-6C57F65E50BB}"/>
+              </a:ext>
+            </a:extLst>
+          </p:cNvPr>
+          <p:cNvSpPr/>
+          <p:nvPr/>
+        </p:nvSpPr>
+        <p:spPr>
+          <a:xfrm>
+            <a:off x="7934390" y="5544732"/>
+            <a:ext cx="2984057" cy="571500"/>
+          </a:xfrm>
+          <a:prstGeom prst="roundRect">
+            <a:avLst/>
+          </a:prstGeom>
+        </p:spPr>
+        <p:style>
+          <a:lnRef idx="2">
+            <a:schemeClr val="accent4">
+              <a:shade val="15000"/>
+            </a:schemeClr>
+          </a:lnRef>
+          <a:fillRef idx="1">
+            <a:schemeClr val="accent4"/>
+          </a:fillRef>
+          <a:effectRef idx="0">
+            <a:schemeClr val="accent4"/>
+          </a:effectRef>
+          <a:fontRef idx="minor">
+            <a:schemeClr val="lt1"/>
+          </a:fontRef>
+        </p:style>
+        <p:txBody>
+          <a:bodyPr rtlCol="0" anchor="ctr"/>
+          <a:lstStyle/>
+          <a:p>
+            <a:pPr algn="ctr"/>
+            <a:endParaRPr lang="en-US" dirty="0"/>
+          </a:p>
+        </p:txBody>
+      </p:sp>
+      <p:sp>
+        <p:nvSpPr>
+          <p:cNvPr id="26" name="Rectangle: Rounded Corners 25">
+            <a:extLst>
+              <a:ext uri="{FF2B5EF4-FFF2-40B4-BE49-F238E27FC236}">
+                <a16:creationId xmlns:a16="http://schemas.microsoft.com/office/drawing/2014/main" id="{07866D0B-D3C2-60E2-E720-9304DC82777A}"/>
+              </a:ext>
+            </a:extLst>
+          </p:cNvPr>
+          <p:cNvSpPr/>
+          <p:nvPr/>
+        </p:nvSpPr>
+        <p:spPr>
+          <a:xfrm>
+            <a:off x="7871512" y="5606087"/>
+            <a:ext cx="2984057" cy="571500"/>
+          </a:xfrm>
+          <a:prstGeom prst="roundRect">
+            <a:avLst/>
+          </a:prstGeom>
+        </p:spPr>
+        <p:style>
+          <a:lnRef idx="2">
+            <a:schemeClr val="accent4">
+              <a:shade val="15000"/>
+            </a:schemeClr>
+          </a:lnRef>
+          <a:fillRef idx="1">
+            <a:schemeClr val="accent4"/>
+          </a:fillRef>
+          <a:effectRef idx="0">
+            <a:schemeClr val="accent4"/>
+          </a:effectRef>
+          <a:fontRef idx="minor">
+            <a:schemeClr val="lt1"/>
+          </a:fontRef>
+        </p:style>
+        <p:txBody>
+          <a:bodyPr rtlCol="0" anchor="ctr"/>
+          <a:lstStyle/>
+          <a:p>
+            <a:pPr algn="ctr"/>
+            <a:endParaRPr lang="en-US" dirty="0"/>
+          </a:p>
+        </p:txBody>
+      </p:sp>
+      <p:sp>
+        <p:nvSpPr>
+          <p:cNvPr id="27" name="Rectangle: Rounded Corners 26">
+            <a:extLst>
+              <a:ext uri="{FF2B5EF4-FFF2-40B4-BE49-F238E27FC236}">
+                <a16:creationId xmlns:a16="http://schemas.microsoft.com/office/drawing/2014/main" id="{68DC37CC-546B-0F61-D9D3-CD24DCF72BFB}"/>
+              </a:ext>
+            </a:extLst>
+          </p:cNvPr>
+          <p:cNvSpPr/>
+          <p:nvPr/>
+        </p:nvSpPr>
+        <p:spPr>
+          <a:xfrm>
+            <a:off x="7808634" y="5664702"/>
+            <a:ext cx="2984057" cy="571500"/>
+          </a:xfrm>
+          <a:prstGeom prst="roundRect">
+            <a:avLst/>
+          </a:prstGeom>
+        </p:spPr>
+        <p:style>
+          <a:lnRef idx="2">
+            <a:schemeClr val="accent4">
+              <a:shade val="15000"/>
+            </a:schemeClr>
+          </a:lnRef>
+          <a:fillRef idx="1">
+            <a:schemeClr val="accent4"/>
+          </a:fillRef>
+          <a:effectRef idx="0">
+            <a:schemeClr val="accent4"/>
+          </a:effectRef>
+          <a:fontRef idx="minor">
+            <a:schemeClr val="lt1"/>
+          </a:fontRef>
+        </p:style>
+        <p:txBody>
+          <a:bodyPr rtlCol="0" anchor="ctr"/>
+          <a:lstStyle/>
+          <a:p>
+            <a:pPr algn="ctr"/>
+            <a:r>
+              <a:rPr lang="en-US" dirty="0"/>
+              <a:t>Sub </a:t>
+            </a:r>
+            <a:r>
+              <a:rPr lang="en-US" dirty="0" err="1"/>
+              <a:t>Runspaces</a:t>
+            </a:r>
+            <a:endParaRPr lang="en-US" dirty="0"/>
+          </a:p>
+        </p:txBody>
+      </p:sp>
+      <p:cxnSp>
+        <p:nvCxnSpPr>
+          <p:cNvPr id="29" name="Straight Arrow Connector 28">
+            <a:extLst>
+              <a:ext uri="{FF2B5EF4-FFF2-40B4-BE49-F238E27FC236}">
+                <a16:creationId xmlns:a16="http://schemas.microsoft.com/office/drawing/2014/main" id="{36F8AE7C-4A0C-135B-B3D8-4A99ABA5D217}"/>
+              </a:ext>
+            </a:extLst>
+          </p:cNvPr>
+          <p:cNvCxnSpPr/>
+          <p:nvPr/>
+        </p:nvCxnSpPr>
+        <p:spPr>
+          <a:xfrm>
+            <a:off x="7033846" y="4394422"/>
+            <a:ext cx="837666" cy="1211665"/>
+          </a:xfrm>
+          <a:prstGeom prst="straightConnector1">
+            <a:avLst/>
+          </a:prstGeom>
+          <a:ln>
+            <a:tailEnd type="triangle"/>
+          </a:ln>
+        </p:spPr>
+        <p:style>
+          <a:lnRef idx="2">
+            <a:schemeClr val="accent4"/>
+          </a:lnRef>
+          <a:fillRef idx="0">
+            <a:schemeClr val="accent4"/>
+          </a:fillRef>
+          <a:effectRef idx="1">
+            <a:schemeClr val="accent4"/>
+          </a:effectRef>
+          <a:fontRef idx="minor">
+            <a:schemeClr val="tx1"/>
+          </a:fontRef>
+        </p:style>
+      </p:cxnSp>
+      <p:sp>
+        <p:nvSpPr>
+          <p:cNvPr id="30" name="TextBox 29">
+            <a:extLst>
+              <a:ext uri="{FF2B5EF4-FFF2-40B4-BE49-F238E27FC236}">
+                <a16:creationId xmlns:a16="http://schemas.microsoft.com/office/drawing/2014/main" id="{2ADA6A1F-A0FA-5377-E1BF-FB8DFB5E42AB}"/>
+              </a:ext>
+            </a:extLst>
+          </p:cNvPr>
+          <p:cNvSpPr txBox="1"/>
+          <p:nvPr/>
+        </p:nvSpPr>
+        <p:spPr>
+          <a:xfrm>
+            <a:off x="7296017" y="4584789"/>
+            <a:ext cx="1355614" cy="369332"/>
+          </a:xfrm>
+          <a:prstGeom prst="rect">
+            <a:avLst/>
+          </a:prstGeom>
+          <a:noFill/>
+        </p:spPr>
+        <p:txBody>
+          <a:bodyPr wrap="square" rtlCol="0">
+            <a:spAutoFit/>
+          </a:bodyPr>
+          <a:lstStyle/>
+          <a:p>
+            <a:r>
+              <a:rPr lang="en-US" dirty="0"/>
+              <a:t>Create</a:t>
+            </a:r>
+          </a:p>
+        </p:txBody>
+      </p:sp>
+      <p:sp>
+        <p:nvSpPr>
+          <p:cNvPr id="31" name="TextBox 30">
+            <a:extLst>
+              <a:ext uri="{FF2B5EF4-FFF2-40B4-BE49-F238E27FC236}">
+                <a16:creationId xmlns:a16="http://schemas.microsoft.com/office/drawing/2014/main" id="{63B2AF0B-C544-5D58-774B-074DF1A20FB0}"/>
+              </a:ext>
+            </a:extLst>
+          </p:cNvPr>
+          <p:cNvSpPr txBox="1"/>
+          <p:nvPr/>
+        </p:nvSpPr>
+        <p:spPr>
+          <a:xfrm>
+            <a:off x="7452679" y="4805157"/>
+            <a:ext cx="973280" cy="369332"/>
+          </a:xfrm>
+          <a:prstGeom prst="rect">
+            <a:avLst/>
+          </a:prstGeom>
+          <a:noFill/>
+        </p:spPr>
+        <p:txBody>
+          <a:bodyPr wrap="none" rtlCol="0">
+            <a:spAutoFit/>
+          </a:bodyPr>
+          <a:lstStyle/>
+          <a:p>
+            <a:r>
+              <a:rPr lang="en-US" dirty="0"/>
+              <a:t>Manage</a:t>
+            </a:r>
+          </a:p>
+        </p:txBody>
+      </p:sp>
+      <p:sp>
+        <p:nvSpPr>
+          <p:cNvPr id="35" name="TextBox 34">
+            <a:extLst>
+              <a:ext uri="{FF2B5EF4-FFF2-40B4-BE49-F238E27FC236}">
+                <a16:creationId xmlns:a16="http://schemas.microsoft.com/office/drawing/2014/main" id="{9876A5CF-9A07-9A90-0CFE-266462AE12A4}"/>
+              </a:ext>
+            </a:extLst>
+          </p:cNvPr>
+          <p:cNvSpPr txBox="1"/>
+          <p:nvPr/>
+        </p:nvSpPr>
+        <p:spPr>
+          <a:xfrm>
+            <a:off x="7647440" y="5026645"/>
+            <a:ext cx="1000595" cy="369332"/>
+          </a:xfrm>
+          <a:prstGeom prst="rect">
+            <a:avLst/>
+          </a:prstGeom>
+          <a:noFill/>
+        </p:spPr>
+        <p:txBody>
+          <a:bodyPr wrap="none" rtlCol="0">
+            <a:spAutoFit/>
+          </a:bodyPr>
+          <a:lstStyle/>
+          <a:p>
+            <a:r>
+              <a:rPr lang="en-US" dirty="0"/>
+              <a:t>Dispose</a:t>
+            </a:r>
+          </a:p>
+        </p:txBody>
+      </p:sp>
+    </p:spTree>
+    <p:extLst>
+      <p:ext uri="{BB962C8B-B14F-4D97-AF65-F5344CB8AC3E}">
+        <p14:creationId xmlns:p14="http://schemas.microsoft.com/office/powerpoint/2010/main" val="3671295240"/>
+      </p:ext>
+    </p:extLst>
+  </p:cSld>
+  <p:clrMapOvr>
+    <a:masterClrMapping/>
+  </p:clrMapOvr>
+  <p:timing>
+    <p:tnLst>
+      <p:par>
+        <p:cTn id="1" dur="indefinite" restart="never" nodeType="tmRoot">
+          <p:childTnLst>
+            <p:seq concurrent="1" nextAc="seek">
+              <p:cTn id="2" dur="indefinite" nodeType="mainSeq">
+                <p:childTnLst>
+                  <p:par>
+                    <p:cTn id="3" fill="hold">
+                      <p:stCondLst>
+                        <p:cond delay="indefinite"/>
+                      </p:stCondLst>
+                      <p:childTnLst>
+                        <p:par>
+                          <p:cTn id="4" fill="hold">
+                            <p:stCondLst>
+                              <p:cond delay="0"/>
+                            </p:stCondLst>
+                            <p:childTnLst>
+                              <p:par>
+                                <p:cTn id="5" presetID="10" presetClass="entr" presetSubtype="0" fill="hold" grpId="0" nodeType="clickEffect">
+                                  <p:stCondLst>
+                                    <p:cond delay="0"/>
+                                  </p:stCondLst>
+                                  <p:childTnLst>
+                                    <p:set>
+                                      <p:cBhvr>
+                                        <p:cTn id="6" dur="1" fill="hold">
+                                          <p:stCondLst>
+                                            <p:cond delay="0"/>
+                                          </p:stCondLst>
+                                        </p:cTn>
+                                        <p:tgtEl>
+                                          <p:spTgt spid="4"/>
+                                        </p:tgtEl>
+                                        <p:attrNameLst>
+                                          <p:attrName>style.visibility</p:attrName>
+                                        </p:attrNameLst>
+                                      </p:cBhvr>
+                                      <p:to>
+                                        <p:strVal val="visible"/>
+                                      </p:to>
+                                    </p:set>
+                                    <p:animEffect transition="in" filter="fade">
+                                      <p:cBhvr>
+                                        <p:cTn id="7" dur="500"/>
+                                        <p:tgtEl>
+                                          <p:spTgt spid="4"/>
+                                        </p:tgtEl>
+                                      </p:cBhvr>
+                                    </p:animEffect>
+                                  </p:childTnLst>
+                                </p:cTn>
+                              </p:par>
+                            </p:childTnLst>
+                          </p:cTn>
+                        </p:par>
+                      </p:childTnLst>
+                    </p:cTn>
+                  </p:par>
+                  <p:par>
+                    <p:cTn id="8" fill="hold">
+                      <p:stCondLst>
+                        <p:cond delay="indefinite"/>
+                      </p:stCondLst>
+                      <p:childTnLst>
+                        <p:par>
+                          <p:cTn id="9" fill="hold">
+                            <p:stCondLst>
+                              <p:cond delay="0"/>
+                            </p:stCondLst>
+                            <p:childTnLst>
+                              <p:par>
+                                <p:cTn id="10" presetID="10" presetClass="entr" presetSubtype="0" fill="hold" grpId="0" nodeType="clickEffect">
+                                  <p:stCondLst>
+                                    <p:cond delay="0"/>
+                                  </p:stCondLst>
+                                  <p:childTnLst>
+                                    <p:set>
+                                      <p:cBhvr>
+                                        <p:cTn id="11" dur="1" fill="hold">
+                                          <p:stCondLst>
+                                            <p:cond delay="0"/>
+                                          </p:stCondLst>
+                                        </p:cTn>
+                                        <p:tgtEl>
+                                          <p:spTgt spid="5"/>
+                                        </p:tgtEl>
+                                        <p:attrNameLst>
+                                          <p:attrName>style.visibility</p:attrName>
+                                        </p:attrNameLst>
+                                      </p:cBhvr>
+                                      <p:to>
+                                        <p:strVal val="visible"/>
+                                      </p:to>
+                                    </p:set>
+                                    <p:animEffect transition="in" filter="fade">
+                                      <p:cBhvr>
+                                        <p:cTn id="12" dur="500"/>
+                                        <p:tgtEl>
+                                          <p:spTgt spid="5"/>
+                                        </p:tgtEl>
+                                      </p:cBhvr>
+                                    </p:animEffect>
+                                  </p:childTnLst>
+                                </p:cTn>
+                              </p:par>
+                            </p:childTnLst>
+                          </p:cTn>
+                        </p:par>
+                      </p:childTnLst>
+                    </p:cTn>
+                  </p:par>
+                  <p:par>
+                    <p:cTn id="13" fill="hold">
+                      <p:stCondLst>
+                        <p:cond delay="indefinite"/>
+                      </p:stCondLst>
+                      <p:childTnLst>
+                        <p:par>
+                          <p:cTn id="14" fill="hold">
+                            <p:stCondLst>
+                              <p:cond delay="0"/>
+                            </p:stCondLst>
+                            <p:childTnLst>
+                              <p:par>
+                                <p:cTn id="15" presetID="10" presetClass="entr" presetSubtype="0" fill="hold" nodeType="clickEffect">
+                                  <p:stCondLst>
+                                    <p:cond delay="0"/>
+                                  </p:stCondLst>
+                                  <p:childTnLst>
+                                    <p:set>
+                                      <p:cBhvr>
+                                        <p:cTn id="16" dur="1" fill="hold">
+                                          <p:stCondLst>
+                                            <p:cond delay="0"/>
+                                          </p:stCondLst>
+                                        </p:cTn>
+                                        <p:tgtEl>
+                                          <p:spTgt spid="7"/>
+                                        </p:tgtEl>
+                                        <p:attrNameLst>
+                                          <p:attrName>style.visibility</p:attrName>
+                                        </p:attrNameLst>
+                                      </p:cBhvr>
+                                      <p:to>
+                                        <p:strVal val="visible"/>
+                                      </p:to>
+                                    </p:set>
+                                    <p:animEffect transition="in" filter="fade">
+                                      <p:cBhvr>
+                                        <p:cTn id="17" dur="500"/>
+                                        <p:tgtEl>
+                                          <p:spTgt spid="7"/>
+                                        </p:tgtEl>
+                                      </p:cBhvr>
+                                    </p:animEffect>
+                                  </p:childTnLst>
+                                </p:cTn>
+                              </p:par>
+                            </p:childTnLst>
+                          </p:cTn>
+                        </p:par>
+                        <p:par>
+                          <p:cTn id="18" fill="hold">
+                            <p:stCondLst>
+                              <p:cond delay="500"/>
+                            </p:stCondLst>
+                            <p:childTnLst>
+                              <p:par>
+                                <p:cTn id="19" presetID="10" presetClass="entr" presetSubtype="0" fill="hold" grpId="0" nodeType="afterEffect">
+                                  <p:stCondLst>
+                                    <p:cond delay="0"/>
+                                  </p:stCondLst>
+                                  <p:childTnLst>
+                                    <p:set>
+                                      <p:cBhvr>
+                                        <p:cTn id="20" dur="1" fill="hold">
+                                          <p:stCondLst>
+                                            <p:cond delay="0"/>
+                                          </p:stCondLst>
+                                        </p:cTn>
+                                        <p:tgtEl>
+                                          <p:spTgt spid="8"/>
+                                        </p:tgtEl>
+                                        <p:attrNameLst>
+                                          <p:attrName>style.visibility</p:attrName>
+                                        </p:attrNameLst>
+                                      </p:cBhvr>
+                                      <p:to>
+                                        <p:strVal val="visible"/>
+                                      </p:to>
+                                    </p:set>
+                                    <p:animEffect transition="in" filter="fade">
+                                      <p:cBhvr>
+                                        <p:cTn id="21" dur="500"/>
+                                        <p:tgtEl>
+                                          <p:spTgt spid="8"/>
+                                        </p:tgtEl>
+                                      </p:cBhvr>
+                                    </p:animEffect>
+                                  </p:childTnLst>
+                                </p:cTn>
+                              </p:par>
+                            </p:childTnLst>
+                          </p:cTn>
+                        </p:par>
+                      </p:childTnLst>
+                    </p:cTn>
+                  </p:par>
+                  <p:par>
+                    <p:cTn id="22" fill="hold">
+                      <p:stCondLst>
+                        <p:cond delay="indefinite"/>
+                      </p:stCondLst>
+                      <p:childTnLst>
+                        <p:par>
+                          <p:cTn id="23" fill="hold">
+                            <p:stCondLst>
+                              <p:cond delay="0"/>
+                            </p:stCondLst>
+                            <p:childTnLst>
+                              <p:par>
+                                <p:cTn id="24" presetID="10" presetClass="entr" presetSubtype="0" fill="hold" grpId="0" nodeType="clickEffect">
+                                  <p:stCondLst>
+                                    <p:cond delay="0"/>
+                                  </p:stCondLst>
+                                  <p:childTnLst>
+                                    <p:set>
+                                      <p:cBhvr>
+                                        <p:cTn id="25" dur="1" fill="hold">
+                                          <p:stCondLst>
+                                            <p:cond delay="0"/>
+                                          </p:stCondLst>
+                                        </p:cTn>
+                                        <p:tgtEl>
+                                          <p:spTgt spid="9"/>
+                                        </p:tgtEl>
+                                        <p:attrNameLst>
+                                          <p:attrName>style.visibility</p:attrName>
+                                        </p:attrNameLst>
+                                      </p:cBhvr>
+                                      <p:to>
+                                        <p:strVal val="visible"/>
+                                      </p:to>
+                                    </p:set>
+                                    <p:animEffect transition="in" filter="fade">
+                                      <p:cBhvr>
+                                        <p:cTn id="26" dur="250"/>
+                                        <p:tgtEl>
+                                          <p:spTgt spid="9"/>
+                                        </p:tgtEl>
+                                      </p:cBhvr>
+                                    </p:animEffect>
+                                  </p:childTnLst>
+                                </p:cTn>
+                              </p:par>
+                            </p:childTnLst>
+                          </p:cTn>
+                        </p:par>
+                        <p:par>
+                          <p:cTn id="27" fill="hold">
+                            <p:stCondLst>
+                              <p:cond delay="250"/>
+                            </p:stCondLst>
+                            <p:childTnLst>
+                              <p:par>
+                                <p:cTn id="28" presetID="10" presetClass="entr" presetSubtype="0" fill="hold" grpId="0" nodeType="afterEffect">
+                                  <p:stCondLst>
+                                    <p:cond delay="0"/>
+                                  </p:stCondLst>
+                                  <p:childTnLst>
+                                    <p:set>
+                                      <p:cBhvr>
+                                        <p:cTn id="29" dur="1" fill="hold">
+                                          <p:stCondLst>
+                                            <p:cond delay="0"/>
+                                          </p:stCondLst>
+                                        </p:cTn>
+                                        <p:tgtEl>
+                                          <p:spTgt spid="10"/>
+                                        </p:tgtEl>
+                                        <p:attrNameLst>
+                                          <p:attrName>style.visibility</p:attrName>
+                                        </p:attrNameLst>
+                                      </p:cBhvr>
+                                      <p:to>
+                                        <p:strVal val="visible"/>
+                                      </p:to>
+                                    </p:set>
+                                    <p:animEffect transition="in" filter="fade">
+                                      <p:cBhvr>
+                                        <p:cTn id="30" dur="250"/>
+                                        <p:tgtEl>
+                                          <p:spTgt spid="10"/>
+                                        </p:tgtEl>
+                                      </p:cBhvr>
+                                    </p:animEffect>
+                                  </p:childTnLst>
+                                </p:cTn>
+                              </p:par>
+                            </p:childTnLst>
+                          </p:cTn>
+                        </p:par>
+                        <p:par>
+                          <p:cTn id="31" fill="hold">
+                            <p:stCondLst>
+                              <p:cond delay="500"/>
+                            </p:stCondLst>
+                            <p:childTnLst>
+                              <p:par>
+                                <p:cTn id="32" presetID="10" presetClass="entr" presetSubtype="0" fill="hold" grpId="0" nodeType="afterEffect">
+                                  <p:stCondLst>
+                                    <p:cond delay="0"/>
+                                  </p:stCondLst>
+                                  <p:childTnLst>
+                                    <p:set>
+                                      <p:cBhvr>
+                                        <p:cTn id="33" dur="1" fill="hold">
+                                          <p:stCondLst>
+                                            <p:cond delay="0"/>
+                                          </p:stCondLst>
+                                        </p:cTn>
+                                        <p:tgtEl>
+                                          <p:spTgt spid="11"/>
+                                        </p:tgtEl>
+                                        <p:attrNameLst>
+                                          <p:attrName>style.visibility</p:attrName>
+                                        </p:attrNameLst>
+                                      </p:cBhvr>
+                                      <p:to>
+                                        <p:strVal val="visible"/>
+                                      </p:to>
+                                    </p:set>
+                                    <p:animEffect transition="in" filter="fade">
+                                      <p:cBhvr>
+                                        <p:cTn id="34" dur="250"/>
+                                        <p:tgtEl>
+                                          <p:spTgt spid="11"/>
+                                        </p:tgtEl>
+                                      </p:cBhvr>
+                                    </p:animEffect>
+                                  </p:childTnLst>
+                                </p:cTn>
+                              </p:par>
+                            </p:childTnLst>
+                          </p:cTn>
+                        </p:par>
+                        <p:par>
+                          <p:cTn id="35" fill="hold">
+                            <p:stCondLst>
+                              <p:cond delay="750"/>
+                            </p:stCondLst>
+                            <p:childTnLst>
+                              <p:par>
+                                <p:cTn id="36" presetID="10" presetClass="entr" presetSubtype="0" fill="hold" nodeType="afterEffect">
+                                  <p:stCondLst>
+                                    <p:cond delay="0"/>
+                                  </p:stCondLst>
+                                  <p:childTnLst>
+                                    <p:set>
+                                      <p:cBhvr>
+                                        <p:cTn id="37" dur="1" fill="hold">
+                                          <p:stCondLst>
+                                            <p:cond delay="0"/>
+                                          </p:stCondLst>
+                                        </p:cTn>
+                                        <p:tgtEl>
+                                          <p:spTgt spid="13"/>
+                                        </p:tgtEl>
+                                        <p:attrNameLst>
+                                          <p:attrName>style.visibility</p:attrName>
+                                        </p:attrNameLst>
+                                      </p:cBhvr>
+                                      <p:to>
+                                        <p:strVal val="visible"/>
+                                      </p:to>
+                                    </p:set>
+                                    <p:animEffect transition="in" filter="fade">
+                                      <p:cBhvr>
+                                        <p:cTn id="38" dur="250"/>
+                                        <p:tgtEl>
+                                          <p:spTgt spid="13"/>
+                                        </p:tgtEl>
+                                      </p:cBhvr>
+                                    </p:animEffect>
+                                  </p:childTnLst>
+                                </p:cTn>
+                              </p:par>
+                            </p:childTnLst>
+                          </p:cTn>
+                        </p:par>
+                        <p:par>
+                          <p:cTn id="39" fill="hold">
+                            <p:stCondLst>
+                              <p:cond delay="1000"/>
+                            </p:stCondLst>
+                            <p:childTnLst>
+                              <p:par>
+                                <p:cTn id="40" presetID="10" presetClass="entr" presetSubtype="0" fill="hold" grpId="0" nodeType="afterEffect">
+                                  <p:stCondLst>
+                                    <p:cond delay="0"/>
+                                  </p:stCondLst>
+                                  <p:childTnLst>
+                                    <p:set>
+                                      <p:cBhvr>
+                                        <p:cTn id="41" dur="1" fill="hold">
+                                          <p:stCondLst>
+                                            <p:cond delay="0"/>
+                                          </p:stCondLst>
+                                        </p:cTn>
+                                        <p:tgtEl>
+                                          <p:spTgt spid="14"/>
+                                        </p:tgtEl>
+                                        <p:attrNameLst>
+                                          <p:attrName>style.visibility</p:attrName>
+                                        </p:attrNameLst>
+                                      </p:cBhvr>
+                                      <p:to>
+                                        <p:strVal val="visible"/>
+                                      </p:to>
+                                    </p:set>
+                                    <p:animEffect transition="in" filter="fade">
+                                      <p:cBhvr>
+                                        <p:cTn id="42" dur="250"/>
+                                        <p:tgtEl>
+                                          <p:spTgt spid="14"/>
+                                        </p:tgtEl>
+                                      </p:cBhvr>
+                                    </p:animEffect>
+                                  </p:childTnLst>
+                                </p:cTn>
+                              </p:par>
+                            </p:childTnLst>
+                          </p:cTn>
+                        </p:par>
+                      </p:childTnLst>
+                    </p:cTn>
+                  </p:par>
+                  <p:par>
+                    <p:cTn id="43" fill="hold">
+                      <p:stCondLst>
+                        <p:cond delay="indefinite"/>
+                      </p:stCondLst>
+                      <p:childTnLst>
+                        <p:par>
+                          <p:cTn id="44" fill="hold">
+                            <p:stCondLst>
+                              <p:cond delay="0"/>
+                            </p:stCondLst>
+                            <p:childTnLst>
+                              <p:par>
+                                <p:cTn id="45" presetID="10" presetClass="entr" presetSubtype="0" fill="hold" grpId="0" nodeType="clickEffect">
+                                  <p:stCondLst>
+                                    <p:cond delay="0"/>
+                                  </p:stCondLst>
+                                  <p:childTnLst>
+                                    <p:set>
+                                      <p:cBhvr>
+                                        <p:cTn id="46" dur="1" fill="hold">
+                                          <p:stCondLst>
+                                            <p:cond delay="0"/>
+                                          </p:stCondLst>
+                                        </p:cTn>
+                                        <p:tgtEl>
+                                          <p:spTgt spid="15"/>
+                                        </p:tgtEl>
+                                        <p:attrNameLst>
+                                          <p:attrName>style.visibility</p:attrName>
+                                        </p:attrNameLst>
+                                      </p:cBhvr>
+                                      <p:to>
+                                        <p:strVal val="visible"/>
+                                      </p:to>
+                                    </p:set>
+                                    <p:animEffect transition="in" filter="fade">
+                                      <p:cBhvr>
+                                        <p:cTn id="47" dur="500"/>
+                                        <p:tgtEl>
+                                          <p:spTgt spid="15"/>
+                                        </p:tgtEl>
+                                      </p:cBhvr>
+                                    </p:animEffect>
+                                  </p:childTnLst>
+                                </p:cTn>
+                              </p:par>
+                            </p:childTnLst>
+                          </p:cTn>
+                        </p:par>
+                      </p:childTnLst>
+                    </p:cTn>
+                  </p:par>
+                  <p:par>
+                    <p:cTn id="48" fill="hold">
+                      <p:stCondLst>
+                        <p:cond delay="indefinite"/>
+                      </p:stCondLst>
+                      <p:childTnLst>
+                        <p:par>
+                          <p:cTn id="49" fill="hold">
+                            <p:stCondLst>
+                              <p:cond delay="0"/>
+                            </p:stCondLst>
+                            <p:childTnLst>
+                              <p:par>
+                                <p:cTn id="50" presetID="10" presetClass="entr" presetSubtype="0" fill="hold" grpId="0" nodeType="clickEffect">
+                                  <p:stCondLst>
+                                    <p:cond delay="0"/>
+                                  </p:stCondLst>
+                                  <p:childTnLst>
+                                    <p:set>
+                                      <p:cBhvr>
+                                        <p:cTn id="51" dur="1" fill="hold">
+                                          <p:stCondLst>
+                                            <p:cond delay="0"/>
+                                          </p:stCondLst>
+                                        </p:cTn>
+                                        <p:tgtEl>
+                                          <p:spTgt spid="20"/>
+                                        </p:tgtEl>
+                                        <p:attrNameLst>
+                                          <p:attrName>style.visibility</p:attrName>
+                                        </p:attrNameLst>
+                                      </p:cBhvr>
+                                      <p:to>
+                                        <p:strVal val="visible"/>
+                                      </p:to>
+                                    </p:set>
+                                    <p:animEffect transition="in" filter="fade">
+                                      <p:cBhvr>
+                                        <p:cTn id="52" dur="500"/>
+                                        <p:tgtEl>
+                                          <p:spTgt spid="20"/>
+                                        </p:tgtEl>
+                                      </p:cBhvr>
+                                    </p:animEffect>
+                                  </p:childTnLst>
+                                </p:cTn>
+                              </p:par>
+                              <p:par>
+                                <p:cTn id="53" presetID="10" presetClass="entr" presetSubtype="0" fill="hold" nodeType="withEffect">
+                                  <p:stCondLst>
+                                    <p:cond delay="0"/>
+                                  </p:stCondLst>
+                                  <p:childTnLst>
+                                    <p:set>
+                                      <p:cBhvr>
+                                        <p:cTn id="54" dur="1" fill="hold">
+                                          <p:stCondLst>
+                                            <p:cond delay="0"/>
+                                          </p:stCondLst>
+                                        </p:cTn>
+                                        <p:tgtEl>
+                                          <p:spTgt spid="17"/>
+                                        </p:tgtEl>
+                                        <p:attrNameLst>
+                                          <p:attrName>style.visibility</p:attrName>
+                                        </p:attrNameLst>
+                                      </p:cBhvr>
+                                      <p:to>
+                                        <p:strVal val="visible"/>
+                                      </p:to>
+                                    </p:set>
+                                    <p:animEffect transition="in" filter="fade">
+                                      <p:cBhvr>
+                                        <p:cTn id="55" dur="500"/>
+                                        <p:tgtEl>
+                                          <p:spTgt spid="17"/>
+                                        </p:tgtEl>
+                                      </p:cBhvr>
+                                    </p:animEffect>
+                                  </p:childTnLst>
+                                </p:cTn>
+                              </p:par>
+                            </p:childTnLst>
+                          </p:cTn>
+                        </p:par>
+                        <p:par>
+                          <p:cTn id="56" fill="hold">
+                            <p:stCondLst>
+                              <p:cond delay="500"/>
+                            </p:stCondLst>
+                            <p:childTnLst>
+                              <p:par>
+                                <p:cTn id="57" presetID="10" presetClass="entr" presetSubtype="0" fill="hold" grpId="0" nodeType="afterEffect">
+                                  <p:stCondLst>
+                                    <p:cond delay="0"/>
+                                  </p:stCondLst>
+                                  <p:childTnLst>
+                                    <p:set>
+                                      <p:cBhvr>
+                                        <p:cTn id="58" dur="1" fill="hold">
+                                          <p:stCondLst>
+                                            <p:cond delay="0"/>
+                                          </p:stCondLst>
+                                        </p:cTn>
+                                        <p:tgtEl>
+                                          <p:spTgt spid="21"/>
+                                        </p:tgtEl>
+                                        <p:attrNameLst>
+                                          <p:attrName>style.visibility</p:attrName>
+                                        </p:attrNameLst>
+                                      </p:cBhvr>
+                                      <p:to>
+                                        <p:strVal val="visible"/>
+                                      </p:to>
+                                    </p:set>
+                                    <p:animEffect transition="in" filter="fade">
+                                      <p:cBhvr>
+                                        <p:cTn id="59" dur="500"/>
+                                        <p:tgtEl>
+                                          <p:spTgt spid="21"/>
+                                        </p:tgtEl>
+                                      </p:cBhvr>
+                                    </p:animEffect>
+                                  </p:childTnLst>
+                                </p:cTn>
+                              </p:par>
+                              <p:par>
+                                <p:cTn id="60" presetID="10" presetClass="entr" presetSubtype="0" fill="hold" nodeType="withEffect">
+                                  <p:stCondLst>
+                                    <p:cond delay="0"/>
+                                  </p:stCondLst>
+                                  <p:childTnLst>
+                                    <p:set>
+                                      <p:cBhvr>
+                                        <p:cTn id="61" dur="1" fill="hold">
+                                          <p:stCondLst>
+                                            <p:cond delay="0"/>
+                                          </p:stCondLst>
+                                        </p:cTn>
+                                        <p:tgtEl>
+                                          <p:spTgt spid="19"/>
+                                        </p:tgtEl>
+                                        <p:attrNameLst>
+                                          <p:attrName>style.visibility</p:attrName>
+                                        </p:attrNameLst>
+                                      </p:cBhvr>
+                                      <p:to>
+                                        <p:strVal val="visible"/>
+                                      </p:to>
+                                    </p:set>
+                                    <p:animEffect transition="in" filter="fade">
+                                      <p:cBhvr>
+                                        <p:cTn id="62" dur="500"/>
+                                        <p:tgtEl>
+                                          <p:spTgt spid="19"/>
+                                        </p:tgtEl>
+                                      </p:cBhvr>
+                                    </p:animEffect>
+                                  </p:childTnLst>
+                                </p:cTn>
+                              </p:par>
+                            </p:childTnLst>
+                          </p:cTn>
+                        </p:par>
+                      </p:childTnLst>
+                    </p:cTn>
+                  </p:par>
+                  <p:par>
+                    <p:cTn id="63" fill="hold">
+                      <p:stCondLst>
+                        <p:cond delay="indefinite"/>
+                      </p:stCondLst>
+                      <p:childTnLst>
+                        <p:par>
+                          <p:cTn id="64" fill="hold">
+                            <p:stCondLst>
+                              <p:cond delay="0"/>
+                            </p:stCondLst>
+                            <p:childTnLst>
+                              <p:par>
+                                <p:cTn id="65" presetID="10" presetClass="entr" presetSubtype="0" fill="hold" nodeType="clickEffect">
+                                  <p:stCondLst>
+                                    <p:cond delay="0"/>
+                                  </p:stCondLst>
+                                  <p:childTnLst>
+                                    <p:set>
+                                      <p:cBhvr>
+                                        <p:cTn id="66" dur="1" fill="hold">
+                                          <p:stCondLst>
+                                            <p:cond delay="0"/>
+                                          </p:stCondLst>
+                                        </p:cTn>
+                                        <p:tgtEl>
+                                          <p:spTgt spid="23"/>
+                                        </p:tgtEl>
+                                        <p:attrNameLst>
+                                          <p:attrName>style.visibility</p:attrName>
+                                        </p:attrNameLst>
+                                      </p:cBhvr>
+                                      <p:to>
+                                        <p:strVal val="visible"/>
+                                      </p:to>
+                                    </p:set>
+                                    <p:animEffect transition="in" filter="fade">
+                                      <p:cBhvr>
+                                        <p:cTn id="67" dur="500"/>
+                                        <p:tgtEl>
+                                          <p:spTgt spid="23"/>
+                                        </p:tgtEl>
+                                      </p:cBhvr>
+                                    </p:animEffect>
+                                  </p:childTnLst>
+                                </p:cTn>
+                              </p:par>
+                            </p:childTnLst>
+                          </p:cTn>
+                        </p:par>
+                        <p:par>
+                          <p:cTn id="68" fill="hold">
+                            <p:stCondLst>
+                              <p:cond delay="500"/>
+                            </p:stCondLst>
+                            <p:childTnLst>
+                              <p:par>
+                                <p:cTn id="69" presetID="10" presetClass="entr" presetSubtype="0" fill="hold" grpId="0" nodeType="afterEffect">
+                                  <p:stCondLst>
+                                    <p:cond delay="0"/>
+                                  </p:stCondLst>
+                                  <p:childTnLst>
+                                    <p:set>
+                                      <p:cBhvr>
+                                        <p:cTn id="70" dur="1" fill="hold">
+                                          <p:stCondLst>
+                                            <p:cond delay="0"/>
+                                          </p:stCondLst>
+                                        </p:cTn>
+                                        <p:tgtEl>
+                                          <p:spTgt spid="24"/>
+                                        </p:tgtEl>
+                                        <p:attrNameLst>
+                                          <p:attrName>style.visibility</p:attrName>
+                                        </p:attrNameLst>
+                                      </p:cBhvr>
+                                      <p:to>
+                                        <p:strVal val="visible"/>
+                                      </p:to>
+                                    </p:set>
+                                    <p:animEffect transition="in" filter="fade">
+                                      <p:cBhvr>
+                                        <p:cTn id="71" dur="500"/>
+                                        <p:tgtEl>
+                                          <p:spTgt spid="24"/>
+                                        </p:tgtEl>
+                                      </p:cBhvr>
+                                    </p:animEffect>
+                                  </p:childTnLst>
+                                </p:cTn>
+                              </p:par>
+                            </p:childTnLst>
+                          </p:cTn>
+                        </p:par>
+                      </p:childTnLst>
+                    </p:cTn>
+                  </p:par>
+                  <p:par>
+                    <p:cTn id="72" fill="hold">
+                      <p:stCondLst>
+                        <p:cond delay="indefinite"/>
+                      </p:stCondLst>
+                      <p:childTnLst>
+                        <p:par>
+                          <p:cTn id="73" fill="hold">
+                            <p:stCondLst>
+                              <p:cond delay="0"/>
+                            </p:stCondLst>
+                            <p:childTnLst>
+                              <p:par>
+                                <p:cTn id="74" presetID="10" presetClass="entr" presetSubtype="0" fill="hold" grpId="0" nodeType="clickEffect">
+                                  <p:stCondLst>
+                                    <p:cond delay="0"/>
+                                  </p:stCondLst>
+                                  <p:childTnLst>
+                                    <p:set>
+                                      <p:cBhvr>
+                                        <p:cTn id="75" dur="1" fill="hold">
+                                          <p:stCondLst>
+                                            <p:cond delay="0"/>
+                                          </p:stCondLst>
+                                        </p:cTn>
+                                        <p:tgtEl>
+                                          <p:spTgt spid="27"/>
+                                        </p:tgtEl>
+                                        <p:attrNameLst>
+                                          <p:attrName>style.visibility</p:attrName>
+                                        </p:attrNameLst>
+                                      </p:cBhvr>
+                                      <p:to>
+                                        <p:strVal val="visible"/>
+                                      </p:to>
+                                    </p:set>
+                                    <p:animEffect transition="in" filter="fade">
+                                      <p:cBhvr>
+                                        <p:cTn id="76" dur="250"/>
+                                        <p:tgtEl>
+                                          <p:spTgt spid="27"/>
+                                        </p:tgtEl>
+                                      </p:cBhvr>
+                                    </p:animEffect>
+                                  </p:childTnLst>
+                                </p:cTn>
+                              </p:par>
+                            </p:childTnLst>
+                          </p:cTn>
+                        </p:par>
+                        <p:par>
+                          <p:cTn id="77" fill="hold">
+                            <p:stCondLst>
+                              <p:cond delay="250"/>
+                            </p:stCondLst>
+                            <p:childTnLst>
+                              <p:par>
+                                <p:cTn id="78" presetID="10" presetClass="entr" presetSubtype="0" fill="hold" grpId="0" nodeType="afterEffect">
+                                  <p:stCondLst>
+                                    <p:cond delay="0"/>
+                                  </p:stCondLst>
+                                  <p:childTnLst>
+                                    <p:set>
+                                      <p:cBhvr>
+                                        <p:cTn id="79" dur="1" fill="hold">
+                                          <p:stCondLst>
+                                            <p:cond delay="0"/>
+                                          </p:stCondLst>
+                                        </p:cTn>
+                                        <p:tgtEl>
+                                          <p:spTgt spid="26"/>
+                                        </p:tgtEl>
+                                        <p:attrNameLst>
+                                          <p:attrName>style.visibility</p:attrName>
+                                        </p:attrNameLst>
+                                      </p:cBhvr>
+                                      <p:to>
+                                        <p:strVal val="visible"/>
+                                      </p:to>
+                                    </p:set>
+                                    <p:animEffect transition="in" filter="fade">
+                                      <p:cBhvr>
+                                        <p:cTn id="80" dur="250"/>
+                                        <p:tgtEl>
+                                          <p:spTgt spid="26"/>
+                                        </p:tgtEl>
+                                      </p:cBhvr>
+                                    </p:animEffect>
+                                  </p:childTnLst>
+                                </p:cTn>
+                              </p:par>
+                            </p:childTnLst>
+                          </p:cTn>
+                        </p:par>
+                        <p:par>
+                          <p:cTn id="81" fill="hold">
+                            <p:stCondLst>
+                              <p:cond delay="500"/>
+                            </p:stCondLst>
+                            <p:childTnLst>
+                              <p:par>
+                                <p:cTn id="82" presetID="10" presetClass="entr" presetSubtype="0" fill="hold" grpId="0" nodeType="afterEffect">
+                                  <p:stCondLst>
+                                    <p:cond delay="0"/>
+                                  </p:stCondLst>
+                                  <p:childTnLst>
+                                    <p:set>
+                                      <p:cBhvr>
+                                        <p:cTn id="83" dur="1" fill="hold">
+                                          <p:stCondLst>
+                                            <p:cond delay="0"/>
+                                          </p:stCondLst>
+                                        </p:cTn>
+                                        <p:tgtEl>
+                                          <p:spTgt spid="25"/>
+                                        </p:tgtEl>
+                                        <p:attrNameLst>
+                                          <p:attrName>style.visibility</p:attrName>
+                                        </p:attrNameLst>
+                                      </p:cBhvr>
+                                      <p:to>
+                                        <p:strVal val="visible"/>
+                                      </p:to>
+                                    </p:set>
+                                    <p:animEffect transition="in" filter="fade">
+                                      <p:cBhvr>
+                                        <p:cTn id="84" dur="250"/>
+                                        <p:tgtEl>
+                                          <p:spTgt spid="25"/>
+                                        </p:tgtEl>
+                                      </p:cBhvr>
+                                    </p:animEffect>
+                                  </p:childTnLst>
+                                </p:cTn>
+                              </p:par>
+                              <p:par>
+                                <p:cTn id="85" presetID="10" presetClass="entr" presetSubtype="0" fill="hold" nodeType="withEffect">
+                                  <p:stCondLst>
+                                    <p:cond delay="0"/>
+                                  </p:stCondLst>
+                                  <p:childTnLst>
+                                    <p:set>
+                                      <p:cBhvr>
+                                        <p:cTn id="86" dur="1" fill="hold">
+                                          <p:stCondLst>
+                                            <p:cond delay="0"/>
+                                          </p:stCondLst>
+                                        </p:cTn>
+                                        <p:tgtEl>
+                                          <p:spTgt spid="29"/>
+                                        </p:tgtEl>
+                                        <p:attrNameLst>
+                                          <p:attrName>style.visibility</p:attrName>
+                                        </p:attrNameLst>
+                                      </p:cBhvr>
+                                      <p:to>
+                                        <p:strVal val="visible"/>
+                                      </p:to>
+                                    </p:set>
+                                    <p:animEffect transition="in" filter="fade">
+                                      <p:cBhvr>
+                                        <p:cTn id="87" dur="500"/>
+                                        <p:tgtEl>
+                                          <p:spTgt spid="29"/>
+                                        </p:tgtEl>
+                                      </p:cBhvr>
+                                    </p:animEffect>
+                                  </p:childTnLst>
+                                </p:cTn>
+                              </p:par>
+                            </p:childTnLst>
+                          </p:cTn>
+                        </p:par>
+                        <p:par>
+                          <p:cTn id="88" fill="hold">
+                            <p:stCondLst>
+                              <p:cond delay="1000"/>
+                            </p:stCondLst>
+                            <p:childTnLst>
+                              <p:par>
+                                <p:cTn id="89" presetID="10" presetClass="entr" presetSubtype="0" fill="hold" grpId="0" nodeType="afterEffect">
+                                  <p:stCondLst>
+                                    <p:cond delay="0"/>
+                                  </p:stCondLst>
+                                  <p:childTnLst>
+                                    <p:set>
+                                      <p:cBhvr>
+                                        <p:cTn id="90" dur="1" fill="hold">
+                                          <p:stCondLst>
+                                            <p:cond delay="0"/>
+                                          </p:stCondLst>
+                                        </p:cTn>
+                                        <p:tgtEl>
+                                          <p:spTgt spid="30"/>
+                                        </p:tgtEl>
+                                        <p:attrNameLst>
+                                          <p:attrName>style.visibility</p:attrName>
+                                        </p:attrNameLst>
+                                      </p:cBhvr>
+                                      <p:to>
+                                        <p:strVal val="visible"/>
+                                      </p:to>
+                                    </p:set>
+                                    <p:animEffect transition="in" filter="fade">
+                                      <p:cBhvr>
+                                        <p:cTn id="91" dur="500"/>
+                                        <p:tgtEl>
+                                          <p:spTgt spid="30"/>
+                                        </p:tgtEl>
+                                      </p:cBhvr>
+                                    </p:animEffect>
+                                  </p:childTnLst>
+                                </p:cTn>
+                              </p:par>
+                            </p:childTnLst>
+                          </p:cTn>
+                        </p:par>
+                        <p:par>
+                          <p:cTn id="92" fill="hold">
+                            <p:stCondLst>
+                              <p:cond delay="1500"/>
+                            </p:stCondLst>
+                            <p:childTnLst>
+                              <p:par>
+                                <p:cTn id="93" presetID="10" presetClass="entr" presetSubtype="0" fill="hold" grpId="0" nodeType="afterEffect">
+                                  <p:stCondLst>
+                                    <p:cond delay="0"/>
+                                  </p:stCondLst>
+                                  <p:childTnLst>
+                                    <p:set>
+                                      <p:cBhvr>
+                                        <p:cTn id="94" dur="1" fill="hold">
+                                          <p:stCondLst>
+                                            <p:cond delay="0"/>
+                                          </p:stCondLst>
+                                        </p:cTn>
+                                        <p:tgtEl>
+                                          <p:spTgt spid="31"/>
+                                        </p:tgtEl>
+                                        <p:attrNameLst>
+                                          <p:attrName>style.visibility</p:attrName>
+                                        </p:attrNameLst>
+                                      </p:cBhvr>
+                                      <p:to>
+                                        <p:strVal val="visible"/>
+                                      </p:to>
+                                    </p:set>
+                                    <p:animEffect transition="in" filter="fade">
+                                      <p:cBhvr>
+                                        <p:cTn id="95" dur="500"/>
+                                        <p:tgtEl>
+                                          <p:spTgt spid="31"/>
+                                        </p:tgtEl>
+                                      </p:cBhvr>
+                                    </p:animEffect>
+                                  </p:childTnLst>
+                                </p:cTn>
+                              </p:par>
+                            </p:childTnLst>
+                          </p:cTn>
+                        </p:par>
+                        <p:par>
+                          <p:cTn id="96" fill="hold">
+                            <p:stCondLst>
+                              <p:cond delay="2000"/>
+                            </p:stCondLst>
+                            <p:childTnLst>
+                              <p:par>
+                                <p:cTn id="97" presetID="10" presetClass="entr" presetSubtype="0" fill="hold" grpId="0" nodeType="afterEffect">
+                                  <p:stCondLst>
+                                    <p:cond delay="0"/>
+                                  </p:stCondLst>
+                                  <p:childTnLst>
+                                    <p:set>
+                                      <p:cBhvr>
+                                        <p:cTn id="98" dur="1" fill="hold">
+                                          <p:stCondLst>
+                                            <p:cond delay="0"/>
+                                          </p:stCondLst>
+                                        </p:cTn>
+                                        <p:tgtEl>
+                                          <p:spTgt spid="35"/>
+                                        </p:tgtEl>
+                                        <p:attrNameLst>
+                                          <p:attrName>style.visibility</p:attrName>
+                                        </p:attrNameLst>
+                                      </p:cBhvr>
+                                      <p:to>
+                                        <p:strVal val="visible"/>
+                                      </p:to>
+                                    </p:set>
+                                    <p:animEffect transition="in" filter="fade">
+                                      <p:cBhvr>
+                                        <p:cTn id="99" dur="500"/>
+                                        <p:tgtEl>
+                                          <p:spTgt spid="35"/>
+                                        </p:tgtEl>
+                                      </p:cBhvr>
+                                    </p:animEffect>
+                                  </p:childTnLst>
+                                </p:cTn>
+                              </p:par>
+                            </p:childTnLst>
+                          </p:cTn>
+                        </p:par>
+                      </p:childTnLst>
+                    </p:cTn>
+                  </p:par>
+                </p:childTnLst>
+              </p:cTn>
+              <p:prevCondLst>
+                <p:cond evt="onPrev" delay="0">
+                  <p:tgtEl>
+                    <p:sldTgt/>
+                  </p:tgtEl>
+                </p:cond>
+              </p:prevCondLst>
+              <p:nextCondLst>
+                <p:cond evt="onNext" delay="0">
+                  <p:tgtEl>
+                    <p:sldTgt/>
+                  </p:tgtEl>
+                </p:cond>
+              </p:nextCondLst>
+            </p:seq>
+          </p:childTnLst>
+        </p:cTn>
+      </p:par>
+    </p:tnLst>
+    <p:bldLst>
+      <p:bldP spid="11" grpId="0" animBg="1"/>
+      <p:bldP spid="4" grpId="0" animBg="1"/>
+      <p:bldP spid="8" grpId="0" animBg="1"/>
+      <p:bldP spid="5" grpId="0" animBg="1"/>
+      <p:bldP spid="10" grpId="0" animBg="1"/>
+      <p:bldP spid="14" grpId="0" animBg="1"/>
+      <p:bldP spid="9" grpId="0" animBg="1"/>
+      <p:bldP spid="15" grpId="0" animBg="1"/>
+      <p:bldP spid="20" grpId="0"/>
+      <p:bldP spid="21" grpId="0"/>
+      <p:bldP spid="24" grpId="0" animBg="1"/>
+      <p:bldP spid="25" grpId="0" animBg="1"/>
+      <p:bldP spid="26" grpId="0" animBg="1"/>
+      <p:bldP spid="27" grpId="0" animBg="1"/>
+      <p:bldP spid="30" grpId="0"/>
+      <p:bldP spid="31" grpId="0"/>
+      <p:bldP spid="35" grpId="0"/>
+    </p:bldLst>
+  </p:timing>
+</p:sld>
+</file>
+
+<file path=ppt/slides/slide8.xml><?xml version="1.0" encoding="utf-8"?>
+<p:sld xmlns:a="http://schemas.openxmlformats.org/drawingml/2006/main" xmlns:r="http://schemas.openxmlformats.org/officeDocument/2006/relationships" xmlns:p="http://schemas.openxmlformats.org/presentationml/2006/main">
+  <p:cSld>
+    <p:spTree>
+      <p:nvGrpSpPr>
+        <p:cNvPr id="1" name=""/>
+        <p:cNvGrpSpPr/>
+        <p:nvPr/>
+      </p:nvGrpSpPr>
+      <p:grpSpPr>
+        <a:xfrm>
+          <a:off x="0" y="0"/>
+          <a:ext cx="0" cy="0"/>
+          <a:chOff x="0" y="0"/>
+          <a:chExt cx="0" cy="0"/>
+        </a:xfrm>
+      </p:grpSpPr>
+      <p:sp>
+        <p:nvSpPr>
+          <p:cNvPr id="2" name="Title 1">
+            <a:extLst>
+              <a:ext uri="{FF2B5EF4-FFF2-40B4-BE49-F238E27FC236}">
+                <a16:creationId xmlns:a16="http://schemas.microsoft.com/office/drawing/2014/main" id="{491F49F2-A379-E4BD-E3C8-77ECC04B259A}"/>
+              </a:ext>
+            </a:extLst>
+          </p:cNvPr>
+          <p:cNvSpPr>
+            <a:spLocks noGrp="1"/>
+          </p:cNvSpPr>
+          <p:nvPr>
+            <p:ph type="title"/>
+          </p:nvPr>
+        </p:nvSpPr>
+        <p:spPr/>
+        <p:txBody>
+          <a:bodyPr/>
+          <a:lstStyle/>
+          <a:p>
+            <a:r>
+              <a:rPr lang="en-US" dirty="0"/>
+              <a:t>On Time</a:t>
+            </a:r>
+          </a:p>
+        </p:txBody>
+      </p:sp>
+      <p:sp>
+        <p:nvSpPr>
+          <p:cNvPr id="4" name="Rectangle: Rounded Corners 3">
+            <a:extLst>
+              <a:ext uri="{FF2B5EF4-FFF2-40B4-BE49-F238E27FC236}">
+                <a16:creationId xmlns:a16="http://schemas.microsoft.com/office/drawing/2014/main" id="{B76141F3-FD9E-A8CF-3A70-C2B02DFE0FD0}"/>
+              </a:ext>
+            </a:extLst>
+          </p:cNvPr>
+          <p:cNvSpPr/>
+          <p:nvPr/>
+        </p:nvSpPr>
+        <p:spPr>
+          <a:xfrm>
+            <a:off x="383663" y="1886482"/>
+            <a:ext cx="11458775" cy="571500"/>
+          </a:xfrm>
+          <a:prstGeom prst="roundRect">
+            <a:avLst/>
+          </a:prstGeom>
+        </p:spPr>
+        <p:style>
+          <a:lnRef idx="2">
+            <a:schemeClr val="accent1">
+              <a:shade val="15000"/>
+            </a:schemeClr>
+          </a:lnRef>
+          <a:fillRef idx="1">
+            <a:schemeClr val="accent1"/>
+          </a:fillRef>
+          <a:effectRef idx="0">
+            <a:schemeClr val="accent1"/>
+          </a:effectRef>
+          <a:fontRef idx="minor">
+            <a:schemeClr val="lt1"/>
+          </a:fontRef>
+        </p:style>
+        <p:txBody>
+          <a:bodyPr rtlCol="0" anchor="ctr"/>
+          <a:lstStyle/>
+          <a:p>
+            <a:pPr algn="ctr"/>
+            <a:r>
+              <a:rPr lang="en-US" dirty="0"/>
+              <a:t>Main </a:t>
+            </a:r>
+            <a:r>
+              <a:rPr lang="en-US" dirty="0" err="1"/>
+              <a:t>Runspace</a:t>
+            </a:r>
+            <a:endParaRPr lang="en-US" dirty="0"/>
+          </a:p>
+        </p:txBody>
+      </p:sp>
+      <p:sp>
+        <p:nvSpPr>
+          <p:cNvPr id="5" name="Rectangle: Rounded Corners 4">
+            <a:extLst>
+              <a:ext uri="{FF2B5EF4-FFF2-40B4-BE49-F238E27FC236}">
+                <a16:creationId xmlns:a16="http://schemas.microsoft.com/office/drawing/2014/main" id="{D2FDC94C-2A9A-F70A-BA61-F3114734870D}"/>
+              </a:ext>
+            </a:extLst>
+          </p:cNvPr>
+          <p:cNvSpPr/>
+          <p:nvPr/>
+        </p:nvSpPr>
+        <p:spPr>
+          <a:xfrm>
+            <a:off x="383663" y="3822922"/>
+            <a:ext cx="11458775" cy="571500"/>
+          </a:xfrm>
+          <a:prstGeom prst="roundRect">
+            <a:avLst/>
+          </a:prstGeom>
+        </p:spPr>
+        <p:style>
+          <a:lnRef idx="2">
+            <a:schemeClr val="accent1">
+              <a:shade val="15000"/>
+            </a:schemeClr>
+          </a:lnRef>
+          <a:fillRef idx="1">
+            <a:schemeClr val="accent1"/>
+          </a:fillRef>
+          <a:effectRef idx="0">
+            <a:schemeClr val="accent1"/>
+          </a:effectRef>
+          <a:fontRef idx="minor">
+            <a:schemeClr val="lt1"/>
+          </a:fontRef>
+        </p:style>
+        <p:txBody>
+          <a:bodyPr rtlCol="0" anchor="ctr"/>
+          <a:lstStyle/>
+          <a:p>
+            <a:pPr algn="ctr"/>
+            <a:r>
+              <a:rPr lang="en-US" dirty="0"/>
+              <a:t>Task Manager </a:t>
+            </a:r>
+            <a:r>
+              <a:rPr lang="en-US" dirty="0" err="1"/>
+              <a:t>Runspace</a:t>
+            </a:r>
+            <a:endParaRPr lang="en-US" dirty="0"/>
+          </a:p>
+        </p:txBody>
+      </p:sp>
+      <p:cxnSp>
+        <p:nvCxnSpPr>
+          <p:cNvPr id="8" name="Straight Arrow Connector 7">
+            <a:extLst>
+              <a:ext uri="{FF2B5EF4-FFF2-40B4-BE49-F238E27FC236}">
+                <a16:creationId xmlns:a16="http://schemas.microsoft.com/office/drawing/2014/main" id="{5FF5A4E6-367E-CCDF-7099-F52928B62356}"/>
+              </a:ext>
+            </a:extLst>
+          </p:cNvPr>
+          <p:cNvCxnSpPr/>
+          <p:nvPr/>
+        </p:nvCxnSpPr>
+        <p:spPr>
+          <a:xfrm>
+            <a:off x="1189359" y="2457982"/>
+            <a:ext cx="530736" cy="1364940"/>
+          </a:xfrm>
+          <a:prstGeom prst="straightConnector1">
+            <a:avLst/>
+          </a:prstGeom>
+          <a:ln>
+            <a:tailEnd type="triangle"/>
+          </a:ln>
+        </p:spPr>
+        <p:style>
+          <a:lnRef idx="2">
+            <a:schemeClr val="accent6"/>
+          </a:lnRef>
+          <a:fillRef idx="0">
+            <a:schemeClr val="accent6"/>
+          </a:fillRef>
+          <a:effectRef idx="1">
+            <a:schemeClr val="accent6"/>
+          </a:effectRef>
+          <a:fontRef idx="minor">
+            <a:schemeClr val="tx1"/>
+          </a:fontRef>
+        </p:style>
+      </p:cxnSp>
+      <p:sp>
+        <p:nvSpPr>
+          <p:cNvPr id="6" name="Rectangle: Folded Corner 5">
+            <a:extLst>
+              <a:ext uri="{FF2B5EF4-FFF2-40B4-BE49-F238E27FC236}">
+                <a16:creationId xmlns:a16="http://schemas.microsoft.com/office/drawing/2014/main" id="{B7C383BA-A4C3-BF2E-C168-D39059832D2A}"/>
+              </a:ext>
+            </a:extLst>
+          </p:cNvPr>
+          <p:cNvSpPr/>
+          <p:nvPr/>
+        </p:nvSpPr>
+        <p:spPr>
+          <a:xfrm>
+            <a:off x="1138204" y="2845510"/>
+            <a:ext cx="780118" cy="780118"/>
+          </a:xfrm>
+          <a:prstGeom prst="foldedCorner">
+            <a:avLst/>
+          </a:prstGeom>
+        </p:spPr>
+        <p:style>
+          <a:lnRef idx="2">
+            <a:schemeClr val="accent6">
+              <a:shade val="15000"/>
+            </a:schemeClr>
+          </a:lnRef>
+          <a:fillRef idx="1">
+            <a:schemeClr val="accent6"/>
+          </a:fillRef>
+          <a:effectRef idx="0">
+            <a:schemeClr val="accent6"/>
+          </a:effectRef>
+          <a:fontRef idx="minor">
+            <a:schemeClr val="lt1"/>
+          </a:fontRef>
+        </p:style>
+        <p:txBody>
+          <a:bodyPr rtlCol="0" anchor="ctr"/>
+          <a:lstStyle/>
+          <a:p>
+            <a:pPr algn="ctr"/>
+            <a:r>
+              <a:rPr lang="en-US" dirty="0"/>
+              <a:t>Task</a:t>
+            </a:r>
+          </a:p>
+        </p:txBody>
+      </p:sp>
+      <p:sp>
+        <p:nvSpPr>
+          <p:cNvPr id="9" name="Oval 8">
+            <a:extLst>
+              <a:ext uri="{FF2B5EF4-FFF2-40B4-BE49-F238E27FC236}">
+                <a16:creationId xmlns:a16="http://schemas.microsoft.com/office/drawing/2014/main" id="{4D569892-8FCB-D519-8E8B-7D12717FC20B}"/>
+              </a:ext>
+            </a:extLst>
+          </p:cNvPr>
+          <p:cNvSpPr/>
+          <p:nvPr/>
+        </p:nvSpPr>
+        <p:spPr>
+          <a:xfrm>
+            <a:off x="1847983" y="2915849"/>
+            <a:ext cx="876035" cy="255776"/>
+          </a:xfrm>
+          <a:prstGeom prst="ellipse">
+            <a:avLst/>
+          </a:prstGeom>
+        </p:spPr>
+        <p:style>
+          <a:lnRef idx="2">
+            <a:schemeClr val="accent3">
+              <a:shade val="15000"/>
+            </a:schemeClr>
+          </a:lnRef>
+          <a:fillRef idx="1">
+            <a:schemeClr val="accent3"/>
+          </a:fillRef>
+          <a:effectRef idx="0">
+            <a:schemeClr val="accent3"/>
+          </a:effectRef>
+          <a:fontRef idx="minor">
+            <a:schemeClr val="lt1"/>
+          </a:fontRef>
+        </p:style>
+        <p:txBody>
+          <a:bodyPr rtlCol="0" anchor="ctr"/>
+          <a:lstStyle/>
+          <a:p>
+            <a:pPr algn="ctr"/>
+            <a:r>
+              <a:rPr lang="en-US" sz="800" dirty="0"/>
+              <a:t>Schedule</a:t>
+            </a:r>
+          </a:p>
+        </p:txBody>
+      </p:sp>
+      <p:sp>
+        <p:nvSpPr>
+          <p:cNvPr id="10" name="Oval 9">
+            <a:extLst>
+              <a:ext uri="{FF2B5EF4-FFF2-40B4-BE49-F238E27FC236}">
+                <a16:creationId xmlns:a16="http://schemas.microsoft.com/office/drawing/2014/main" id="{1E6E0298-AABD-F79C-5AD9-949E71929CFB}"/>
+              </a:ext>
+            </a:extLst>
+          </p:cNvPr>
+          <p:cNvSpPr/>
+          <p:nvPr/>
+        </p:nvSpPr>
+        <p:spPr>
+          <a:xfrm>
+            <a:off x="1847983" y="3121602"/>
+            <a:ext cx="876035" cy="255776"/>
+          </a:xfrm>
+          <a:prstGeom prst="ellipse">
+            <a:avLst/>
+          </a:prstGeom>
+        </p:spPr>
+        <p:style>
+          <a:lnRef idx="2">
+            <a:schemeClr val="accent5">
+              <a:shade val="15000"/>
+            </a:schemeClr>
+          </a:lnRef>
+          <a:fillRef idx="1">
+            <a:schemeClr val="accent5"/>
+          </a:fillRef>
+          <a:effectRef idx="0">
+            <a:schemeClr val="accent5"/>
+          </a:effectRef>
+          <a:fontRef idx="minor">
+            <a:schemeClr val="lt1"/>
+          </a:fontRef>
+        </p:style>
+        <p:txBody>
+          <a:bodyPr rtlCol="0" anchor="ctr"/>
+          <a:lstStyle/>
+          <a:p>
+            <a:pPr algn="ctr"/>
+            <a:r>
+              <a:rPr lang="en-US" sz="800" dirty="0"/>
+              <a:t>Condition</a:t>
+            </a:r>
+          </a:p>
+        </p:txBody>
+      </p:sp>
+      <p:sp>
+        <p:nvSpPr>
+          <p:cNvPr id="11" name="Oval 10">
+            <a:extLst>
+              <a:ext uri="{FF2B5EF4-FFF2-40B4-BE49-F238E27FC236}">
+                <a16:creationId xmlns:a16="http://schemas.microsoft.com/office/drawing/2014/main" id="{93DA7F2E-064A-203A-79D9-91D3308B9309}"/>
+              </a:ext>
+            </a:extLst>
+          </p:cNvPr>
+          <p:cNvSpPr/>
+          <p:nvPr/>
+        </p:nvSpPr>
+        <p:spPr>
+          <a:xfrm>
+            <a:off x="1847982" y="3315699"/>
+            <a:ext cx="876035" cy="255776"/>
+          </a:xfrm>
+          <a:prstGeom prst="ellipse">
+            <a:avLst/>
+          </a:prstGeom>
+        </p:spPr>
+        <p:style>
+          <a:lnRef idx="2">
+            <a:schemeClr val="accent2">
+              <a:shade val="15000"/>
+            </a:schemeClr>
+          </a:lnRef>
+          <a:fillRef idx="1">
+            <a:schemeClr val="accent2"/>
+          </a:fillRef>
+          <a:effectRef idx="0">
+            <a:schemeClr val="accent2"/>
+          </a:effectRef>
+          <a:fontRef idx="minor">
+            <a:schemeClr val="lt1"/>
+          </a:fontRef>
+        </p:style>
+        <p:txBody>
+          <a:bodyPr rtlCol="0" anchor="ctr"/>
+          <a:lstStyle/>
+          <a:p>
+            <a:pPr algn="ctr"/>
+            <a:r>
+              <a:rPr lang="en-US" sz="800" dirty="0"/>
+              <a:t>Priority</a:t>
+            </a:r>
+          </a:p>
+        </p:txBody>
+      </p:sp>
+    </p:spTree>
+    <p:extLst>
+      <p:ext uri="{BB962C8B-B14F-4D97-AF65-F5344CB8AC3E}">
+        <p14:creationId xmlns:p14="http://schemas.microsoft.com/office/powerpoint/2010/main" val="1393515603"/>
+      </p:ext>
+    </p:extLst>
+  </p:cSld>
+  <p:clrMapOvr>
+    <a:masterClrMapping/>
+  </p:clrMapOvr>
+  <p:timing>
+    <p:tnLst>
+      <p:par>
+        <p:cTn id="1" dur="indefinite" restart="never" nodeType="tmRoot">
+          <p:childTnLst>
+            <p:seq concurrent="1" nextAc="seek">
+              <p:cTn id="2" dur="indefinite" nodeType="mainSeq">
+                <p:childTnLst>
+                  <p:par>
+                    <p:cTn id="3" fill="hold">
+                      <p:stCondLst>
+                        <p:cond delay="indefinite"/>
+                      </p:stCondLst>
+                      <p:childTnLst>
+                        <p:par>
+                          <p:cTn id="4" fill="hold">
+                            <p:stCondLst>
+                              <p:cond delay="0"/>
+                            </p:stCondLst>
+                            <p:childTnLst>
+                              <p:par>
+                                <p:cTn id="5" presetID="10" presetClass="entr" presetSubtype="0" fill="hold" grpId="0" nodeType="clickEffect">
+                                  <p:stCondLst>
+                                    <p:cond delay="0"/>
+                                  </p:stCondLst>
+                                  <p:childTnLst>
+                                    <p:set>
+                                      <p:cBhvr>
+                                        <p:cTn id="6" dur="1" fill="hold">
+                                          <p:stCondLst>
+                                            <p:cond delay="0"/>
+                                          </p:stCondLst>
+                                        </p:cTn>
+                                        <p:tgtEl>
+                                          <p:spTgt spid="4"/>
+                                        </p:tgtEl>
+                                        <p:attrNameLst>
+                                          <p:attrName>style.visibility</p:attrName>
+                                        </p:attrNameLst>
+                                      </p:cBhvr>
+                                      <p:to>
+                                        <p:strVal val="visible"/>
+                                      </p:to>
+                                    </p:set>
+                                    <p:animEffect transition="in" filter="fade">
+                                      <p:cBhvr>
+                                        <p:cTn id="7" dur="500"/>
+                                        <p:tgtEl>
+                                          <p:spTgt spid="4"/>
+                                        </p:tgtEl>
+                                      </p:cBhvr>
+                                    </p:animEffect>
+                                  </p:childTnLst>
+                                </p:cTn>
+                              </p:par>
+                            </p:childTnLst>
+                          </p:cTn>
+                        </p:par>
+                      </p:childTnLst>
+                    </p:cTn>
+                  </p:par>
+                  <p:par>
+                    <p:cTn id="8" fill="hold">
+                      <p:stCondLst>
+                        <p:cond delay="indefinite"/>
+                      </p:stCondLst>
+                      <p:childTnLst>
+                        <p:par>
+                          <p:cTn id="9" fill="hold">
+                            <p:stCondLst>
+                              <p:cond delay="0"/>
+                            </p:stCondLst>
+                            <p:childTnLst>
+                              <p:par>
+                                <p:cTn id="10" presetID="10" presetClass="entr" presetSubtype="0" fill="hold" grpId="0" nodeType="clickEffect">
+                                  <p:stCondLst>
+                                    <p:cond delay="0"/>
+                                  </p:stCondLst>
+                                  <p:childTnLst>
+                                    <p:set>
+                                      <p:cBhvr>
+                                        <p:cTn id="11" dur="1" fill="hold">
+                                          <p:stCondLst>
+                                            <p:cond delay="0"/>
+                                          </p:stCondLst>
+                                        </p:cTn>
+                                        <p:tgtEl>
+                                          <p:spTgt spid="5"/>
+                                        </p:tgtEl>
+                                        <p:attrNameLst>
+                                          <p:attrName>style.visibility</p:attrName>
+                                        </p:attrNameLst>
+                                      </p:cBhvr>
+                                      <p:to>
+                                        <p:strVal val="visible"/>
+                                      </p:to>
+                                    </p:set>
+                                    <p:animEffect transition="in" filter="fade">
+                                      <p:cBhvr>
+                                        <p:cTn id="12" dur="500"/>
+                                        <p:tgtEl>
+                                          <p:spTgt spid="5"/>
+                                        </p:tgtEl>
+                                      </p:cBhvr>
+                                    </p:animEffect>
+                                  </p:childTnLst>
+                                </p:cTn>
+                              </p:par>
+                            </p:childTnLst>
+                          </p:cTn>
+                        </p:par>
+                      </p:childTnLst>
+                    </p:cTn>
+                  </p:par>
+                  <p:par>
+                    <p:cTn id="13" fill="hold">
+                      <p:stCondLst>
+                        <p:cond delay="indefinite"/>
+                      </p:stCondLst>
+                      <p:childTnLst>
+                        <p:par>
+                          <p:cTn id="14" fill="hold">
+                            <p:stCondLst>
+                              <p:cond delay="0"/>
+                            </p:stCondLst>
+                            <p:childTnLst>
+                              <p:par>
+                                <p:cTn id="15" presetID="10" presetClass="entr" presetSubtype="0" fill="hold" nodeType="clickEffect">
+                                  <p:stCondLst>
+                                    <p:cond delay="0"/>
+                                  </p:stCondLst>
+                                  <p:childTnLst>
+                                    <p:set>
+                                      <p:cBhvr>
+                                        <p:cTn id="16" dur="1" fill="hold">
+                                          <p:stCondLst>
+                                            <p:cond delay="0"/>
+                                          </p:stCondLst>
+                                        </p:cTn>
+                                        <p:tgtEl>
+                                          <p:spTgt spid="8"/>
+                                        </p:tgtEl>
+                                        <p:attrNameLst>
+                                          <p:attrName>style.visibility</p:attrName>
+                                        </p:attrNameLst>
+                                      </p:cBhvr>
+                                      <p:to>
+                                        <p:strVal val="visible"/>
+                                      </p:to>
+                                    </p:set>
+                                    <p:animEffect transition="in" filter="fade">
+                                      <p:cBhvr>
+                                        <p:cTn id="17" dur="250"/>
+                                        <p:tgtEl>
+                                          <p:spTgt spid="8"/>
+                                        </p:tgtEl>
+                                      </p:cBhvr>
+                                    </p:animEffect>
+                                  </p:childTnLst>
+                                </p:cTn>
+                              </p:par>
+                            </p:childTnLst>
+                          </p:cTn>
+                        </p:par>
+                        <p:par>
+                          <p:cTn id="18" fill="hold">
+                            <p:stCondLst>
+                              <p:cond delay="250"/>
+                            </p:stCondLst>
+                            <p:childTnLst>
+                              <p:par>
+                                <p:cTn id="19" presetID="10" presetClass="entr" presetSubtype="0" fill="hold" grpId="0" nodeType="afterEffect">
+                                  <p:stCondLst>
+                                    <p:cond delay="0"/>
+                                  </p:stCondLst>
+                                  <p:childTnLst>
+                                    <p:set>
+                                      <p:cBhvr>
+                                        <p:cTn id="20" dur="1" fill="hold">
+                                          <p:stCondLst>
+                                            <p:cond delay="0"/>
+                                          </p:stCondLst>
+                                        </p:cTn>
+                                        <p:tgtEl>
+                                          <p:spTgt spid="6"/>
+                                        </p:tgtEl>
+                                        <p:attrNameLst>
+                                          <p:attrName>style.visibility</p:attrName>
+                                        </p:attrNameLst>
+                                      </p:cBhvr>
+                                      <p:to>
+                                        <p:strVal val="visible"/>
+                                      </p:to>
+                                    </p:set>
+                                    <p:animEffect transition="in" filter="fade">
+                                      <p:cBhvr>
+                                        <p:cTn id="21" dur="500"/>
+                                        <p:tgtEl>
+                                          <p:spTgt spid="6"/>
+                                        </p:tgtEl>
+                                      </p:cBhvr>
+                                    </p:animEffect>
+                                  </p:childTnLst>
+                                </p:cTn>
+                              </p:par>
+                            </p:childTnLst>
+                          </p:cTn>
+                        </p:par>
+                      </p:childTnLst>
+                    </p:cTn>
+                  </p:par>
+                  <p:par>
+                    <p:cTn id="22" fill="hold">
+                      <p:stCondLst>
+                        <p:cond delay="indefinite"/>
+                      </p:stCondLst>
+                      <p:childTnLst>
+                        <p:par>
+                          <p:cTn id="23" fill="hold">
+                            <p:stCondLst>
+                              <p:cond delay="0"/>
+                            </p:stCondLst>
+                            <p:childTnLst>
+                              <p:par>
+                                <p:cTn id="24" presetID="10" presetClass="entr" presetSubtype="0" fill="hold" grpId="0" nodeType="clickEffect">
+                                  <p:stCondLst>
+                                    <p:cond delay="0"/>
+                                  </p:stCondLst>
+                                  <p:childTnLst>
+                                    <p:set>
+                                      <p:cBhvr>
+                                        <p:cTn id="25" dur="1" fill="hold">
+                                          <p:stCondLst>
+                                            <p:cond delay="0"/>
+                                          </p:stCondLst>
+                                        </p:cTn>
+                                        <p:tgtEl>
+                                          <p:spTgt spid="9"/>
+                                        </p:tgtEl>
+                                        <p:attrNameLst>
+                                          <p:attrName>style.visibility</p:attrName>
+                                        </p:attrNameLst>
+                                      </p:cBhvr>
+                                      <p:to>
+                                        <p:strVal val="visible"/>
+                                      </p:to>
+                                    </p:set>
+                                    <p:animEffect transition="in" filter="fade">
+                                      <p:cBhvr>
+                                        <p:cTn id="26" dur="500"/>
+                                        <p:tgtEl>
+                                          <p:spTgt spid="9"/>
+                                        </p:tgtEl>
+                                      </p:cBhvr>
+                                    </p:animEffect>
+                                  </p:childTnLst>
+                                </p:cTn>
+                              </p:par>
+                            </p:childTnLst>
+                          </p:cTn>
+                        </p:par>
+                        <p:par>
+                          <p:cTn id="27" fill="hold">
+                            <p:stCondLst>
+                              <p:cond delay="500"/>
+                            </p:stCondLst>
+                            <p:childTnLst>
+                              <p:par>
+                                <p:cTn id="28" presetID="10" presetClass="entr" presetSubtype="0" fill="hold" grpId="0" nodeType="afterEffect">
+                                  <p:stCondLst>
+                                    <p:cond delay="0"/>
+                                  </p:stCondLst>
+                                  <p:childTnLst>
+                                    <p:set>
+                                      <p:cBhvr>
+                                        <p:cTn id="29" dur="1" fill="hold">
+                                          <p:stCondLst>
+                                            <p:cond delay="0"/>
+                                          </p:stCondLst>
+                                        </p:cTn>
+                                        <p:tgtEl>
+                                          <p:spTgt spid="10"/>
+                                        </p:tgtEl>
+                                        <p:attrNameLst>
+                                          <p:attrName>style.visibility</p:attrName>
+                                        </p:attrNameLst>
+                                      </p:cBhvr>
+                                      <p:to>
+                                        <p:strVal val="visible"/>
+                                      </p:to>
+                                    </p:set>
+                                    <p:animEffect transition="in" filter="fade">
+                                      <p:cBhvr>
+                                        <p:cTn id="30" dur="500"/>
+                                        <p:tgtEl>
+                                          <p:spTgt spid="10"/>
+                                        </p:tgtEl>
+                                      </p:cBhvr>
+                                    </p:animEffect>
+                                  </p:childTnLst>
+                                </p:cTn>
+                              </p:par>
+                            </p:childTnLst>
+                          </p:cTn>
+                        </p:par>
+                        <p:par>
+                          <p:cTn id="31" fill="hold">
+                            <p:stCondLst>
+                              <p:cond delay="1000"/>
+                            </p:stCondLst>
+                            <p:childTnLst>
+                              <p:par>
+                                <p:cTn id="32" presetID="10" presetClass="entr" presetSubtype="0" fill="hold" grpId="0" nodeType="afterEffect">
+                                  <p:stCondLst>
+                                    <p:cond delay="0"/>
+                                  </p:stCondLst>
+                                  <p:childTnLst>
+                                    <p:set>
+                                      <p:cBhvr>
+                                        <p:cTn id="33" dur="1" fill="hold">
+                                          <p:stCondLst>
+                                            <p:cond delay="0"/>
+                                          </p:stCondLst>
+                                        </p:cTn>
+                                        <p:tgtEl>
+                                          <p:spTgt spid="11"/>
+                                        </p:tgtEl>
+                                        <p:attrNameLst>
+                                          <p:attrName>style.visibility</p:attrName>
+                                        </p:attrNameLst>
+                                      </p:cBhvr>
+                                      <p:to>
+                                        <p:strVal val="visible"/>
+                                      </p:to>
+                                    </p:set>
+                                    <p:animEffect transition="in" filter="fade">
+                                      <p:cBhvr>
+                                        <p:cTn id="34" dur="500"/>
+                                        <p:tgtEl>
+                                          <p:spTgt spid="11"/>
+                                        </p:tgtEl>
+                                      </p:cBhvr>
+                                    </p:animEffect>
+                                  </p:childTnLst>
+                                </p:cTn>
+                              </p:par>
+                            </p:childTnLst>
+                          </p:cTn>
+                        </p:par>
+                      </p:childTnLst>
+                    </p:cTn>
+                  </p:par>
+                </p:childTnLst>
+              </p:cTn>
+              <p:prevCondLst>
+                <p:cond evt="onPrev" delay="0">
+                  <p:tgtEl>
+                    <p:sldTgt/>
+                  </p:tgtEl>
+                </p:cond>
+              </p:prevCondLst>
+              <p:nextCondLst>
+                <p:cond evt="onNext" delay="0">
+                  <p:tgtEl>
+                    <p:sldTgt/>
+                  </p:tgtEl>
+                </p:cond>
+              </p:nextCondLst>
+            </p:seq>
+          </p:childTnLst>
+        </p:cTn>
+      </p:par>
+    </p:tnLst>
+    <p:bldLst>
+      <p:bldP spid="4" grpId="0" animBg="1"/>
+      <p:bldP spid="5" grpId="0" animBg="1"/>
+      <p:bldP spid="6" grpId="0" animBg="1"/>
+      <p:bldP spid="9" grpId="0" animBg="1"/>
+      <p:bldP spid="10" grpId="0" animBg="1"/>
+      <p:bldP spid="11" grpId="0" animBg="1"/>
+    </p:bldLst>
+  </p:timing>
+</p:sld>
+</file>
+
+<file path=ppt/slides/slide9.xml><?xml version="1.0" encoding="utf-8"?>
+<p:sld xmlns:a="http://schemas.openxmlformats.org/drawingml/2006/main" xmlns:r="http://schemas.openxmlformats.org/officeDocument/2006/relationships" xmlns:p="http://schemas.openxmlformats.org/presentationml/2006/main">
+  <p:cSld>
+    <p:spTree>
+      <p:nvGrpSpPr>
+        <p:cNvPr id="1" name=""/>
+        <p:cNvGrpSpPr/>
+        <p:nvPr/>
+      </p:nvGrpSpPr>
+      <p:grpSpPr>
+        <a:xfrm>
+          <a:off x="0" y="0"/>
+          <a:ext cx="0" cy="0"/>
+          <a:chOff x="0" y="0"/>
+          <a:chExt cx="0" cy="0"/>
+        </a:xfrm>
+      </p:grpSpPr>
+      <p:sp>
+        <p:nvSpPr>
           <p:cNvPr id="2" name="Title 1">
             <a:extLst>
               <a:ext uri="{FF2B5EF4-FFF2-40B4-BE49-F238E27FC236}">
@@ -10906,2961 +13888,6 @@
       <p:bldP spid="30" grpId="0" animBg="1"/>
       <p:bldP spid="28" grpId="0" animBg="1"/>
       <p:bldP spid="29" grpId="0" animBg="1"/>
-    </p:bldLst>
-  </p:timing>
-</p:sld>
-</file>
-
-<file path=ppt/slides/slide8.xml><?xml version="1.0" encoding="utf-8"?>
-<p:sld xmlns:a="http://schemas.openxmlformats.org/drawingml/2006/main" xmlns:r="http://schemas.openxmlformats.org/officeDocument/2006/relationships" xmlns:p="http://schemas.openxmlformats.org/presentationml/2006/main">
-  <p:cSld>
-    <p:spTree>
-      <p:nvGrpSpPr>
-        <p:cNvPr id="1" name=""/>
-        <p:cNvGrpSpPr/>
-        <p:nvPr/>
-      </p:nvGrpSpPr>
-      <p:grpSpPr>
-        <a:xfrm>
-          <a:off x="0" y="0"/>
-          <a:ext cx="0" cy="0"/>
-          <a:chOff x="0" y="0"/>
-          <a:chExt cx="0" cy="0"/>
-        </a:xfrm>
-      </p:grpSpPr>
-      <p:sp>
-        <p:nvSpPr>
-          <p:cNvPr id="11" name="Rectangle: Rounded Corners 10">
-            <a:extLst>
-              <a:ext uri="{FF2B5EF4-FFF2-40B4-BE49-F238E27FC236}">
-                <a16:creationId xmlns:a16="http://schemas.microsoft.com/office/drawing/2014/main" id="{6D639121-3920-99E0-4F32-D1E24FCD003C}"/>
-              </a:ext>
-            </a:extLst>
-          </p:cNvPr>
-          <p:cNvSpPr/>
-          <p:nvPr/>
-        </p:nvSpPr>
-        <p:spPr>
-          <a:xfrm>
-            <a:off x="492368" y="5769601"/>
-            <a:ext cx="2984057" cy="571500"/>
-          </a:xfrm>
-          <a:prstGeom prst="roundRect">
-            <a:avLst/>
-          </a:prstGeom>
-        </p:spPr>
-        <p:style>
-          <a:lnRef idx="2">
-            <a:schemeClr val="accent4">
-              <a:shade val="15000"/>
-            </a:schemeClr>
-          </a:lnRef>
-          <a:fillRef idx="1">
-            <a:schemeClr val="accent4"/>
-          </a:fillRef>
-          <a:effectRef idx="0">
-            <a:schemeClr val="accent4"/>
-          </a:effectRef>
-          <a:fontRef idx="minor">
-            <a:schemeClr val="lt1"/>
-          </a:fontRef>
-        </p:style>
-        <p:txBody>
-          <a:bodyPr rtlCol="0" anchor="ctr"/>
-          <a:lstStyle/>
-          <a:p>
-            <a:pPr algn="ctr"/>
-            <a:endParaRPr lang="en-US" dirty="0"/>
-          </a:p>
-        </p:txBody>
-      </p:sp>
-      <p:sp>
-        <p:nvSpPr>
-          <p:cNvPr id="2" name="Title 1">
-            <a:extLst>
-              <a:ext uri="{FF2B5EF4-FFF2-40B4-BE49-F238E27FC236}">
-                <a16:creationId xmlns:a16="http://schemas.microsoft.com/office/drawing/2014/main" id="{F35A4997-6623-583C-8DB6-DD2B62CFAC88}"/>
-              </a:ext>
-            </a:extLst>
-          </p:cNvPr>
-          <p:cNvSpPr>
-            <a:spLocks noGrp="1"/>
-          </p:cNvSpPr>
-          <p:nvPr>
-            <p:ph type="title"/>
-          </p:nvPr>
-        </p:nvSpPr>
-        <p:spPr/>
-        <p:txBody>
-          <a:bodyPr/>
-          <a:lstStyle/>
-          <a:p>
-            <a:r>
-              <a:rPr lang="en-US" dirty="0"/>
-              <a:t>There Can Be Only One</a:t>
-            </a:r>
-          </a:p>
-        </p:txBody>
-      </p:sp>
-      <p:sp>
-        <p:nvSpPr>
-          <p:cNvPr id="4" name="Rectangle: Rounded Corners 3">
-            <a:extLst>
-              <a:ext uri="{FF2B5EF4-FFF2-40B4-BE49-F238E27FC236}">
-                <a16:creationId xmlns:a16="http://schemas.microsoft.com/office/drawing/2014/main" id="{750A5AA1-692E-5F60-DA3F-E4791D5ACBAD}"/>
-              </a:ext>
-            </a:extLst>
-          </p:cNvPr>
-          <p:cNvSpPr/>
-          <p:nvPr/>
-        </p:nvSpPr>
-        <p:spPr>
-          <a:xfrm>
-            <a:off x="383663" y="1886482"/>
-            <a:ext cx="11458775" cy="571500"/>
-          </a:xfrm>
-          <a:prstGeom prst="roundRect">
-            <a:avLst/>
-          </a:prstGeom>
-        </p:spPr>
-        <p:style>
-          <a:lnRef idx="2">
-            <a:schemeClr val="accent1">
-              <a:shade val="15000"/>
-            </a:schemeClr>
-          </a:lnRef>
-          <a:fillRef idx="1">
-            <a:schemeClr val="accent1"/>
-          </a:fillRef>
-          <a:effectRef idx="0">
-            <a:schemeClr val="accent1"/>
-          </a:effectRef>
-          <a:fontRef idx="minor">
-            <a:schemeClr val="lt1"/>
-          </a:fontRef>
-        </p:style>
-        <p:txBody>
-          <a:bodyPr rtlCol="0" anchor="ctr"/>
-          <a:lstStyle/>
-          <a:p>
-            <a:pPr algn="ctr"/>
-            <a:r>
-              <a:rPr lang="en-US" dirty="0"/>
-              <a:t>Main </a:t>
-            </a:r>
-            <a:r>
-              <a:rPr lang="en-US" dirty="0" err="1"/>
-              <a:t>Runspace</a:t>
-            </a:r>
-            <a:endParaRPr lang="en-US" dirty="0"/>
-          </a:p>
-        </p:txBody>
-      </p:sp>
-      <p:sp>
-        <p:nvSpPr>
-          <p:cNvPr id="8" name="Rectangle: Folded Corner 7">
-            <a:extLst>
-              <a:ext uri="{FF2B5EF4-FFF2-40B4-BE49-F238E27FC236}">
-                <a16:creationId xmlns:a16="http://schemas.microsoft.com/office/drawing/2014/main" id="{18B17AB0-061C-3D41-DBAA-95A42870C9DB}"/>
-              </a:ext>
-            </a:extLst>
-          </p:cNvPr>
-          <p:cNvSpPr/>
-          <p:nvPr/>
-        </p:nvSpPr>
-        <p:spPr>
-          <a:xfrm>
-            <a:off x="1150993" y="2883878"/>
-            <a:ext cx="428425" cy="505254"/>
-          </a:xfrm>
-          <a:prstGeom prst="foldedCorner">
-            <a:avLst/>
-          </a:prstGeom>
-        </p:spPr>
-        <p:style>
-          <a:lnRef idx="2">
-            <a:schemeClr val="accent2">
-              <a:shade val="15000"/>
-            </a:schemeClr>
-          </a:lnRef>
-          <a:fillRef idx="1">
-            <a:schemeClr val="accent2"/>
-          </a:fillRef>
-          <a:effectRef idx="0">
-            <a:schemeClr val="accent2"/>
-          </a:effectRef>
-          <a:fontRef idx="minor">
-            <a:schemeClr val="lt1"/>
-          </a:fontRef>
-        </p:style>
-        <p:txBody>
-          <a:bodyPr rtlCol="0" anchor="ctr"/>
-          <a:lstStyle/>
-          <a:p>
-            <a:pPr algn="ctr"/>
-            <a:endParaRPr lang="en-US"/>
-          </a:p>
-        </p:txBody>
-      </p:sp>
-      <p:sp>
-        <p:nvSpPr>
-          <p:cNvPr id="5" name="Rectangle: Rounded Corners 4">
-            <a:extLst>
-              <a:ext uri="{FF2B5EF4-FFF2-40B4-BE49-F238E27FC236}">
-                <a16:creationId xmlns:a16="http://schemas.microsoft.com/office/drawing/2014/main" id="{AD1F2318-2582-67D1-C31F-EBF45E21D1B1}"/>
-              </a:ext>
-            </a:extLst>
-          </p:cNvPr>
-          <p:cNvSpPr/>
-          <p:nvPr/>
-        </p:nvSpPr>
-        <p:spPr>
-          <a:xfrm>
-            <a:off x="383663" y="3822922"/>
-            <a:ext cx="11458775" cy="571500"/>
-          </a:xfrm>
-          <a:prstGeom prst="roundRect">
-            <a:avLst/>
-          </a:prstGeom>
-        </p:spPr>
-        <p:style>
-          <a:lnRef idx="2">
-            <a:schemeClr val="accent1">
-              <a:shade val="15000"/>
-            </a:schemeClr>
-          </a:lnRef>
-          <a:fillRef idx="1">
-            <a:schemeClr val="accent1"/>
-          </a:fillRef>
-          <a:effectRef idx="0">
-            <a:schemeClr val="accent1"/>
-          </a:effectRef>
-          <a:fontRef idx="minor">
-            <a:schemeClr val="lt1"/>
-          </a:fontRef>
-        </p:style>
-        <p:txBody>
-          <a:bodyPr rtlCol="0" anchor="ctr"/>
-          <a:lstStyle/>
-          <a:p>
-            <a:pPr algn="ctr"/>
-            <a:r>
-              <a:rPr lang="en-US" dirty="0"/>
-              <a:t>Background </a:t>
-            </a:r>
-            <a:r>
-              <a:rPr lang="en-US" dirty="0" err="1"/>
-              <a:t>Runspace</a:t>
-            </a:r>
-            <a:r>
-              <a:rPr lang="en-US" dirty="0"/>
-              <a:t> (Unique)</a:t>
-            </a:r>
-          </a:p>
-        </p:txBody>
-      </p:sp>
-      <p:cxnSp>
-        <p:nvCxnSpPr>
-          <p:cNvPr id="7" name="Straight Arrow Connector 6">
-            <a:extLst>
-              <a:ext uri="{FF2B5EF4-FFF2-40B4-BE49-F238E27FC236}">
-                <a16:creationId xmlns:a16="http://schemas.microsoft.com/office/drawing/2014/main" id="{7F0D0653-F349-7B68-309C-B186667DBEA5}"/>
-              </a:ext>
-            </a:extLst>
-          </p:cNvPr>
-          <p:cNvCxnSpPr/>
-          <p:nvPr/>
-        </p:nvCxnSpPr>
-        <p:spPr>
-          <a:xfrm>
-            <a:off x="665018" y="2457982"/>
-            <a:ext cx="805695" cy="1353084"/>
-          </a:xfrm>
-          <a:prstGeom prst="straightConnector1">
-            <a:avLst/>
-          </a:prstGeom>
-          <a:ln>
-            <a:tailEnd type="triangle"/>
-          </a:ln>
-        </p:spPr>
-        <p:style>
-          <a:lnRef idx="2">
-            <a:schemeClr val="accent6"/>
-          </a:lnRef>
-          <a:fillRef idx="0">
-            <a:schemeClr val="accent6"/>
-          </a:fillRef>
-          <a:effectRef idx="1">
-            <a:schemeClr val="accent6"/>
-          </a:effectRef>
-          <a:fontRef idx="minor">
-            <a:schemeClr val="tx1"/>
-          </a:fontRef>
-        </p:style>
-      </p:cxnSp>
-      <p:sp>
-        <p:nvSpPr>
-          <p:cNvPr id="10" name="Rectangle: Rounded Corners 9">
-            <a:extLst>
-              <a:ext uri="{FF2B5EF4-FFF2-40B4-BE49-F238E27FC236}">
-                <a16:creationId xmlns:a16="http://schemas.microsoft.com/office/drawing/2014/main" id="{C9677F89-0F11-6EC9-C261-2C6F84EB5D5D}"/>
-              </a:ext>
-            </a:extLst>
-          </p:cNvPr>
-          <p:cNvSpPr/>
-          <p:nvPr/>
-        </p:nvSpPr>
-        <p:spPr>
-          <a:xfrm>
-            <a:off x="429490" y="5830956"/>
-            <a:ext cx="2984057" cy="571500"/>
-          </a:xfrm>
-          <a:prstGeom prst="roundRect">
-            <a:avLst/>
-          </a:prstGeom>
-        </p:spPr>
-        <p:style>
-          <a:lnRef idx="2">
-            <a:schemeClr val="accent4">
-              <a:shade val="15000"/>
-            </a:schemeClr>
-          </a:lnRef>
-          <a:fillRef idx="1">
-            <a:schemeClr val="accent4"/>
-          </a:fillRef>
-          <a:effectRef idx="0">
-            <a:schemeClr val="accent4"/>
-          </a:effectRef>
-          <a:fontRef idx="minor">
-            <a:schemeClr val="lt1"/>
-          </a:fontRef>
-        </p:style>
-        <p:txBody>
-          <a:bodyPr rtlCol="0" anchor="ctr"/>
-          <a:lstStyle/>
-          <a:p>
-            <a:pPr algn="ctr"/>
-            <a:endParaRPr lang="en-US" dirty="0"/>
-          </a:p>
-        </p:txBody>
-      </p:sp>
-      <p:sp>
-        <p:nvSpPr>
-          <p:cNvPr id="14" name="Rectangle: Folded Corner 13">
-            <a:extLst>
-              <a:ext uri="{FF2B5EF4-FFF2-40B4-BE49-F238E27FC236}">
-                <a16:creationId xmlns:a16="http://schemas.microsoft.com/office/drawing/2014/main" id="{D9043924-E5BF-DD5A-5DA7-B5B98E89C472}"/>
-              </a:ext>
-            </a:extLst>
-          </p:cNvPr>
-          <p:cNvSpPr/>
-          <p:nvPr/>
-        </p:nvSpPr>
-        <p:spPr>
-          <a:xfrm>
-            <a:off x="1256500" y="4933618"/>
-            <a:ext cx="428425" cy="505254"/>
-          </a:xfrm>
-          <a:prstGeom prst="foldedCorner">
-            <a:avLst/>
-          </a:prstGeom>
-        </p:spPr>
-        <p:style>
-          <a:lnRef idx="2">
-            <a:schemeClr val="accent2">
-              <a:shade val="15000"/>
-            </a:schemeClr>
-          </a:lnRef>
-          <a:fillRef idx="1">
-            <a:schemeClr val="accent2"/>
-          </a:fillRef>
-          <a:effectRef idx="0">
-            <a:schemeClr val="accent2"/>
-          </a:effectRef>
-          <a:fontRef idx="minor">
-            <a:schemeClr val="lt1"/>
-          </a:fontRef>
-        </p:style>
-        <p:txBody>
-          <a:bodyPr rtlCol="0" anchor="ctr"/>
-          <a:lstStyle/>
-          <a:p>
-            <a:pPr algn="ctr"/>
-            <a:endParaRPr lang="en-US"/>
-          </a:p>
-        </p:txBody>
-      </p:sp>
-      <p:sp>
-        <p:nvSpPr>
-          <p:cNvPr id="9" name="Rectangle: Rounded Corners 8">
-            <a:extLst>
-              <a:ext uri="{FF2B5EF4-FFF2-40B4-BE49-F238E27FC236}">
-                <a16:creationId xmlns:a16="http://schemas.microsoft.com/office/drawing/2014/main" id="{60E618C2-5D05-45D6-C8C1-E4CC68E72A0D}"/>
-              </a:ext>
-            </a:extLst>
-          </p:cNvPr>
-          <p:cNvSpPr/>
-          <p:nvPr/>
-        </p:nvSpPr>
-        <p:spPr>
-          <a:xfrm>
-            <a:off x="366612" y="5889571"/>
-            <a:ext cx="2984057" cy="571500"/>
-          </a:xfrm>
-          <a:prstGeom prst="roundRect">
-            <a:avLst/>
-          </a:prstGeom>
-        </p:spPr>
-        <p:style>
-          <a:lnRef idx="2">
-            <a:schemeClr val="accent4">
-              <a:shade val="15000"/>
-            </a:schemeClr>
-          </a:lnRef>
-          <a:fillRef idx="1">
-            <a:schemeClr val="accent4"/>
-          </a:fillRef>
-          <a:effectRef idx="0">
-            <a:schemeClr val="accent4"/>
-          </a:effectRef>
-          <a:fontRef idx="minor">
-            <a:schemeClr val="lt1"/>
-          </a:fontRef>
-        </p:style>
-        <p:txBody>
-          <a:bodyPr rtlCol="0" anchor="ctr"/>
-          <a:lstStyle/>
-          <a:p>
-            <a:pPr algn="ctr"/>
-            <a:r>
-              <a:rPr lang="en-US" dirty="0"/>
-              <a:t>Sub </a:t>
-            </a:r>
-            <a:r>
-              <a:rPr lang="en-US" dirty="0" err="1"/>
-              <a:t>Runspaces</a:t>
-            </a:r>
-            <a:endParaRPr lang="en-US" dirty="0"/>
-          </a:p>
-        </p:txBody>
-      </p:sp>
-      <p:cxnSp>
-        <p:nvCxnSpPr>
-          <p:cNvPr id="13" name="Straight Arrow Connector 12">
-            <a:extLst>
-              <a:ext uri="{FF2B5EF4-FFF2-40B4-BE49-F238E27FC236}">
-                <a16:creationId xmlns:a16="http://schemas.microsoft.com/office/drawing/2014/main" id="{B2241F37-98C9-D605-0FC3-0CDD2F14FAF7}"/>
-              </a:ext>
-            </a:extLst>
-          </p:cNvPr>
-          <p:cNvCxnSpPr/>
-          <p:nvPr/>
-        </p:nvCxnSpPr>
-        <p:spPr>
-          <a:xfrm flipV="1">
-            <a:off x="1067865" y="4394422"/>
-            <a:ext cx="402848" cy="1375179"/>
-          </a:xfrm>
-          <a:prstGeom prst="straightConnector1">
-            <a:avLst/>
-          </a:prstGeom>
-          <a:ln>
-            <a:tailEnd type="triangle"/>
-          </a:ln>
-        </p:spPr>
-        <p:style>
-          <a:lnRef idx="2">
-            <a:schemeClr val="accent6"/>
-          </a:lnRef>
-          <a:fillRef idx="0">
-            <a:schemeClr val="accent6"/>
-          </a:fillRef>
-          <a:effectRef idx="1">
-            <a:schemeClr val="accent6"/>
-          </a:effectRef>
-          <a:fontRef idx="minor">
-            <a:schemeClr val="tx1"/>
-          </a:fontRef>
-        </p:style>
-      </p:cxnSp>
-      <p:sp>
-        <p:nvSpPr>
-          <p:cNvPr id="15" name="Oval 14">
-            <a:extLst>
-              <a:ext uri="{FF2B5EF4-FFF2-40B4-BE49-F238E27FC236}">
-                <a16:creationId xmlns:a16="http://schemas.microsoft.com/office/drawing/2014/main" id="{454D1785-7ECA-140C-E94E-3FAD06CCBDA7}"/>
-              </a:ext>
-            </a:extLst>
-          </p:cNvPr>
-          <p:cNvSpPr/>
-          <p:nvPr/>
-        </p:nvSpPr>
-        <p:spPr>
-          <a:xfrm>
-            <a:off x="4303435" y="2813538"/>
-            <a:ext cx="1425952" cy="615462"/>
-          </a:xfrm>
-          <a:prstGeom prst="ellipse">
-            <a:avLst/>
-          </a:prstGeom>
-        </p:spPr>
-        <p:style>
-          <a:lnRef idx="2">
-            <a:schemeClr val="accent3">
-              <a:shade val="15000"/>
-            </a:schemeClr>
-          </a:lnRef>
-          <a:fillRef idx="1">
-            <a:schemeClr val="accent3"/>
-          </a:fillRef>
-          <a:effectRef idx="0">
-            <a:schemeClr val="accent3"/>
-          </a:effectRef>
-          <a:fontRef idx="minor">
-            <a:schemeClr val="lt1"/>
-          </a:fontRef>
-        </p:style>
-        <p:txBody>
-          <a:bodyPr rtlCol="0" anchor="ctr"/>
-          <a:lstStyle/>
-          <a:p>
-            <a:pPr algn="ctr"/>
-            <a:r>
-              <a:rPr lang="en-US" dirty="0"/>
-              <a:t>Cache</a:t>
-            </a:r>
-          </a:p>
-        </p:txBody>
-      </p:sp>
-      <p:cxnSp>
-        <p:nvCxnSpPr>
-          <p:cNvPr id="17" name="Straight Arrow Connector 16">
-            <a:extLst>
-              <a:ext uri="{FF2B5EF4-FFF2-40B4-BE49-F238E27FC236}">
-                <a16:creationId xmlns:a16="http://schemas.microsoft.com/office/drawing/2014/main" id="{32D74B82-008B-B7F3-3796-89B8DB9A0762}"/>
-              </a:ext>
-            </a:extLst>
-          </p:cNvPr>
-          <p:cNvCxnSpPr>
-            <a:endCxn id="15" idx="4"/>
-          </p:cNvCxnSpPr>
-          <p:nvPr/>
-        </p:nvCxnSpPr>
-        <p:spPr>
-          <a:xfrm flipV="1">
-            <a:off x="4859748" y="3429000"/>
-            <a:ext cx="156663" cy="393922"/>
-          </a:xfrm>
-          <a:prstGeom prst="straightConnector1">
-            <a:avLst/>
-          </a:prstGeom>
-          <a:ln>
-            <a:tailEnd type="triangle"/>
-          </a:ln>
-        </p:spPr>
-        <p:style>
-          <a:lnRef idx="2">
-            <a:schemeClr val="accent6"/>
-          </a:lnRef>
-          <a:fillRef idx="0">
-            <a:schemeClr val="accent6"/>
-          </a:fillRef>
-          <a:effectRef idx="1">
-            <a:schemeClr val="accent6"/>
-          </a:effectRef>
-          <a:fontRef idx="minor">
-            <a:schemeClr val="tx1"/>
-          </a:fontRef>
-        </p:style>
-      </p:cxnSp>
-      <p:cxnSp>
-        <p:nvCxnSpPr>
-          <p:cNvPr id="19" name="Straight Arrow Connector 18">
-            <a:extLst>
-              <a:ext uri="{FF2B5EF4-FFF2-40B4-BE49-F238E27FC236}">
-                <a16:creationId xmlns:a16="http://schemas.microsoft.com/office/drawing/2014/main" id="{86C69C64-7D94-9ECB-1330-612281CFE424}"/>
-              </a:ext>
-            </a:extLst>
-          </p:cNvPr>
-          <p:cNvCxnSpPr>
-            <a:endCxn id="15" idx="0"/>
-          </p:cNvCxnSpPr>
-          <p:nvPr/>
-        </p:nvCxnSpPr>
-        <p:spPr>
-          <a:xfrm>
-            <a:off x="4763832" y="2457982"/>
-            <a:ext cx="252579" cy="355556"/>
-          </a:xfrm>
-          <a:prstGeom prst="straightConnector1">
-            <a:avLst/>
-          </a:prstGeom>
-          <a:ln>
-            <a:tailEnd type="triangle"/>
-          </a:ln>
-        </p:spPr>
-        <p:style>
-          <a:lnRef idx="2">
-            <a:schemeClr val="accent2"/>
-          </a:lnRef>
-          <a:fillRef idx="0">
-            <a:schemeClr val="accent2"/>
-          </a:fillRef>
-          <a:effectRef idx="1">
-            <a:schemeClr val="accent2"/>
-          </a:effectRef>
-          <a:fontRef idx="minor">
-            <a:schemeClr val="tx1"/>
-          </a:fontRef>
-        </p:style>
-      </p:cxnSp>
-      <p:sp>
-        <p:nvSpPr>
-          <p:cNvPr id="20" name="TextBox 19">
-            <a:extLst>
-              <a:ext uri="{FF2B5EF4-FFF2-40B4-BE49-F238E27FC236}">
-                <a16:creationId xmlns:a16="http://schemas.microsoft.com/office/drawing/2014/main" id="{9F322CE8-CB3B-DE56-F35C-6AA9E46E7989}"/>
-              </a:ext>
-            </a:extLst>
-          </p:cNvPr>
-          <p:cNvSpPr txBox="1"/>
-          <p:nvPr/>
-        </p:nvSpPr>
-        <p:spPr>
-          <a:xfrm>
-            <a:off x="4938079" y="3479994"/>
-            <a:ext cx="715965" cy="369332"/>
-          </a:xfrm>
-          <a:prstGeom prst="rect">
-            <a:avLst/>
-          </a:prstGeom>
-          <a:noFill/>
-        </p:spPr>
-        <p:txBody>
-          <a:bodyPr wrap="none" rtlCol="0">
-            <a:spAutoFit/>
-          </a:bodyPr>
-          <a:lstStyle/>
-          <a:p>
-            <a:r>
-              <a:rPr lang="en-US" dirty="0"/>
-              <a:t>Write</a:t>
-            </a:r>
-          </a:p>
-        </p:txBody>
-      </p:sp>
-      <p:sp>
-        <p:nvSpPr>
-          <p:cNvPr id="21" name="TextBox 20">
-            <a:extLst>
-              <a:ext uri="{FF2B5EF4-FFF2-40B4-BE49-F238E27FC236}">
-                <a16:creationId xmlns:a16="http://schemas.microsoft.com/office/drawing/2014/main" id="{64CFB6DB-2F08-7761-7AFB-C42213953D3B}"/>
-              </a:ext>
-            </a:extLst>
-          </p:cNvPr>
-          <p:cNvSpPr txBox="1"/>
-          <p:nvPr/>
-        </p:nvSpPr>
-        <p:spPr>
-          <a:xfrm>
-            <a:off x="4915698" y="2482572"/>
-            <a:ext cx="699230" cy="369332"/>
-          </a:xfrm>
-          <a:prstGeom prst="rect">
-            <a:avLst/>
-          </a:prstGeom>
-          <a:noFill/>
-        </p:spPr>
-        <p:txBody>
-          <a:bodyPr wrap="none" rtlCol="0">
-            <a:spAutoFit/>
-          </a:bodyPr>
-          <a:lstStyle/>
-          <a:p>
-            <a:r>
-              <a:rPr lang="en-US" dirty="0"/>
-              <a:t>Read</a:t>
-            </a:r>
-          </a:p>
-        </p:txBody>
-      </p:sp>
-      <p:cxnSp>
-        <p:nvCxnSpPr>
-          <p:cNvPr id="23" name="Straight Arrow Connector 22">
-            <a:extLst>
-              <a:ext uri="{FF2B5EF4-FFF2-40B4-BE49-F238E27FC236}">
-                <a16:creationId xmlns:a16="http://schemas.microsoft.com/office/drawing/2014/main" id="{842EC685-C15D-A55A-72D7-23093AD4F12D}"/>
-              </a:ext>
-            </a:extLst>
-          </p:cNvPr>
-          <p:cNvCxnSpPr>
-            <a:stCxn id="4" idx="2"/>
-          </p:cNvCxnSpPr>
-          <p:nvPr/>
-        </p:nvCxnSpPr>
-        <p:spPr>
-          <a:xfrm>
-            <a:off x="6113051" y="2457982"/>
-            <a:ext cx="613864" cy="1364940"/>
-          </a:xfrm>
-          <a:prstGeom prst="straightConnector1">
-            <a:avLst/>
-          </a:prstGeom>
-          <a:ln>
-            <a:tailEnd type="triangle"/>
-          </a:ln>
-        </p:spPr>
-        <p:style>
-          <a:lnRef idx="2">
-            <a:schemeClr val="accent5"/>
-          </a:lnRef>
-          <a:fillRef idx="0">
-            <a:schemeClr val="accent5"/>
-          </a:fillRef>
-          <a:effectRef idx="1">
-            <a:schemeClr val="accent5"/>
-          </a:effectRef>
-          <a:fontRef idx="minor">
-            <a:schemeClr val="tx1"/>
-          </a:fontRef>
-        </p:style>
-      </p:cxnSp>
-      <p:sp>
-        <p:nvSpPr>
-          <p:cNvPr id="24" name="Rectangle 23">
-            <a:extLst>
-              <a:ext uri="{FF2B5EF4-FFF2-40B4-BE49-F238E27FC236}">
-                <a16:creationId xmlns:a16="http://schemas.microsoft.com/office/drawing/2014/main" id="{7CE1B870-AA6F-EEE3-0333-DD41C6139C41}"/>
-              </a:ext>
-            </a:extLst>
-          </p:cNvPr>
-          <p:cNvSpPr/>
-          <p:nvPr/>
-        </p:nvSpPr>
-        <p:spPr>
-          <a:xfrm>
-            <a:off x="6419983" y="2961799"/>
-            <a:ext cx="1150993" cy="367544"/>
-          </a:xfrm>
-          <a:prstGeom prst="rect">
-            <a:avLst/>
-          </a:prstGeom>
-        </p:spPr>
-        <p:style>
-          <a:lnRef idx="2">
-            <a:schemeClr val="accent5">
-              <a:shade val="15000"/>
-            </a:schemeClr>
-          </a:lnRef>
-          <a:fillRef idx="1">
-            <a:schemeClr val="accent5"/>
-          </a:fillRef>
-          <a:effectRef idx="0">
-            <a:schemeClr val="accent5"/>
-          </a:effectRef>
-          <a:fontRef idx="minor">
-            <a:schemeClr val="lt1"/>
-          </a:fontRef>
-        </p:style>
-        <p:txBody>
-          <a:bodyPr rtlCol="0" anchor="ctr"/>
-          <a:lstStyle/>
-          <a:p>
-            <a:pPr algn="ctr"/>
-            <a:r>
-              <a:rPr lang="en-US" dirty="0"/>
-              <a:t>Workload</a:t>
-            </a:r>
-          </a:p>
-        </p:txBody>
-      </p:sp>
-      <p:sp>
-        <p:nvSpPr>
-          <p:cNvPr id="25" name="Rectangle: Rounded Corners 24">
-            <a:extLst>
-              <a:ext uri="{FF2B5EF4-FFF2-40B4-BE49-F238E27FC236}">
-                <a16:creationId xmlns:a16="http://schemas.microsoft.com/office/drawing/2014/main" id="{F440E550-C65E-FA4A-BE15-6C57F65E50BB}"/>
-              </a:ext>
-            </a:extLst>
-          </p:cNvPr>
-          <p:cNvSpPr/>
-          <p:nvPr/>
-        </p:nvSpPr>
-        <p:spPr>
-          <a:xfrm>
-            <a:off x="7934390" y="5544732"/>
-            <a:ext cx="2984057" cy="571500"/>
-          </a:xfrm>
-          <a:prstGeom prst="roundRect">
-            <a:avLst/>
-          </a:prstGeom>
-        </p:spPr>
-        <p:style>
-          <a:lnRef idx="2">
-            <a:schemeClr val="accent4">
-              <a:shade val="15000"/>
-            </a:schemeClr>
-          </a:lnRef>
-          <a:fillRef idx="1">
-            <a:schemeClr val="accent4"/>
-          </a:fillRef>
-          <a:effectRef idx="0">
-            <a:schemeClr val="accent4"/>
-          </a:effectRef>
-          <a:fontRef idx="minor">
-            <a:schemeClr val="lt1"/>
-          </a:fontRef>
-        </p:style>
-        <p:txBody>
-          <a:bodyPr rtlCol="0" anchor="ctr"/>
-          <a:lstStyle/>
-          <a:p>
-            <a:pPr algn="ctr"/>
-            <a:endParaRPr lang="en-US" dirty="0"/>
-          </a:p>
-        </p:txBody>
-      </p:sp>
-      <p:sp>
-        <p:nvSpPr>
-          <p:cNvPr id="26" name="Rectangle: Rounded Corners 25">
-            <a:extLst>
-              <a:ext uri="{FF2B5EF4-FFF2-40B4-BE49-F238E27FC236}">
-                <a16:creationId xmlns:a16="http://schemas.microsoft.com/office/drawing/2014/main" id="{07866D0B-D3C2-60E2-E720-9304DC82777A}"/>
-              </a:ext>
-            </a:extLst>
-          </p:cNvPr>
-          <p:cNvSpPr/>
-          <p:nvPr/>
-        </p:nvSpPr>
-        <p:spPr>
-          <a:xfrm>
-            <a:off x="7871512" y="5606087"/>
-            <a:ext cx="2984057" cy="571500"/>
-          </a:xfrm>
-          <a:prstGeom prst="roundRect">
-            <a:avLst/>
-          </a:prstGeom>
-        </p:spPr>
-        <p:style>
-          <a:lnRef idx="2">
-            <a:schemeClr val="accent4">
-              <a:shade val="15000"/>
-            </a:schemeClr>
-          </a:lnRef>
-          <a:fillRef idx="1">
-            <a:schemeClr val="accent4"/>
-          </a:fillRef>
-          <a:effectRef idx="0">
-            <a:schemeClr val="accent4"/>
-          </a:effectRef>
-          <a:fontRef idx="minor">
-            <a:schemeClr val="lt1"/>
-          </a:fontRef>
-        </p:style>
-        <p:txBody>
-          <a:bodyPr rtlCol="0" anchor="ctr"/>
-          <a:lstStyle/>
-          <a:p>
-            <a:pPr algn="ctr"/>
-            <a:endParaRPr lang="en-US" dirty="0"/>
-          </a:p>
-        </p:txBody>
-      </p:sp>
-      <p:sp>
-        <p:nvSpPr>
-          <p:cNvPr id="27" name="Rectangle: Rounded Corners 26">
-            <a:extLst>
-              <a:ext uri="{FF2B5EF4-FFF2-40B4-BE49-F238E27FC236}">
-                <a16:creationId xmlns:a16="http://schemas.microsoft.com/office/drawing/2014/main" id="{68DC37CC-546B-0F61-D9D3-CD24DCF72BFB}"/>
-              </a:ext>
-            </a:extLst>
-          </p:cNvPr>
-          <p:cNvSpPr/>
-          <p:nvPr/>
-        </p:nvSpPr>
-        <p:spPr>
-          <a:xfrm>
-            <a:off x="7808634" y="5664702"/>
-            <a:ext cx="2984057" cy="571500"/>
-          </a:xfrm>
-          <a:prstGeom prst="roundRect">
-            <a:avLst/>
-          </a:prstGeom>
-        </p:spPr>
-        <p:style>
-          <a:lnRef idx="2">
-            <a:schemeClr val="accent4">
-              <a:shade val="15000"/>
-            </a:schemeClr>
-          </a:lnRef>
-          <a:fillRef idx="1">
-            <a:schemeClr val="accent4"/>
-          </a:fillRef>
-          <a:effectRef idx="0">
-            <a:schemeClr val="accent4"/>
-          </a:effectRef>
-          <a:fontRef idx="minor">
-            <a:schemeClr val="lt1"/>
-          </a:fontRef>
-        </p:style>
-        <p:txBody>
-          <a:bodyPr rtlCol="0" anchor="ctr"/>
-          <a:lstStyle/>
-          <a:p>
-            <a:pPr algn="ctr"/>
-            <a:r>
-              <a:rPr lang="en-US" dirty="0"/>
-              <a:t>Sub </a:t>
-            </a:r>
-            <a:r>
-              <a:rPr lang="en-US" dirty="0" err="1"/>
-              <a:t>Runspaces</a:t>
-            </a:r>
-            <a:endParaRPr lang="en-US" dirty="0"/>
-          </a:p>
-        </p:txBody>
-      </p:sp>
-      <p:cxnSp>
-        <p:nvCxnSpPr>
-          <p:cNvPr id="29" name="Straight Arrow Connector 28">
-            <a:extLst>
-              <a:ext uri="{FF2B5EF4-FFF2-40B4-BE49-F238E27FC236}">
-                <a16:creationId xmlns:a16="http://schemas.microsoft.com/office/drawing/2014/main" id="{36F8AE7C-4A0C-135B-B3D8-4A99ABA5D217}"/>
-              </a:ext>
-            </a:extLst>
-          </p:cNvPr>
-          <p:cNvCxnSpPr/>
-          <p:nvPr/>
-        </p:nvCxnSpPr>
-        <p:spPr>
-          <a:xfrm>
-            <a:off x="7033846" y="4394422"/>
-            <a:ext cx="837666" cy="1211665"/>
-          </a:xfrm>
-          <a:prstGeom prst="straightConnector1">
-            <a:avLst/>
-          </a:prstGeom>
-          <a:ln>
-            <a:tailEnd type="triangle"/>
-          </a:ln>
-        </p:spPr>
-        <p:style>
-          <a:lnRef idx="2">
-            <a:schemeClr val="accent4"/>
-          </a:lnRef>
-          <a:fillRef idx="0">
-            <a:schemeClr val="accent4"/>
-          </a:fillRef>
-          <a:effectRef idx="1">
-            <a:schemeClr val="accent4"/>
-          </a:effectRef>
-          <a:fontRef idx="minor">
-            <a:schemeClr val="tx1"/>
-          </a:fontRef>
-        </p:style>
-      </p:cxnSp>
-      <p:sp>
-        <p:nvSpPr>
-          <p:cNvPr id="30" name="TextBox 29">
-            <a:extLst>
-              <a:ext uri="{FF2B5EF4-FFF2-40B4-BE49-F238E27FC236}">
-                <a16:creationId xmlns:a16="http://schemas.microsoft.com/office/drawing/2014/main" id="{2ADA6A1F-A0FA-5377-E1BF-FB8DFB5E42AB}"/>
-              </a:ext>
-            </a:extLst>
-          </p:cNvPr>
-          <p:cNvSpPr txBox="1"/>
-          <p:nvPr/>
-        </p:nvSpPr>
-        <p:spPr>
-          <a:xfrm>
-            <a:off x="7296017" y="4584789"/>
-            <a:ext cx="1355614" cy="369332"/>
-          </a:xfrm>
-          <a:prstGeom prst="rect">
-            <a:avLst/>
-          </a:prstGeom>
-          <a:noFill/>
-        </p:spPr>
-        <p:txBody>
-          <a:bodyPr wrap="square" rtlCol="0">
-            <a:spAutoFit/>
-          </a:bodyPr>
-          <a:lstStyle/>
-          <a:p>
-            <a:r>
-              <a:rPr lang="en-US" dirty="0"/>
-              <a:t>Create</a:t>
-            </a:r>
-          </a:p>
-        </p:txBody>
-      </p:sp>
-      <p:sp>
-        <p:nvSpPr>
-          <p:cNvPr id="31" name="TextBox 30">
-            <a:extLst>
-              <a:ext uri="{FF2B5EF4-FFF2-40B4-BE49-F238E27FC236}">
-                <a16:creationId xmlns:a16="http://schemas.microsoft.com/office/drawing/2014/main" id="{63B2AF0B-C544-5D58-774B-074DF1A20FB0}"/>
-              </a:ext>
-            </a:extLst>
-          </p:cNvPr>
-          <p:cNvSpPr txBox="1"/>
-          <p:nvPr/>
-        </p:nvSpPr>
-        <p:spPr>
-          <a:xfrm>
-            <a:off x="7452679" y="4805157"/>
-            <a:ext cx="973280" cy="369332"/>
-          </a:xfrm>
-          <a:prstGeom prst="rect">
-            <a:avLst/>
-          </a:prstGeom>
-          <a:noFill/>
-        </p:spPr>
-        <p:txBody>
-          <a:bodyPr wrap="none" rtlCol="0">
-            <a:spAutoFit/>
-          </a:bodyPr>
-          <a:lstStyle/>
-          <a:p>
-            <a:r>
-              <a:rPr lang="en-US" dirty="0"/>
-              <a:t>Manage</a:t>
-            </a:r>
-          </a:p>
-        </p:txBody>
-      </p:sp>
-      <p:sp>
-        <p:nvSpPr>
-          <p:cNvPr id="35" name="TextBox 34">
-            <a:extLst>
-              <a:ext uri="{FF2B5EF4-FFF2-40B4-BE49-F238E27FC236}">
-                <a16:creationId xmlns:a16="http://schemas.microsoft.com/office/drawing/2014/main" id="{9876A5CF-9A07-9A90-0CFE-266462AE12A4}"/>
-              </a:ext>
-            </a:extLst>
-          </p:cNvPr>
-          <p:cNvSpPr txBox="1"/>
-          <p:nvPr/>
-        </p:nvSpPr>
-        <p:spPr>
-          <a:xfrm>
-            <a:off x="7647440" y="5026645"/>
-            <a:ext cx="1000595" cy="369332"/>
-          </a:xfrm>
-          <a:prstGeom prst="rect">
-            <a:avLst/>
-          </a:prstGeom>
-          <a:noFill/>
-        </p:spPr>
-        <p:txBody>
-          <a:bodyPr wrap="none" rtlCol="0">
-            <a:spAutoFit/>
-          </a:bodyPr>
-          <a:lstStyle/>
-          <a:p>
-            <a:r>
-              <a:rPr lang="en-US" dirty="0"/>
-              <a:t>Dispose</a:t>
-            </a:r>
-          </a:p>
-        </p:txBody>
-      </p:sp>
-    </p:spTree>
-    <p:extLst>
-      <p:ext uri="{BB962C8B-B14F-4D97-AF65-F5344CB8AC3E}">
-        <p14:creationId xmlns:p14="http://schemas.microsoft.com/office/powerpoint/2010/main" val="3671295240"/>
-      </p:ext>
-    </p:extLst>
-  </p:cSld>
-  <p:clrMapOvr>
-    <a:masterClrMapping/>
-  </p:clrMapOvr>
-  <p:timing>
-    <p:tnLst>
-      <p:par>
-        <p:cTn id="1" dur="indefinite" restart="never" nodeType="tmRoot">
-          <p:childTnLst>
-            <p:seq concurrent="1" nextAc="seek">
-              <p:cTn id="2" dur="indefinite" nodeType="mainSeq">
-                <p:childTnLst>
-                  <p:par>
-                    <p:cTn id="3" fill="hold">
-                      <p:stCondLst>
-                        <p:cond delay="indefinite"/>
-                      </p:stCondLst>
-                      <p:childTnLst>
-                        <p:par>
-                          <p:cTn id="4" fill="hold">
-                            <p:stCondLst>
-                              <p:cond delay="0"/>
-                            </p:stCondLst>
-                            <p:childTnLst>
-                              <p:par>
-                                <p:cTn id="5" presetID="10" presetClass="entr" presetSubtype="0" fill="hold" grpId="0" nodeType="clickEffect">
-                                  <p:stCondLst>
-                                    <p:cond delay="0"/>
-                                  </p:stCondLst>
-                                  <p:childTnLst>
-                                    <p:set>
-                                      <p:cBhvr>
-                                        <p:cTn id="6" dur="1" fill="hold">
-                                          <p:stCondLst>
-                                            <p:cond delay="0"/>
-                                          </p:stCondLst>
-                                        </p:cTn>
-                                        <p:tgtEl>
-                                          <p:spTgt spid="4"/>
-                                        </p:tgtEl>
-                                        <p:attrNameLst>
-                                          <p:attrName>style.visibility</p:attrName>
-                                        </p:attrNameLst>
-                                      </p:cBhvr>
-                                      <p:to>
-                                        <p:strVal val="visible"/>
-                                      </p:to>
-                                    </p:set>
-                                    <p:animEffect transition="in" filter="fade">
-                                      <p:cBhvr>
-                                        <p:cTn id="7" dur="500"/>
-                                        <p:tgtEl>
-                                          <p:spTgt spid="4"/>
-                                        </p:tgtEl>
-                                      </p:cBhvr>
-                                    </p:animEffect>
-                                  </p:childTnLst>
-                                </p:cTn>
-                              </p:par>
-                            </p:childTnLst>
-                          </p:cTn>
-                        </p:par>
-                      </p:childTnLst>
-                    </p:cTn>
-                  </p:par>
-                  <p:par>
-                    <p:cTn id="8" fill="hold">
-                      <p:stCondLst>
-                        <p:cond delay="indefinite"/>
-                      </p:stCondLst>
-                      <p:childTnLst>
-                        <p:par>
-                          <p:cTn id="9" fill="hold">
-                            <p:stCondLst>
-                              <p:cond delay="0"/>
-                            </p:stCondLst>
-                            <p:childTnLst>
-                              <p:par>
-                                <p:cTn id="10" presetID="10" presetClass="entr" presetSubtype="0" fill="hold" grpId="0" nodeType="clickEffect">
-                                  <p:stCondLst>
-                                    <p:cond delay="0"/>
-                                  </p:stCondLst>
-                                  <p:childTnLst>
-                                    <p:set>
-                                      <p:cBhvr>
-                                        <p:cTn id="11" dur="1" fill="hold">
-                                          <p:stCondLst>
-                                            <p:cond delay="0"/>
-                                          </p:stCondLst>
-                                        </p:cTn>
-                                        <p:tgtEl>
-                                          <p:spTgt spid="5"/>
-                                        </p:tgtEl>
-                                        <p:attrNameLst>
-                                          <p:attrName>style.visibility</p:attrName>
-                                        </p:attrNameLst>
-                                      </p:cBhvr>
-                                      <p:to>
-                                        <p:strVal val="visible"/>
-                                      </p:to>
-                                    </p:set>
-                                    <p:animEffect transition="in" filter="fade">
-                                      <p:cBhvr>
-                                        <p:cTn id="12" dur="500"/>
-                                        <p:tgtEl>
-                                          <p:spTgt spid="5"/>
-                                        </p:tgtEl>
-                                      </p:cBhvr>
-                                    </p:animEffect>
-                                  </p:childTnLst>
-                                </p:cTn>
-                              </p:par>
-                            </p:childTnLst>
-                          </p:cTn>
-                        </p:par>
-                      </p:childTnLst>
-                    </p:cTn>
-                  </p:par>
-                  <p:par>
-                    <p:cTn id="13" fill="hold">
-                      <p:stCondLst>
-                        <p:cond delay="indefinite"/>
-                      </p:stCondLst>
-                      <p:childTnLst>
-                        <p:par>
-                          <p:cTn id="14" fill="hold">
-                            <p:stCondLst>
-                              <p:cond delay="0"/>
-                            </p:stCondLst>
-                            <p:childTnLst>
-                              <p:par>
-                                <p:cTn id="15" presetID="10" presetClass="entr" presetSubtype="0" fill="hold" nodeType="clickEffect">
-                                  <p:stCondLst>
-                                    <p:cond delay="0"/>
-                                  </p:stCondLst>
-                                  <p:childTnLst>
-                                    <p:set>
-                                      <p:cBhvr>
-                                        <p:cTn id="16" dur="1" fill="hold">
-                                          <p:stCondLst>
-                                            <p:cond delay="0"/>
-                                          </p:stCondLst>
-                                        </p:cTn>
-                                        <p:tgtEl>
-                                          <p:spTgt spid="7"/>
-                                        </p:tgtEl>
-                                        <p:attrNameLst>
-                                          <p:attrName>style.visibility</p:attrName>
-                                        </p:attrNameLst>
-                                      </p:cBhvr>
-                                      <p:to>
-                                        <p:strVal val="visible"/>
-                                      </p:to>
-                                    </p:set>
-                                    <p:animEffect transition="in" filter="fade">
-                                      <p:cBhvr>
-                                        <p:cTn id="17" dur="500"/>
-                                        <p:tgtEl>
-                                          <p:spTgt spid="7"/>
-                                        </p:tgtEl>
-                                      </p:cBhvr>
-                                    </p:animEffect>
-                                  </p:childTnLst>
-                                </p:cTn>
-                              </p:par>
-                            </p:childTnLst>
-                          </p:cTn>
-                        </p:par>
-                        <p:par>
-                          <p:cTn id="18" fill="hold">
-                            <p:stCondLst>
-                              <p:cond delay="500"/>
-                            </p:stCondLst>
-                            <p:childTnLst>
-                              <p:par>
-                                <p:cTn id="19" presetID="10" presetClass="entr" presetSubtype="0" fill="hold" grpId="0" nodeType="afterEffect">
-                                  <p:stCondLst>
-                                    <p:cond delay="0"/>
-                                  </p:stCondLst>
-                                  <p:childTnLst>
-                                    <p:set>
-                                      <p:cBhvr>
-                                        <p:cTn id="20" dur="1" fill="hold">
-                                          <p:stCondLst>
-                                            <p:cond delay="0"/>
-                                          </p:stCondLst>
-                                        </p:cTn>
-                                        <p:tgtEl>
-                                          <p:spTgt spid="8"/>
-                                        </p:tgtEl>
-                                        <p:attrNameLst>
-                                          <p:attrName>style.visibility</p:attrName>
-                                        </p:attrNameLst>
-                                      </p:cBhvr>
-                                      <p:to>
-                                        <p:strVal val="visible"/>
-                                      </p:to>
-                                    </p:set>
-                                    <p:animEffect transition="in" filter="fade">
-                                      <p:cBhvr>
-                                        <p:cTn id="21" dur="500"/>
-                                        <p:tgtEl>
-                                          <p:spTgt spid="8"/>
-                                        </p:tgtEl>
-                                      </p:cBhvr>
-                                    </p:animEffect>
-                                  </p:childTnLst>
-                                </p:cTn>
-                              </p:par>
-                            </p:childTnLst>
-                          </p:cTn>
-                        </p:par>
-                      </p:childTnLst>
-                    </p:cTn>
-                  </p:par>
-                  <p:par>
-                    <p:cTn id="22" fill="hold">
-                      <p:stCondLst>
-                        <p:cond delay="indefinite"/>
-                      </p:stCondLst>
-                      <p:childTnLst>
-                        <p:par>
-                          <p:cTn id="23" fill="hold">
-                            <p:stCondLst>
-                              <p:cond delay="0"/>
-                            </p:stCondLst>
-                            <p:childTnLst>
-                              <p:par>
-                                <p:cTn id="24" presetID="10" presetClass="entr" presetSubtype="0" fill="hold" grpId="0" nodeType="clickEffect">
-                                  <p:stCondLst>
-                                    <p:cond delay="0"/>
-                                  </p:stCondLst>
-                                  <p:childTnLst>
-                                    <p:set>
-                                      <p:cBhvr>
-                                        <p:cTn id="25" dur="1" fill="hold">
-                                          <p:stCondLst>
-                                            <p:cond delay="0"/>
-                                          </p:stCondLst>
-                                        </p:cTn>
-                                        <p:tgtEl>
-                                          <p:spTgt spid="9"/>
-                                        </p:tgtEl>
-                                        <p:attrNameLst>
-                                          <p:attrName>style.visibility</p:attrName>
-                                        </p:attrNameLst>
-                                      </p:cBhvr>
-                                      <p:to>
-                                        <p:strVal val="visible"/>
-                                      </p:to>
-                                    </p:set>
-                                    <p:animEffect transition="in" filter="fade">
-                                      <p:cBhvr>
-                                        <p:cTn id="26" dur="250"/>
-                                        <p:tgtEl>
-                                          <p:spTgt spid="9"/>
-                                        </p:tgtEl>
-                                      </p:cBhvr>
-                                    </p:animEffect>
-                                  </p:childTnLst>
-                                </p:cTn>
-                              </p:par>
-                            </p:childTnLst>
-                          </p:cTn>
-                        </p:par>
-                        <p:par>
-                          <p:cTn id="27" fill="hold">
-                            <p:stCondLst>
-                              <p:cond delay="250"/>
-                            </p:stCondLst>
-                            <p:childTnLst>
-                              <p:par>
-                                <p:cTn id="28" presetID="10" presetClass="entr" presetSubtype="0" fill="hold" grpId="0" nodeType="afterEffect">
-                                  <p:stCondLst>
-                                    <p:cond delay="0"/>
-                                  </p:stCondLst>
-                                  <p:childTnLst>
-                                    <p:set>
-                                      <p:cBhvr>
-                                        <p:cTn id="29" dur="1" fill="hold">
-                                          <p:stCondLst>
-                                            <p:cond delay="0"/>
-                                          </p:stCondLst>
-                                        </p:cTn>
-                                        <p:tgtEl>
-                                          <p:spTgt spid="10"/>
-                                        </p:tgtEl>
-                                        <p:attrNameLst>
-                                          <p:attrName>style.visibility</p:attrName>
-                                        </p:attrNameLst>
-                                      </p:cBhvr>
-                                      <p:to>
-                                        <p:strVal val="visible"/>
-                                      </p:to>
-                                    </p:set>
-                                    <p:animEffect transition="in" filter="fade">
-                                      <p:cBhvr>
-                                        <p:cTn id="30" dur="250"/>
-                                        <p:tgtEl>
-                                          <p:spTgt spid="10"/>
-                                        </p:tgtEl>
-                                      </p:cBhvr>
-                                    </p:animEffect>
-                                  </p:childTnLst>
-                                </p:cTn>
-                              </p:par>
-                            </p:childTnLst>
-                          </p:cTn>
-                        </p:par>
-                        <p:par>
-                          <p:cTn id="31" fill="hold">
-                            <p:stCondLst>
-                              <p:cond delay="500"/>
-                            </p:stCondLst>
-                            <p:childTnLst>
-                              <p:par>
-                                <p:cTn id="32" presetID="10" presetClass="entr" presetSubtype="0" fill="hold" grpId="0" nodeType="afterEffect">
-                                  <p:stCondLst>
-                                    <p:cond delay="0"/>
-                                  </p:stCondLst>
-                                  <p:childTnLst>
-                                    <p:set>
-                                      <p:cBhvr>
-                                        <p:cTn id="33" dur="1" fill="hold">
-                                          <p:stCondLst>
-                                            <p:cond delay="0"/>
-                                          </p:stCondLst>
-                                        </p:cTn>
-                                        <p:tgtEl>
-                                          <p:spTgt spid="11"/>
-                                        </p:tgtEl>
-                                        <p:attrNameLst>
-                                          <p:attrName>style.visibility</p:attrName>
-                                        </p:attrNameLst>
-                                      </p:cBhvr>
-                                      <p:to>
-                                        <p:strVal val="visible"/>
-                                      </p:to>
-                                    </p:set>
-                                    <p:animEffect transition="in" filter="fade">
-                                      <p:cBhvr>
-                                        <p:cTn id="34" dur="250"/>
-                                        <p:tgtEl>
-                                          <p:spTgt spid="11"/>
-                                        </p:tgtEl>
-                                      </p:cBhvr>
-                                    </p:animEffect>
-                                  </p:childTnLst>
-                                </p:cTn>
-                              </p:par>
-                            </p:childTnLst>
-                          </p:cTn>
-                        </p:par>
-                        <p:par>
-                          <p:cTn id="35" fill="hold">
-                            <p:stCondLst>
-                              <p:cond delay="750"/>
-                            </p:stCondLst>
-                            <p:childTnLst>
-                              <p:par>
-                                <p:cTn id="36" presetID="10" presetClass="entr" presetSubtype="0" fill="hold" nodeType="afterEffect">
-                                  <p:stCondLst>
-                                    <p:cond delay="0"/>
-                                  </p:stCondLst>
-                                  <p:childTnLst>
-                                    <p:set>
-                                      <p:cBhvr>
-                                        <p:cTn id="37" dur="1" fill="hold">
-                                          <p:stCondLst>
-                                            <p:cond delay="0"/>
-                                          </p:stCondLst>
-                                        </p:cTn>
-                                        <p:tgtEl>
-                                          <p:spTgt spid="13"/>
-                                        </p:tgtEl>
-                                        <p:attrNameLst>
-                                          <p:attrName>style.visibility</p:attrName>
-                                        </p:attrNameLst>
-                                      </p:cBhvr>
-                                      <p:to>
-                                        <p:strVal val="visible"/>
-                                      </p:to>
-                                    </p:set>
-                                    <p:animEffect transition="in" filter="fade">
-                                      <p:cBhvr>
-                                        <p:cTn id="38" dur="250"/>
-                                        <p:tgtEl>
-                                          <p:spTgt spid="13"/>
-                                        </p:tgtEl>
-                                      </p:cBhvr>
-                                    </p:animEffect>
-                                  </p:childTnLst>
-                                </p:cTn>
-                              </p:par>
-                            </p:childTnLst>
-                          </p:cTn>
-                        </p:par>
-                        <p:par>
-                          <p:cTn id="39" fill="hold">
-                            <p:stCondLst>
-                              <p:cond delay="1000"/>
-                            </p:stCondLst>
-                            <p:childTnLst>
-                              <p:par>
-                                <p:cTn id="40" presetID="10" presetClass="entr" presetSubtype="0" fill="hold" grpId="0" nodeType="afterEffect">
-                                  <p:stCondLst>
-                                    <p:cond delay="0"/>
-                                  </p:stCondLst>
-                                  <p:childTnLst>
-                                    <p:set>
-                                      <p:cBhvr>
-                                        <p:cTn id="41" dur="1" fill="hold">
-                                          <p:stCondLst>
-                                            <p:cond delay="0"/>
-                                          </p:stCondLst>
-                                        </p:cTn>
-                                        <p:tgtEl>
-                                          <p:spTgt spid="14"/>
-                                        </p:tgtEl>
-                                        <p:attrNameLst>
-                                          <p:attrName>style.visibility</p:attrName>
-                                        </p:attrNameLst>
-                                      </p:cBhvr>
-                                      <p:to>
-                                        <p:strVal val="visible"/>
-                                      </p:to>
-                                    </p:set>
-                                    <p:animEffect transition="in" filter="fade">
-                                      <p:cBhvr>
-                                        <p:cTn id="42" dur="250"/>
-                                        <p:tgtEl>
-                                          <p:spTgt spid="14"/>
-                                        </p:tgtEl>
-                                      </p:cBhvr>
-                                    </p:animEffect>
-                                  </p:childTnLst>
-                                </p:cTn>
-                              </p:par>
-                            </p:childTnLst>
-                          </p:cTn>
-                        </p:par>
-                      </p:childTnLst>
-                    </p:cTn>
-                  </p:par>
-                  <p:par>
-                    <p:cTn id="43" fill="hold">
-                      <p:stCondLst>
-                        <p:cond delay="indefinite"/>
-                      </p:stCondLst>
-                      <p:childTnLst>
-                        <p:par>
-                          <p:cTn id="44" fill="hold">
-                            <p:stCondLst>
-                              <p:cond delay="0"/>
-                            </p:stCondLst>
-                            <p:childTnLst>
-                              <p:par>
-                                <p:cTn id="45" presetID="10" presetClass="entr" presetSubtype="0" fill="hold" grpId="0" nodeType="clickEffect">
-                                  <p:stCondLst>
-                                    <p:cond delay="0"/>
-                                  </p:stCondLst>
-                                  <p:childTnLst>
-                                    <p:set>
-                                      <p:cBhvr>
-                                        <p:cTn id="46" dur="1" fill="hold">
-                                          <p:stCondLst>
-                                            <p:cond delay="0"/>
-                                          </p:stCondLst>
-                                        </p:cTn>
-                                        <p:tgtEl>
-                                          <p:spTgt spid="15"/>
-                                        </p:tgtEl>
-                                        <p:attrNameLst>
-                                          <p:attrName>style.visibility</p:attrName>
-                                        </p:attrNameLst>
-                                      </p:cBhvr>
-                                      <p:to>
-                                        <p:strVal val="visible"/>
-                                      </p:to>
-                                    </p:set>
-                                    <p:animEffect transition="in" filter="fade">
-                                      <p:cBhvr>
-                                        <p:cTn id="47" dur="500"/>
-                                        <p:tgtEl>
-                                          <p:spTgt spid="15"/>
-                                        </p:tgtEl>
-                                      </p:cBhvr>
-                                    </p:animEffect>
-                                  </p:childTnLst>
-                                </p:cTn>
-                              </p:par>
-                            </p:childTnLst>
-                          </p:cTn>
-                        </p:par>
-                      </p:childTnLst>
-                    </p:cTn>
-                  </p:par>
-                  <p:par>
-                    <p:cTn id="48" fill="hold">
-                      <p:stCondLst>
-                        <p:cond delay="indefinite"/>
-                      </p:stCondLst>
-                      <p:childTnLst>
-                        <p:par>
-                          <p:cTn id="49" fill="hold">
-                            <p:stCondLst>
-                              <p:cond delay="0"/>
-                            </p:stCondLst>
-                            <p:childTnLst>
-                              <p:par>
-                                <p:cTn id="50" presetID="10" presetClass="entr" presetSubtype="0" fill="hold" grpId="0" nodeType="clickEffect">
-                                  <p:stCondLst>
-                                    <p:cond delay="0"/>
-                                  </p:stCondLst>
-                                  <p:childTnLst>
-                                    <p:set>
-                                      <p:cBhvr>
-                                        <p:cTn id="51" dur="1" fill="hold">
-                                          <p:stCondLst>
-                                            <p:cond delay="0"/>
-                                          </p:stCondLst>
-                                        </p:cTn>
-                                        <p:tgtEl>
-                                          <p:spTgt spid="20"/>
-                                        </p:tgtEl>
-                                        <p:attrNameLst>
-                                          <p:attrName>style.visibility</p:attrName>
-                                        </p:attrNameLst>
-                                      </p:cBhvr>
-                                      <p:to>
-                                        <p:strVal val="visible"/>
-                                      </p:to>
-                                    </p:set>
-                                    <p:animEffect transition="in" filter="fade">
-                                      <p:cBhvr>
-                                        <p:cTn id="52" dur="500"/>
-                                        <p:tgtEl>
-                                          <p:spTgt spid="20"/>
-                                        </p:tgtEl>
-                                      </p:cBhvr>
-                                    </p:animEffect>
-                                  </p:childTnLst>
-                                </p:cTn>
-                              </p:par>
-                              <p:par>
-                                <p:cTn id="53" presetID="10" presetClass="entr" presetSubtype="0" fill="hold" nodeType="withEffect">
-                                  <p:stCondLst>
-                                    <p:cond delay="0"/>
-                                  </p:stCondLst>
-                                  <p:childTnLst>
-                                    <p:set>
-                                      <p:cBhvr>
-                                        <p:cTn id="54" dur="1" fill="hold">
-                                          <p:stCondLst>
-                                            <p:cond delay="0"/>
-                                          </p:stCondLst>
-                                        </p:cTn>
-                                        <p:tgtEl>
-                                          <p:spTgt spid="17"/>
-                                        </p:tgtEl>
-                                        <p:attrNameLst>
-                                          <p:attrName>style.visibility</p:attrName>
-                                        </p:attrNameLst>
-                                      </p:cBhvr>
-                                      <p:to>
-                                        <p:strVal val="visible"/>
-                                      </p:to>
-                                    </p:set>
-                                    <p:animEffect transition="in" filter="fade">
-                                      <p:cBhvr>
-                                        <p:cTn id="55" dur="500"/>
-                                        <p:tgtEl>
-                                          <p:spTgt spid="17"/>
-                                        </p:tgtEl>
-                                      </p:cBhvr>
-                                    </p:animEffect>
-                                  </p:childTnLst>
-                                </p:cTn>
-                              </p:par>
-                            </p:childTnLst>
-                          </p:cTn>
-                        </p:par>
-                        <p:par>
-                          <p:cTn id="56" fill="hold">
-                            <p:stCondLst>
-                              <p:cond delay="500"/>
-                            </p:stCondLst>
-                            <p:childTnLst>
-                              <p:par>
-                                <p:cTn id="57" presetID="10" presetClass="entr" presetSubtype="0" fill="hold" grpId="0" nodeType="afterEffect">
-                                  <p:stCondLst>
-                                    <p:cond delay="0"/>
-                                  </p:stCondLst>
-                                  <p:childTnLst>
-                                    <p:set>
-                                      <p:cBhvr>
-                                        <p:cTn id="58" dur="1" fill="hold">
-                                          <p:stCondLst>
-                                            <p:cond delay="0"/>
-                                          </p:stCondLst>
-                                        </p:cTn>
-                                        <p:tgtEl>
-                                          <p:spTgt spid="21"/>
-                                        </p:tgtEl>
-                                        <p:attrNameLst>
-                                          <p:attrName>style.visibility</p:attrName>
-                                        </p:attrNameLst>
-                                      </p:cBhvr>
-                                      <p:to>
-                                        <p:strVal val="visible"/>
-                                      </p:to>
-                                    </p:set>
-                                    <p:animEffect transition="in" filter="fade">
-                                      <p:cBhvr>
-                                        <p:cTn id="59" dur="500"/>
-                                        <p:tgtEl>
-                                          <p:spTgt spid="21"/>
-                                        </p:tgtEl>
-                                      </p:cBhvr>
-                                    </p:animEffect>
-                                  </p:childTnLst>
-                                </p:cTn>
-                              </p:par>
-                              <p:par>
-                                <p:cTn id="60" presetID="10" presetClass="entr" presetSubtype="0" fill="hold" nodeType="withEffect">
-                                  <p:stCondLst>
-                                    <p:cond delay="0"/>
-                                  </p:stCondLst>
-                                  <p:childTnLst>
-                                    <p:set>
-                                      <p:cBhvr>
-                                        <p:cTn id="61" dur="1" fill="hold">
-                                          <p:stCondLst>
-                                            <p:cond delay="0"/>
-                                          </p:stCondLst>
-                                        </p:cTn>
-                                        <p:tgtEl>
-                                          <p:spTgt spid="19"/>
-                                        </p:tgtEl>
-                                        <p:attrNameLst>
-                                          <p:attrName>style.visibility</p:attrName>
-                                        </p:attrNameLst>
-                                      </p:cBhvr>
-                                      <p:to>
-                                        <p:strVal val="visible"/>
-                                      </p:to>
-                                    </p:set>
-                                    <p:animEffect transition="in" filter="fade">
-                                      <p:cBhvr>
-                                        <p:cTn id="62" dur="500"/>
-                                        <p:tgtEl>
-                                          <p:spTgt spid="19"/>
-                                        </p:tgtEl>
-                                      </p:cBhvr>
-                                    </p:animEffect>
-                                  </p:childTnLst>
-                                </p:cTn>
-                              </p:par>
-                            </p:childTnLst>
-                          </p:cTn>
-                        </p:par>
-                      </p:childTnLst>
-                    </p:cTn>
-                  </p:par>
-                  <p:par>
-                    <p:cTn id="63" fill="hold">
-                      <p:stCondLst>
-                        <p:cond delay="indefinite"/>
-                      </p:stCondLst>
-                      <p:childTnLst>
-                        <p:par>
-                          <p:cTn id="64" fill="hold">
-                            <p:stCondLst>
-                              <p:cond delay="0"/>
-                            </p:stCondLst>
-                            <p:childTnLst>
-                              <p:par>
-                                <p:cTn id="65" presetID="10" presetClass="entr" presetSubtype="0" fill="hold" nodeType="clickEffect">
-                                  <p:stCondLst>
-                                    <p:cond delay="0"/>
-                                  </p:stCondLst>
-                                  <p:childTnLst>
-                                    <p:set>
-                                      <p:cBhvr>
-                                        <p:cTn id="66" dur="1" fill="hold">
-                                          <p:stCondLst>
-                                            <p:cond delay="0"/>
-                                          </p:stCondLst>
-                                        </p:cTn>
-                                        <p:tgtEl>
-                                          <p:spTgt spid="23"/>
-                                        </p:tgtEl>
-                                        <p:attrNameLst>
-                                          <p:attrName>style.visibility</p:attrName>
-                                        </p:attrNameLst>
-                                      </p:cBhvr>
-                                      <p:to>
-                                        <p:strVal val="visible"/>
-                                      </p:to>
-                                    </p:set>
-                                    <p:animEffect transition="in" filter="fade">
-                                      <p:cBhvr>
-                                        <p:cTn id="67" dur="500"/>
-                                        <p:tgtEl>
-                                          <p:spTgt spid="23"/>
-                                        </p:tgtEl>
-                                      </p:cBhvr>
-                                    </p:animEffect>
-                                  </p:childTnLst>
-                                </p:cTn>
-                              </p:par>
-                            </p:childTnLst>
-                          </p:cTn>
-                        </p:par>
-                        <p:par>
-                          <p:cTn id="68" fill="hold">
-                            <p:stCondLst>
-                              <p:cond delay="500"/>
-                            </p:stCondLst>
-                            <p:childTnLst>
-                              <p:par>
-                                <p:cTn id="69" presetID="10" presetClass="entr" presetSubtype="0" fill="hold" grpId="0" nodeType="afterEffect">
-                                  <p:stCondLst>
-                                    <p:cond delay="0"/>
-                                  </p:stCondLst>
-                                  <p:childTnLst>
-                                    <p:set>
-                                      <p:cBhvr>
-                                        <p:cTn id="70" dur="1" fill="hold">
-                                          <p:stCondLst>
-                                            <p:cond delay="0"/>
-                                          </p:stCondLst>
-                                        </p:cTn>
-                                        <p:tgtEl>
-                                          <p:spTgt spid="24"/>
-                                        </p:tgtEl>
-                                        <p:attrNameLst>
-                                          <p:attrName>style.visibility</p:attrName>
-                                        </p:attrNameLst>
-                                      </p:cBhvr>
-                                      <p:to>
-                                        <p:strVal val="visible"/>
-                                      </p:to>
-                                    </p:set>
-                                    <p:animEffect transition="in" filter="fade">
-                                      <p:cBhvr>
-                                        <p:cTn id="71" dur="500"/>
-                                        <p:tgtEl>
-                                          <p:spTgt spid="24"/>
-                                        </p:tgtEl>
-                                      </p:cBhvr>
-                                    </p:animEffect>
-                                  </p:childTnLst>
-                                </p:cTn>
-                              </p:par>
-                            </p:childTnLst>
-                          </p:cTn>
-                        </p:par>
-                      </p:childTnLst>
-                    </p:cTn>
-                  </p:par>
-                  <p:par>
-                    <p:cTn id="72" fill="hold">
-                      <p:stCondLst>
-                        <p:cond delay="indefinite"/>
-                      </p:stCondLst>
-                      <p:childTnLst>
-                        <p:par>
-                          <p:cTn id="73" fill="hold">
-                            <p:stCondLst>
-                              <p:cond delay="0"/>
-                            </p:stCondLst>
-                            <p:childTnLst>
-                              <p:par>
-                                <p:cTn id="74" presetID="10" presetClass="entr" presetSubtype="0" fill="hold" grpId="0" nodeType="clickEffect">
-                                  <p:stCondLst>
-                                    <p:cond delay="0"/>
-                                  </p:stCondLst>
-                                  <p:childTnLst>
-                                    <p:set>
-                                      <p:cBhvr>
-                                        <p:cTn id="75" dur="1" fill="hold">
-                                          <p:stCondLst>
-                                            <p:cond delay="0"/>
-                                          </p:stCondLst>
-                                        </p:cTn>
-                                        <p:tgtEl>
-                                          <p:spTgt spid="27"/>
-                                        </p:tgtEl>
-                                        <p:attrNameLst>
-                                          <p:attrName>style.visibility</p:attrName>
-                                        </p:attrNameLst>
-                                      </p:cBhvr>
-                                      <p:to>
-                                        <p:strVal val="visible"/>
-                                      </p:to>
-                                    </p:set>
-                                    <p:animEffect transition="in" filter="fade">
-                                      <p:cBhvr>
-                                        <p:cTn id="76" dur="250"/>
-                                        <p:tgtEl>
-                                          <p:spTgt spid="27"/>
-                                        </p:tgtEl>
-                                      </p:cBhvr>
-                                    </p:animEffect>
-                                  </p:childTnLst>
-                                </p:cTn>
-                              </p:par>
-                            </p:childTnLst>
-                          </p:cTn>
-                        </p:par>
-                        <p:par>
-                          <p:cTn id="77" fill="hold">
-                            <p:stCondLst>
-                              <p:cond delay="250"/>
-                            </p:stCondLst>
-                            <p:childTnLst>
-                              <p:par>
-                                <p:cTn id="78" presetID="10" presetClass="entr" presetSubtype="0" fill="hold" grpId="0" nodeType="afterEffect">
-                                  <p:stCondLst>
-                                    <p:cond delay="0"/>
-                                  </p:stCondLst>
-                                  <p:childTnLst>
-                                    <p:set>
-                                      <p:cBhvr>
-                                        <p:cTn id="79" dur="1" fill="hold">
-                                          <p:stCondLst>
-                                            <p:cond delay="0"/>
-                                          </p:stCondLst>
-                                        </p:cTn>
-                                        <p:tgtEl>
-                                          <p:spTgt spid="26"/>
-                                        </p:tgtEl>
-                                        <p:attrNameLst>
-                                          <p:attrName>style.visibility</p:attrName>
-                                        </p:attrNameLst>
-                                      </p:cBhvr>
-                                      <p:to>
-                                        <p:strVal val="visible"/>
-                                      </p:to>
-                                    </p:set>
-                                    <p:animEffect transition="in" filter="fade">
-                                      <p:cBhvr>
-                                        <p:cTn id="80" dur="250"/>
-                                        <p:tgtEl>
-                                          <p:spTgt spid="26"/>
-                                        </p:tgtEl>
-                                      </p:cBhvr>
-                                    </p:animEffect>
-                                  </p:childTnLst>
-                                </p:cTn>
-                              </p:par>
-                            </p:childTnLst>
-                          </p:cTn>
-                        </p:par>
-                        <p:par>
-                          <p:cTn id="81" fill="hold">
-                            <p:stCondLst>
-                              <p:cond delay="500"/>
-                            </p:stCondLst>
-                            <p:childTnLst>
-                              <p:par>
-                                <p:cTn id="82" presetID="10" presetClass="entr" presetSubtype="0" fill="hold" grpId="0" nodeType="afterEffect">
-                                  <p:stCondLst>
-                                    <p:cond delay="0"/>
-                                  </p:stCondLst>
-                                  <p:childTnLst>
-                                    <p:set>
-                                      <p:cBhvr>
-                                        <p:cTn id="83" dur="1" fill="hold">
-                                          <p:stCondLst>
-                                            <p:cond delay="0"/>
-                                          </p:stCondLst>
-                                        </p:cTn>
-                                        <p:tgtEl>
-                                          <p:spTgt spid="25"/>
-                                        </p:tgtEl>
-                                        <p:attrNameLst>
-                                          <p:attrName>style.visibility</p:attrName>
-                                        </p:attrNameLst>
-                                      </p:cBhvr>
-                                      <p:to>
-                                        <p:strVal val="visible"/>
-                                      </p:to>
-                                    </p:set>
-                                    <p:animEffect transition="in" filter="fade">
-                                      <p:cBhvr>
-                                        <p:cTn id="84" dur="250"/>
-                                        <p:tgtEl>
-                                          <p:spTgt spid="25"/>
-                                        </p:tgtEl>
-                                      </p:cBhvr>
-                                    </p:animEffect>
-                                  </p:childTnLst>
-                                </p:cTn>
-                              </p:par>
-                              <p:par>
-                                <p:cTn id="85" presetID="10" presetClass="entr" presetSubtype="0" fill="hold" nodeType="withEffect">
-                                  <p:stCondLst>
-                                    <p:cond delay="0"/>
-                                  </p:stCondLst>
-                                  <p:childTnLst>
-                                    <p:set>
-                                      <p:cBhvr>
-                                        <p:cTn id="86" dur="1" fill="hold">
-                                          <p:stCondLst>
-                                            <p:cond delay="0"/>
-                                          </p:stCondLst>
-                                        </p:cTn>
-                                        <p:tgtEl>
-                                          <p:spTgt spid="29"/>
-                                        </p:tgtEl>
-                                        <p:attrNameLst>
-                                          <p:attrName>style.visibility</p:attrName>
-                                        </p:attrNameLst>
-                                      </p:cBhvr>
-                                      <p:to>
-                                        <p:strVal val="visible"/>
-                                      </p:to>
-                                    </p:set>
-                                    <p:animEffect transition="in" filter="fade">
-                                      <p:cBhvr>
-                                        <p:cTn id="87" dur="500"/>
-                                        <p:tgtEl>
-                                          <p:spTgt spid="29"/>
-                                        </p:tgtEl>
-                                      </p:cBhvr>
-                                    </p:animEffect>
-                                  </p:childTnLst>
-                                </p:cTn>
-                              </p:par>
-                            </p:childTnLst>
-                          </p:cTn>
-                        </p:par>
-                        <p:par>
-                          <p:cTn id="88" fill="hold">
-                            <p:stCondLst>
-                              <p:cond delay="1000"/>
-                            </p:stCondLst>
-                            <p:childTnLst>
-                              <p:par>
-                                <p:cTn id="89" presetID="10" presetClass="entr" presetSubtype="0" fill="hold" grpId="0" nodeType="afterEffect">
-                                  <p:stCondLst>
-                                    <p:cond delay="0"/>
-                                  </p:stCondLst>
-                                  <p:childTnLst>
-                                    <p:set>
-                                      <p:cBhvr>
-                                        <p:cTn id="90" dur="1" fill="hold">
-                                          <p:stCondLst>
-                                            <p:cond delay="0"/>
-                                          </p:stCondLst>
-                                        </p:cTn>
-                                        <p:tgtEl>
-                                          <p:spTgt spid="30"/>
-                                        </p:tgtEl>
-                                        <p:attrNameLst>
-                                          <p:attrName>style.visibility</p:attrName>
-                                        </p:attrNameLst>
-                                      </p:cBhvr>
-                                      <p:to>
-                                        <p:strVal val="visible"/>
-                                      </p:to>
-                                    </p:set>
-                                    <p:animEffect transition="in" filter="fade">
-                                      <p:cBhvr>
-                                        <p:cTn id="91" dur="500"/>
-                                        <p:tgtEl>
-                                          <p:spTgt spid="30"/>
-                                        </p:tgtEl>
-                                      </p:cBhvr>
-                                    </p:animEffect>
-                                  </p:childTnLst>
-                                </p:cTn>
-                              </p:par>
-                            </p:childTnLst>
-                          </p:cTn>
-                        </p:par>
-                        <p:par>
-                          <p:cTn id="92" fill="hold">
-                            <p:stCondLst>
-                              <p:cond delay="1500"/>
-                            </p:stCondLst>
-                            <p:childTnLst>
-                              <p:par>
-                                <p:cTn id="93" presetID="10" presetClass="entr" presetSubtype="0" fill="hold" grpId="0" nodeType="afterEffect">
-                                  <p:stCondLst>
-                                    <p:cond delay="0"/>
-                                  </p:stCondLst>
-                                  <p:childTnLst>
-                                    <p:set>
-                                      <p:cBhvr>
-                                        <p:cTn id="94" dur="1" fill="hold">
-                                          <p:stCondLst>
-                                            <p:cond delay="0"/>
-                                          </p:stCondLst>
-                                        </p:cTn>
-                                        <p:tgtEl>
-                                          <p:spTgt spid="31"/>
-                                        </p:tgtEl>
-                                        <p:attrNameLst>
-                                          <p:attrName>style.visibility</p:attrName>
-                                        </p:attrNameLst>
-                                      </p:cBhvr>
-                                      <p:to>
-                                        <p:strVal val="visible"/>
-                                      </p:to>
-                                    </p:set>
-                                    <p:animEffect transition="in" filter="fade">
-                                      <p:cBhvr>
-                                        <p:cTn id="95" dur="500"/>
-                                        <p:tgtEl>
-                                          <p:spTgt spid="31"/>
-                                        </p:tgtEl>
-                                      </p:cBhvr>
-                                    </p:animEffect>
-                                  </p:childTnLst>
-                                </p:cTn>
-                              </p:par>
-                            </p:childTnLst>
-                          </p:cTn>
-                        </p:par>
-                        <p:par>
-                          <p:cTn id="96" fill="hold">
-                            <p:stCondLst>
-                              <p:cond delay="2000"/>
-                            </p:stCondLst>
-                            <p:childTnLst>
-                              <p:par>
-                                <p:cTn id="97" presetID="10" presetClass="entr" presetSubtype="0" fill="hold" grpId="0" nodeType="afterEffect">
-                                  <p:stCondLst>
-                                    <p:cond delay="0"/>
-                                  </p:stCondLst>
-                                  <p:childTnLst>
-                                    <p:set>
-                                      <p:cBhvr>
-                                        <p:cTn id="98" dur="1" fill="hold">
-                                          <p:stCondLst>
-                                            <p:cond delay="0"/>
-                                          </p:stCondLst>
-                                        </p:cTn>
-                                        <p:tgtEl>
-                                          <p:spTgt spid="35"/>
-                                        </p:tgtEl>
-                                        <p:attrNameLst>
-                                          <p:attrName>style.visibility</p:attrName>
-                                        </p:attrNameLst>
-                                      </p:cBhvr>
-                                      <p:to>
-                                        <p:strVal val="visible"/>
-                                      </p:to>
-                                    </p:set>
-                                    <p:animEffect transition="in" filter="fade">
-                                      <p:cBhvr>
-                                        <p:cTn id="99" dur="500"/>
-                                        <p:tgtEl>
-                                          <p:spTgt spid="35"/>
-                                        </p:tgtEl>
-                                      </p:cBhvr>
-                                    </p:animEffect>
-                                  </p:childTnLst>
-                                </p:cTn>
-                              </p:par>
-                            </p:childTnLst>
-                          </p:cTn>
-                        </p:par>
-                      </p:childTnLst>
-                    </p:cTn>
-                  </p:par>
-                </p:childTnLst>
-              </p:cTn>
-              <p:prevCondLst>
-                <p:cond evt="onPrev" delay="0">
-                  <p:tgtEl>
-                    <p:sldTgt/>
-                  </p:tgtEl>
-                </p:cond>
-              </p:prevCondLst>
-              <p:nextCondLst>
-                <p:cond evt="onNext" delay="0">
-                  <p:tgtEl>
-                    <p:sldTgt/>
-                  </p:tgtEl>
-                </p:cond>
-              </p:nextCondLst>
-            </p:seq>
-          </p:childTnLst>
-        </p:cTn>
-      </p:par>
-    </p:tnLst>
-    <p:bldLst>
-      <p:bldP spid="11" grpId="0" animBg="1"/>
-      <p:bldP spid="4" grpId="0" animBg="1"/>
-      <p:bldP spid="8" grpId="0" animBg="1"/>
-      <p:bldP spid="5" grpId="0" animBg="1"/>
-      <p:bldP spid="10" grpId="0" animBg="1"/>
-      <p:bldP spid="14" grpId="0" animBg="1"/>
-      <p:bldP spid="9" grpId="0" animBg="1"/>
-      <p:bldP spid="15" grpId="0" animBg="1"/>
-      <p:bldP spid="20" grpId="0"/>
-      <p:bldP spid="21" grpId="0"/>
-      <p:bldP spid="24" grpId="0" animBg="1"/>
-      <p:bldP spid="25" grpId="0" animBg="1"/>
-      <p:bldP spid="26" grpId="0" animBg="1"/>
-      <p:bldP spid="27" grpId="0" animBg="1"/>
-      <p:bldP spid="30" grpId="0"/>
-      <p:bldP spid="31" grpId="0"/>
-      <p:bldP spid="35" grpId="0"/>
-    </p:bldLst>
-  </p:timing>
-</p:sld>
-</file>
-
-<file path=ppt/slides/slide9.xml><?xml version="1.0" encoding="utf-8"?>
-<p:sld xmlns:a="http://schemas.openxmlformats.org/drawingml/2006/main" xmlns:r="http://schemas.openxmlformats.org/officeDocument/2006/relationships" xmlns:p="http://schemas.openxmlformats.org/presentationml/2006/main">
-  <p:cSld>
-    <p:spTree>
-      <p:nvGrpSpPr>
-        <p:cNvPr id="1" name=""/>
-        <p:cNvGrpSpPr/>
-        <p:nvPr/>
-      </p:nvGrpSpPr>
-      <p:grpSpPr>
-        <a:xfrm>
-          <a:off x="0" y="0"/>
-          <a:ext cx="0" cy="0"/>
-          <a:chOff x="0" y="0"/>
-          <a:chExt cx="0" cy="0"/>
-        </a:xfrm>
-      </p:grpSpPr>
-      <p:sp>
-        <p:nvSpPr>
-          <p:cNvPr id="2" name="Title 1">
-            <a:extLst>
-              <a:ext uri="{FF2B5EF4-FFF2-40B4-BE49-F238E27FC236}">
-                <a16:creationId xmlns:a16="http://schemas.microsoft.com/office/drawing/2014/main" id="{491F49F2-A379-E4BD-E3C8-77ECC04B259A}"/>
-              </a:ext>
-            </a:extLst>
-          </p:cNvPr>
-          <p:cNvSpPr>
-            <a:spLocks noGrp="1"/>
-          </p:cNvSpPr>
-          <p:nvPr>
-            <p:ph type="title"/>
-          </p:nvPr>
-        </p:nvSpPr>
-        <p:spPr/>
-        <p:txBody>
-          <a:bodyPr/>
-          <a:lstStyle/>
-          <a:p>
-            <a:r>
-              <a:rPr lang="en-US" dirty="0"/>
-              <a:t>On Time</a:t>
-            </a:r>
-          </a:p>
-        </p:txBody>
-      </p:sp>
-      <p:sp>
-        <p:nvSpPr>
-          <p:cNvPr id="4" name="Rectangle: Rounded Corners 3">
-            <a:extLst>
-              <a:ext uri="{FF2B5EF4-FFF2-40B4-BE49-F238E27FC236}">
-                <a16:creationId xmlns:a16="http://schemas.microsoft.com/office/drawing/2014/main" id="{B76141F3-FD9E-A8CF-3A70-C2B02DFE0FD0}"/>
-              </a:ext>
-            </a:extLst>
-          </p:cNvPr>
-          <p:cNvSpPr/>
-          <p:nvPr/>
-        </p:nvSpPr>
-        <p:spPr>
-          <a:xfrm>
-            <a:off x="383663" y="1886482"/>
-            <a:ext cx="11458775" cy="571500"/>
-          </a:xfrm>
-          <a:prstGeom prst="roundRect">
-            <a:avLst/>
-          </a:prstGeom>
-        </p:spPr>
-        <p:style>
-          <a:lnRef idx="2">
-            <a:schemeClr val="accent1">
-              <a:shade val="15000"/>
-            </a:schemeClr>
-          </a:lnRef>
-          <a:fillRef idx="1">
-            <a:schemeClr val="accent1"/>
-          </a:fillRef>
-          <a:effectRef idx="0">
-            <a:schemeClr val="accent1"/>
-          </a:effectRef>
-          <a:fontRef idx="minor">
-            <a:schemeClr val="lt1"/>
-          </a:fontRef>
-        </p:style>
-        <p:txBody>
-          <a:bodyPr rtlCol="0" anchor="ctr"/>
-          <a:lstStyle/>
-          <a:p>
-            <a:pPr algn="ctr"/>
-            <a:r>
-              <a:rPr lang="en-US" dirty="0"/>
-              <a:t>Main </a:t>
-            </a:r>
-            <a:r>
-              <a:rPr lang="en-US" dirty="0" err="1"/>
-              <a:t>Runspace</a:t>
-            </a:r>
-            <a:endParaRPr lang="en-US" dirty="0"/>
-          </a:p>
-        </p:txBody>
-      </p:sp>
-      <p:sp>
-        <p:nvSpPr>
-          <p:cNvPr id="5" name="Rectangle: Rounded Corners 4">
-            <a:extLst>
-              <a:ext uri="{FF2B5EF4-FFF2-40B4-BE49-F238E27FC236}">
-                <a16:creationId xmlns:a16="http://schemas.microsoft.com/office/drawing/2014/main" id="{D2FDC94C-2A9A-F70A-BA61-F3114734870D}"/>
-              </a:ext>
-            </a:extLst>
-          </p:cNvPr>
-          <p:cNvSpPr/>
-          <p:nvPr/>
-        </p:nvSpPr>
-        <p:spPr>
-          <a:xfrm>
-            <a:off x="383663" y="3822922"/>
-            <a:ext cx="11458775" cy="571500"/>
-          </a:xfrm>
-          <a:prstGeom prst="roundRect">
-            <a:avLst/>
-          </a:prstGeom>
-        </p:spPr>
-        <p:style>
-          <a:lnRef idx="2">
-            <a:schemeClr val="accent1">
-              <a:shade val="15000"/>
-            </a:schemeClr>
-          </a:lnRef>
-          <a:fillRef idx="1">
-            <a:schemeClr val="accent1"/>
-          </a:fillRef>
-          <a:effectRef idx="0">
-            <a:schemeClr val="accent1"/>
-          </a:effectRef>
-          <a:fontRef idx="minor">
-            <a:schemeClr val="lt1"/>
-          </a:fontRef>
-        </p:style>
-        <p:txBody>
-          <a:bodyPr rtlCol="0" anchor="ctr"/>
-          <a:lstStyle/>
-          <a:p>
-            <a:pPr algn="ctr"/>
-            <a:r>
-              <a:rPr lang="en-US" dirty="0"/>
-              <a:t>Task Manager </a:t>
-            </a:r>
-            <a:r>
-              <a:rPr lang="en-US" dirty="0" err="1"/>
-              <a:t>Runspace</a:t>
-            </a:r>
-            <a:endParaRPr lang="en-US" dirty="0"/>
-          </a:p>
-        </p:txBody>
-      </p:sp>
-      <p:cxnSp>
-        <p:nvCxnSpPr>
-          <p:cNvPr id="8" name="Straight Arrow Connector 7">
-            <a:extLst>
-              <a:ext uri="{FF2B5EF4-FFF2-40B4-BE49-F238E27FC236}">
-                <a16:creationId xmlns:a16="http://schemas.microsoft.com/office/drawing/2014/main" id="{5FF5A4E6-367E-CCDF-7099-F52928B62356}"/>
-              </a:ext>
-            </a:extLst>
-          </p:cNvPr>
-          <p:cNvCxnSpPr/>
-          <p:nvPr/>
-        </p:nvCxnSpPr>
-        <p:spPr>
-          <a:xfrm>
-            <a:off x="1189359" y="2457982"/>
-            <a:ext cx="530736" cy="1364940"/>
-          </a:xfrm>
-          <a:prstGeom prst="straightConnector1">
-            <a:avLst/>
-          </a:prstGeom>
-          <a:ln>
-            <a:tailEnd type="triangle"/>
-          </a:ln>
-        </p:spPr>
-        <p:style>
-          <a:lnRef idx="2">
-            <a:schemeClr val="accent6"/>
-          </a:lnRef>
-          <a:fillRef idx="0">
-            <a:schemeClr val="accent6"/>
-          </a:fillRef>
-          <a:effectRef idx="1">
-            <a:schemeClr val="accent6"/>
-          </a:effectRef>
-          <a:fontRef idx="minor">
-            <a:schemeClr val="tx1"/>
-          </a:fontRef>
-        </p:style>
-      </p:cxnSp>
-      <p:sp>
-        <p:nvSpPr>
-          <p:cNvPr id="6" name="Rectangle: Folded Corner 5">
-            <a:extLst>
-              <a:ext uri="{FF2B5EF4-FFF2-40B4-BE49-F238E27FC236}">
-                <a16:creationId xmlns:a16="http://schemas.microsoft.com/office/drawing/2014/main" id="{B7C383BA-A4C3-BF2E-C168-D39059832D2A}"/>
-              </a:ext>
-            </a:extLst>
-          </p:cNvPr>
-          <p:cNvSpPr/>
-          <p:nvPr/>
-        </p:nvSpPr>
-        <p:spPr>
-          <a:xfrm>
-            <a:off x="1138204" y="2845510"/>
-            <a:ext cx="780118" cy="780118"/>
-          </a:xfrm>
-          <a:prstGeom prst="foldedCorner">
-            <a:avLst/>
-          </a:prstGeom>
-        </p:spPr>
-        <p:style>
-          <a:lnRef idx="2">
-            <a:schemeClr val="accent6">
-              <a:shade val="15000"/>
-            </a:schemeClr>
-          </a:lnRef>
-          <a:fillRef idx="1">
-            <a:schemeClr val="accent6"/>
-          </a:fillRef>
-          <a:effectRef idx="0">
-            <a:schemeClr val="accent6"/>
-          </a:effectRef>
-          <a:fontRef idx="minor">
-            <a:schemeClr val="lt1"/>
-          </a:fontRef>
-        </p:style>
-        <p:txBody>
-          <a:bodyPr rtlCol="0" anchor="ctr"/>
-          <a:lstStyle/>
-          <a:p>
-            <a:pPr algn="ctr"/>
-            <a:r>
-              <a:rPr lang="en-US" dirty="0"/>
-              <a:t>Task</a:t>
-            </a:r>
-          </a:p>
-        </p:txBody>
-      </p:sp>
-      <p:sp>
-        <p:nvSpPr>
-          <p:cNvPr id="9" name="Oval 8">
-            <a:extLst>
-              <a:ext uri="{FF2B5EF4-FFF2-40B4-BE49-F238E27FC236}">
-                <a16:creationId xmlns:a16="http://schemas.microsoft.com/office/drawing/2014/main" id="{4D569892-8FCB-D519-8E8B-7D12717FC20B}"/>
-              </a:ext>
-            </a:extLst>
-          </p:cNvPr>
-          <p:cNvSpPr/>
-          <p:nvPr/>
-        </p:nvSpPr>
-        <p:spPr>
-          <a:xfrm>
-            <a:off x="1847983" y="2915849"/>
-            <a:ext cx="876035" cy="255776"/>
-          </a:xfrm>
-          <a:prstGeom prst="ellipse">
-            <a:avLst/>
-          </a:prstGeom>
-        </p:spPr>
-        <p:style>
-          <a:lnRef idx="2">
-            <a:schemeClr val="accent3">
-              <a:shade val="15000"/>
-            </a:schemeClr>
-          </a:lnRef>
-          <a:fillRef idx="1">
-            <a:schemeClr val="accent3"/>
-          </a:fillRef>
-          <a:effectRef idx="0">
-            <a:schemeClr val="accent3"/>
-          </a:effectRef>
-          <a:fontRef idx="minor">
-            <a:schemeClr val="lt1"/>
-          </a:fontRef>
-        </p:style>
-        <p:txBody>
-          <a:bodyPr rtlCol="0" anchor="ctr"/>
-          <a:lstStyle/>
-          <a:p>
-            <a:pPr algn="ctr"/>
-            <a:r>
-              <a:rPr lang="en-US" sz="800" dirty="0"/>
-              <a:t>Schedule</a:t>
-            </a:r>
-          </a:p>
-        </p:txBody>
-      </p:sp>
-      <p:sp>
-        <p:nvSpPr>
-          <p:cNvPr id="10" name="Oval 9">
-            <a:extLst>
-              <a:ext uri="{FF2B5EF4-FFF2-40B4-BE49-F238E27FC236}">
-                <a16:creationId xmlns:a16="http://schemas.microsoft.com/office/drawing/2014/main" id="{1E6E0298-AABD-F79C-5AD9-949E71929CFB}"/>
-              </a:ext>
-            </a:extLst>
-          </p:cNvPr>
-          <p:cNvSpPr/>
-          <p:nvPr/>
-        </p:nvSpPr>
-        <p:spPr>
-          <a:xfrm>
-            <a:off x="1847983" y="3121602"/>
-            <a:ext cx="876035" cy="255776"/>
-          </a:xfrm>
-          <a:prstGeom prst="ellipse">
-            <a:avLst/>
-          </a:prstGeom>
-        </p:spPr>
-        <p:style>
-          <a:lnRef idx="2">
-            <a:schemeClr val="accent5">
-              <a:shade val="15000"/>
-            </a:schemeClr>
-          </a:lnRef>
-          <a:fillRef idx="1">
-            <a:schemeClr val="accent5"/>
-          </a:fillRef>
-          <a:effectRef idx="0">
-            <a:schemeClr val="accent5"/>
-          </a:effectRef>
-          <a:fontRef idx="minor">
-            <a:schemeClr val="lt1"/>
-          </a:fontRef>
-        </p:style>
-        <p:txBody>
-          <a:bodyPr rtlCol="0" anchor="ctr"/>
-          <a:lstStyle/>
-          <a:p>
-            <a:pPr algn="ctr"/>
-            <a:r>
-              <a:rPr lang="en-US" sz="800" dirty="0"/>
-              <a:t>Condition</a:t>
-            </a:r>
-          </a:p>
-        </p:txBody>
-      </p:sp>
-      <p:sp>
-        <p:nvSpPr>
-          <p:cNvPr id="11" name="Oval 10">
-            <a:extLst>
-              <a:ext uri="{FF2B5EF4-FFF2-40B4-BE49-F238E27FC236}">
-                <a16:creationId xmlns:a16="http://schemas.microsoft.com/office/drawing/2014/main" id="{93DA7F2E-064A-203A-79D9-91D3308B9309}"/>
-              </a:ext>
-            </a:extLst>
-          </p:cNvPr>
-          <p:cNvSpPr/>
-          <p:nvPr/>
-        </p:nvSpPr>
-        <p:spPr>
-          <a:xfrm>
-            <a:off x="1847982" y="3315699"/>
-            <a:ext cx="876035" cy="255776"/>
-          </a:xfrm>
-          <a:prstGeom prst="ellipse">
-            <a:avLst/>
-          </a:prstGeom>
-        </p:spPr>
-        <p:style>
-          <a:lnRef idx="2">
-            <a:schemeClr val="accent2">
-              <a:shade val="15000"/>
-            </a:schemeClr>
-          </a:lnRef>
-          <a:fillRef idx="1">
-            <a:schemeClr val="accent2"/>
-          </a:fillRef>
-          <a:effectRef idx="0">
-            <a:schemeClr val="accent2"/>
-          </a:effectRef>
-          <a:fontRef idx="minor">
-            <a:schemeClr val="lt1"/>
-          </a:fontRef>
-        </p:style>
-        <p:txBody>
-          <a:bodyPr rtlCol="0" anchor="ctr"/>
-          <a:lstStyle/>
-          <a:p>
-            <a:pPr algn="ctr"/>
-            <a:r>
-              <a:rPr lang="en-US" sz="800" dirty="0"/>
-              <a:t>Priority</a:t>
-            </a:r>
-          </a:p>
-        </p:txBody>
-      </p:sp>
-    </p:spTree>
-    <p:extLst>
-      <p:ext uri="{BB962C8B-B14F-4D97-AF65-F5344CB8AC3E}">
-        <p14:creationId xmlns:p14="http://schemas.microsoft.com/office/powerpoint/2010/main" val="1393515603"/>
-      </p:ext>
-    </p:extLst>
-  </p:cSld>
-  <p:clrMapOvr>
-    <a:masterClrMapping/>
-  </p:clrMapOvr>
-  <p:timing>
-    <p:tnLst>
-      <p:par>
-        <p:cTn id="1" dur="indefinite" restart="never" nodeType="tmRoot">
-          <p:childTnLst>
-            <p:seq concurrent="1" nextAc="seek">
-              <p:cTn id="2" dur="indefinite" nodeType="mainSeq">
-                <p:childTnLst>
-                  <p:par>
-                    <p:cTn id="3" fill="hold">
-                      <p:stCondLst>
-                        <p:cond delay="indefinite"/>
-                      </p:stCondLst>
-                      <p:childTnLst>
-                        <p:par>
-                          <p:cTn id="4" fill="hold">
-                            <p:stCondLst>
-                              <p:cond delay="0"/>
-                            </p:stCondLst>
-                            <p:childTnLst>
-                              <p:par>
-                                <p:cTn id="5" presetID="10" presetClass="entr" presetSubtype="0" fill="hold" grpId="0" nodeType="clickEffect">
-                                  <p:stCondLst>
-                                    <p:cond delay="0"/>
-                                  </p:stCondLst>
-                                  <p:childTnLst>
-                                    <p:set>
-                                      <p:cBhvr>
-                                        <p:cTn id="6" dur="1" fill="hold">
-                                          <p:stCondLst>
-                                            <p:cond delay="0"/>
-                                          </p:stCondLst>
-                                        </p:cTn>
-                                        <p:tgtEl>
-                                          <p:spTgt spid="4"/>
-                                        </p:tgtEl>
-                                        <p:attrNameLst>
-                                          <p:attrName>style.visibility</p:attrName>
-                                        </p:attrNameLst>
-                                      </p:cBhvr>
-                                      <p:to>
-                                        <p:strVal val="visible"/>
-                                      </p:to>
-                                    </p:set>
-                                    <p:animEffect transition="in" filter="fade">
-                                      <p:cBhvr>
-                                        <p:cTn id="7" dur="500"/>
-                                        <p:tgtEl>
-                                          <p:spTgt spid="4"/>
-                                        </p:tgtEl>
-                                      </p:cBhvr>
-                                    </p:animEffect>
-                                  </p:childTnLst>
-                                </p:cTn>
-                              </p:par>
-                            </p:childTnLst>
-                          </p:cTn>
-                        </p:par>
-                      </p:childTnLst>
-                    </p:cTn>
-                  </p:par>
-                  <p:par>
-                    <p:cTn id="8" fill="hold">
-                      <p:stCondLst>
-                        <p:cond delay="indefinite"/>
-                      </p:stCondLst>
-                      <p:childTnLst>
-                        <p:par>
-                          <p:cTn id="9" fill="hold">
-                            <p:stCondLst>
-                              <p:cond delay="0"/>
-                            </p:stCondLst>
-                            <p:childTnLst>
-                              <p:par>
-                                <p:cTn id="10" presetID="10" presetClass="entr" presetSubtype="0" fill="hold" grpId="0" nodeType="clickEffect">
-                                  <p:stCondLst>
-                                    <p:cond delay="0"/>
-                                  </p:stCondLst>
-                                  <p:childTnLst>
-                                    <p:set>
-                                      <p:cBhvr>
-                                        <p:cTn id="11" dur="1" fill="hold">
-                                          <p:stCondLst>
-                                            <p:cond delay="0"/>
-                                          </p:stCondLst>
-                                        </p:cTn>
-                                        <p:tgtEl>
-                                          <p:spTgt spid="5"/>
-                                        </p:tgtEl>
-                                        <p:attrNameLst>
-                                          <p:attrName>style.visibility</p:attrName>
-                                        </p:attrNameLst>
-                                      </p:cBhvr>
-                                      <p:to>
-                                        <p:strVal val="visible"/>
-                                      </p:to>
-                                    </p:set>
-                                    <p:animEffect transition="in" filter="fade">
-                                      <p:cBhvr>
-                                        <p:cTn id="12" dur="500"/>
-                                        <p:tgtEl>
-                                          <p:spTgt spid="5"/>
-                                        </p:tgtEl>
-                                      </p:cBhvr>
-                                    </p:animEffect>
-                                  </p:childTnLst>
-                                </p:cTn>
-                              </p:par>
-                            </p:childTnLst>
-                          </p:cTn>
-                        </p:par>
-                      </p:childTnLst>
-                    </p:cTn>
-                  </p:par>
-                  <p:par>
-                    <p:cTn id="13" fill="hold">
-                      <p:stCondLst>
-                        <p:cond delay="indefinite"/>
-                      </p:stCondLst>
-                      <p:childTnLst>
-                        <p:par>
-                          <p:cTn id="14" fill="hold">
-                            <p:stCondLst>
-                              <p:cond delay="0"/>
-                            </p:stCondLst>
-                            <p:childTnLst>
-                              <p:par>
-                                <p:cTn id="15" presetID="10" presetClass="entr" presetSubtype="0" fill="hold" nodeType="clickEffect">
-                                  <p:stCondLst>
-                                    <p:cond delay="0"/>
-                                  </p:stCondLst>
-                                  <p:childTnLst>
-                                    <p:set>
-                                      <p:cBhvr>
-                                        <p:cTn id="16" dur="1" fill="hold">
-                                          <p:stCondLst>
-                                            <p:cond delay="0"/>
-                                          </p:stCondLst>
-                                        </p:cTn>
-                                        <p:tgtEl>
-                                          <p:spTgt spid="8"/>
-                                        </p:tgtEl>
-                                        <p:attrNameLst>
-                                          <p:attrName>style.visibility</p:attrName>
-                                        </p:attrNameLst>
-                                      </p:cBhvr>
-                                      <p:to>
-                                        <p:strVal val="visible"/>
-                                      </p:to>
-                                    </p:set>
-                                    <p:animEffect transition="in" filter="fade">
-                                      <p:cBhvr>
-                                        <p:cTn id="17" dur="250"/>
-                                        <p:tgtEl>
-                                          <p:spTgt spid="8"/>
-                                        </p:tgtEl>
-                                      </p:cBhvr>
-                                    </p:animEffect>
-                                  </p:childTnLst>
-                                </p:cTn>
-                              </p:par>
-                            </p:childTnLst>
-                          </p:cTn>
-                        </p:par>
-                        <p:par>
-                          <p:cTn id="18" fill="hold">
-                            <p:stCondLst>
-                              <p:cond delay="250"/>
-                            </p:stCondLst>
-                            <p:childTnLst>
-                              <p:par>
-                                <p:cTn id="19" presetID="10" presetClass="entr" presetSubtype="0" fill="hold" grpId="0" nodeType="afterEffect">
-                                  <p:stCondLst>
-                                    <p:cond delay="0"/>
-                                  </p:stCondLst>
-                                  <p:childTnLst>
-                                    <p:set>
-                                      <p:cBhvr>
-                                        <p:cTn id="20" dur="1" fill="hold">
-                                          <p:stCondLst>
-                                            <p:cond delay="0"/>
-                                          </p:stCondLst>
-                                        </p:cTn>
-                                        <p:tgtEl>
-                                          <p:spTgt spid="6"/>
-                                        </p:tgtEl>
-                                        <p:attrNameLst>
-                                          <p:attrName>style.visibility</p:attrName>
-                                        </p:attrNameLst>
-                                      </p:cBhvr>
-                                      <p:to>
-                                        <p:strVal val="visible"/>
-                                      </p:to>
-                                    </p:set>
-                                    <p:animEffect transition="in" filter="fade">
-                                      <p:cBhvr>
-                                        <p:cTn id="21" dur="500"/>
-                                        <p:tgtEl>
-                                          <p:spTgt spid="6"/>
-                                        </p:tgtEl>
-                                      </p:cBhvr>
-                                    </p:animEffect>
-                                  </p:childTnLst>
-                                </p:cTn>
-                              </p:par>
-                            </p:childTnLst>
-                          </p:cTn>
-                        </p:par>
-                      </p:childTnLst>
-                    </p:cTn>
-                  </p:par>
-                  <p:par>
-                    <p:cTn id="22" fill="hold">
-                      <p:stCondLst>
-                        <p:cond delay="indefinite"/>
-                      </p:stCondLst>
-                      <p:childTnLst>
-                        <p:par>
-                          <p:cTn id="23" fill="hold">
-                            <p:stCondLst>
-                              <p:cond delay="0"/>
-                            </p:stCondLst>
-                            <p:childTnLst>
-                              <p:par>
-                                <p:cTn id="24" presetID="10" presetClass="entr" presetSubtype="0" fill="hold" grpId="0" nodeType="clickEffect">
-                                  <p:stCondLst>
-                                    <p:cond delay="0"/>
-                                  </p:stCondLst>
-                                  <p:childTnLst>
-                                    <p:set>
-                                      <p:cBhvr>
-                                        <p:cTn id="25" dur="1" fill="hold">
-                                          <p:stCondLst>
-                                            <p:cond delay="0"/>
-                                          </p:stCondLst>
-                                        </p:cTn>
-                                        <p:tgtEl>
-                                          <p:spTgt spid="9"/>
-                                        </p:tgtEl>
-                                        <p:attrNameLst>
-                                          <p:attrName>style.visibility</p:attrName>
-                                        </p:attrNameLst>
-                                      </p:cBhvr>
-                                      <p:to>
-                                        <p:strVal val="visible"/>
-                                      </p:to>
-                                    </p:set>
-                                    <p:animEffect transition="in" filter="fade">
-                                      <p:cBhvr>
-                                        <p:cTn id="26" dur="500"/>
-                                        <p:tgtEl>
-                                          <p:spTgt spid="9"/>
-                                        </p:tgtEl>
-                                      </p:cBhvr>
-                                    </p:animEffect>
-                                  </p:childTnLst>
-                                </p:cTn>
-                              </p:par>
-                            </p:childTnLst>
-                          </p:cTn>
-                        </p:par>
-                        <p:par>
-                          <p:cTn id="27" fill="hold">
-                            <p:stCondLst>
-                              <p:cond delay="500"/>
-                            </p:stCondLst>
-                            <p:childTnLst>
-                              <p:par>
-                                <p:cTn id="28" presetID="10" presetClass="entr" presetSubtype="0" fill="hold" grpId="0" nodeType="afterEffect">
-                                  <p:stCondLst>
-                                    <p:cond delay="0"/>
-                                  </p:stCondLst>
-                                  <p:childTnLst>
-                                    <p:set>
-                                      <p:cBhvr>
-                                        <p:cTn id="29" dur="1" fill="hold">
-                                          <p:stCondLst>
-                                            <p:cond delay="0"/>
-                                          </p:stCondLst>
-                                        </p:cTn>
-                                        <p:tgtEl>
-                                          <p:spTgt spid="10"/>
-                                        </p:tgtEl>
-                                        <p:attrNameLst>
-                                          <p:attrName>style.visibility</p:attrName>
-                                        </p:attrNameLst>
-                                      </p:cBhvr>
-                                      <p:to>
-                                        <p:strVal val="visible"/>
-                                      </p:to>
-                                    </p:set>
-                                    <p:animEffect transition="in" filter="fade">
-                                      <p:cBhvr>
-                                        <p:cTn id="30" dur="500"/>
-                                        <p:tgtEl>
-                                          <p:spTgt spid="10"/>
-                                        </p:tgtEl>
-                                      </p:cBhvr>
-                                    </p:animEffect>
-                                  </p:childTnLst>
-                                </p:cTn>
-                              </p:par>
-                            </p:childTnLst>
-                          </p:cTn>
-                        </p:par>
-                        <p:par>
-                          <p:cTn id="31" fill="hold">
-                            <p:stCondLst>
-                              <p:cond delay="1000"/>
-                            </p:stCondLst>
-                            <p:childTnLst>
-                              <p:par>
-                                <p:cTn id="32" presetID="10" presetClass="entr" presetSubtype="0" fill="hold" grpId="0" nodeType="afterEffect">
-                                  <p:stCondLst>
-                                    <p:cond delay="0"/>
-                                  </p:stCondLst>
-                                  <p:childTnLst>
-                                    <p:set>
-                                      <p:cBhvr>
-                                        <p:cTn id="33" dur="1" fill="hold">
-                                          <p:stCondLst>
-                                            <p:cond delay="0"/>
-                                          </p:stCondLst>
-                                        </p:cTn>
-                                        <p:tgtEl>
-                                          <p:spTgt spid="11"/>
-                                        </p:tgtEl>
-                                        <p:attrNameLst>
-                                          <p:attrName>style.visibility</p:attrName>
-                                        </p:attrNameLst>
-                                      </p:cBhvr>
-                                      <p:to>
-                                        <p:strVal val="visible"/>
-                                      </p:to>
-                                    </p:set>
-                                    <p:animEffect transition="in" filter="fade">
-                                      <p:cBhvr>
-                                        <p:cTn id="34" dur="500"/>
-                                        <p:tgtEl>
-                                          <p:spTgt spid="11"/>
-                                        </p:tgtEl>
-                                      </p:cBhvr>
-                                    </p:animEffect>
-                                  </p:childTnLst>
-                                </p:cTn>
-                              </p:par>
-                            </p:childTnLst>
-                          </p:cTn>
-                        </p:par>
-                      </p:childTnLst>
-                    </p:cTn>
-                  </p:par>
-                </p:childTnLst>
-              </p:cTn>
-              <p:prevCondLst>
-                <p:cond evt="onPrev" delay="0">
-                  <p:tgtEl>
-                    <p:sldTgt/>
-                  </p:tgtEl>
-                </p:cond>
-              </p:prevCondLst>
-              <p:nextCondLst>
-                <p:cond evt="onNext" delay="0">
-                  <p:tgtEl>
-                    <p:sldTgt/>
-                  </p:tgtEl>
-                </p:cond>
-              </p:nextCondLst>
-            </p:seq>
-          </p:childTnLst>
-        </p:cTn>
-      </p:par>
-    </p:tnLst>
-    <p:bldLst>
-      <p:bldP spid="4" grpId="0" animBg="1"/>
-      <p:bldP spid="5" grpId="0" animBg="1"/>
-      <p:bldP spid="6" grpId="0" animBg="1"/>
-      <p:bldP spid="9" grpId="0" animBg="1"/>
-      <p:bldP spid="10" grpId="0" animBg="1"/>
-      <p:bldP spid="11" grpId="0" animBg="1"/>
     </p:bldLst>
   </p:timing>
 </p:sld>
